--- a/10-Python-internals-and-JIT-compilers.pptx
+++ b/10-Python-internals-and-JIT-compilers.pptx
@@ -5,33 +5,41 @@
     <p:sldMasterId id="2147483648" r:id="rId4"/>
   </p:sldMasterIdLst>
   <p:notesMasterIdLst>
-    <p:notesMasterId r:id="rId26"/>
+    <p:notesMasterId r:id="rId34"/>
   </p:notesMasterIdLst>
   <p:handoutMasterIdLst>
-    <p:handoutMasterId r:id="rId27"/>
+    <p:handoutMasterId r:id="rId35"/>
   </p:handoutMasterIdLst>
   <p:sldIdLst>
     <p:sldId id="256" r:id="rId5"/>
     <p:sldId id="324" r:id="rId6"/>
     <p:sldId id="342" r:id="rId7"/>
     <p:sldId id="366" r:id="rId8"/>
-    <p:sldId id="365" r:id="rId9"/>
-    <p:sldId id="371" r:id="rId10"/>
-    <p:sldId id="372" r:id="rId11"/>
-    <p:sldId id="373" r:id="rId12"/>
-    <p:sldId id="343" r:id="rId13"/>
-    <p:sldId id="344" r:id="rId14"/>
-    <p:sldId id="374" r:id="rId15"/>
-    <p:sldId id="368" r:id="rId16"/>
-    <p:sldId id="345" r:id="rId17"/>
-    <p:sldId id="367" r:id="rId18"/>
-    <p:sldId id="376" r:id="rId19"/>
-    <p:sldId id="375" r:id="rId20"/>
-    <p:sldId id="346" r:id="rId21"/>
-    <p:sldId id="369" r:id="rId22"/>
-    <p:sldId id="364" r:id="rId23"/>
-    <p:sldId id="341" r:id="rId24"/>
-    <p:sldId id="292" r:id="rId25"/>
+    <p:sldId id="378" r:id="rId9"/>
+    <p:sldId id="365" r:id="rId10"/>
+    <p:sldId id="371" r:id="rId11"/>
+    <p:sldId id="372" r:id="rId12"/>
+    <p:sldId id="373" r:id="rId13"/>
+    <p:sldId id="343" r:id="rId14"/>
+    <p:sldId id="377" r:id="rId15"/>
+    <p:sldId id="374" r:id="rId16"/>
+    <p:sldId id="344" r:id="rId17"/>
+    <p:sldId id="379" r:id="rId18"/>
+    <p:sldId id="380" r:id="rId19"/>
+    <p:sldId id="381" r:id="rId20"/>
+    <p:sldId id="375" r:id="rId21"/>
+    <p:sldId id="376" r:id="rId22"/>
+    <p:sldId id="367" r:id="rId23"/>
+    <p:sldId id="345" r:id="rId24"/>
+    <p:sldId id="346" r:id="rId25"/>
+    <p:sldId id="369" r:id="rId26"/>
+    <p:sldId id="382" r:id="rId27"/>
+    <p:sldId id="384" r:id="rId28"/>
+    <p:sldId id="368" r:id="rId29"/>
+    <p:sldId id="383" r:id="rId30"/>
+    <p:sldId id="364" r:id="rId31"/>
+    <p:sldId id="341" r:id="rId32"/>
+    <p:sldId id="292" r:id="rId33"/>
   </p:sldIdLst>
   <p:sldSz cx="12192000" cy="6858000"/>
   <p:notesSz cx="6858000" cy="9144000"/>
@@ -560,7 +568,7 @@
           <a:p>
             <a:fld id="{E10B726A-C477-6444-83BF-F1538D69AD12}" type="datetimeFigureOut">
               <a:rPr lang="en-US" smtClean="0"/>
-              <a:t>4/8/2024</a:t>
+              <a:t>4/15/2024</a:t>
             </a:fld>
             <a:endParaRPr lang="en-US"/>
           </a:p>
@@ -953,7 +961,7 @@
           </a:ln>
           <a:extLst>
             <a:ext uri="{C572A759-6A51-4108-AA02-DFA0A04FC94B}">
-              <ma14:wrappingTextBoxFlag xmlns="" xmlns:m="http://schemas.openxmlformats.org/officeDocument/2006/math" xmlns:a14="http://schemas.microsoft.com/office/drawing/2010/main" xmlns:ma14="http://schemas.microsoft.com/office/mac/drawingml/2011/main" val="1"/>
+              <ma14:wrappingTextBoxFlag xmlns:ma14="http://schemas.microsoft.com/office/mac/drawingml/2011/main" xmlns:a14="http://schemas.microsoft.com/office/drawing/2010/main" xmlns:m="http://schemas.openxmlformats.org/officeDocument/2006/math" xmlns="" val="1"/>
             </a:ext>
           </a:extLst>
         </p:spPr>
@@ -1185,7 +1193,7 @@
           </a:ln>
           <a:extLst>
             <a:ext uri="{C572A759-6A51-4108-AA02-DFA0A04FC94B}">
-              <ma14:wrappingTextBoxFlag xmlns="" xmlns:m="http://schemas.openxmlformats.org/officeDocument/2006/math" xmlns:a14="http://schemas.microsoft.com/office/drawing/2010/main" xmlns:ma14="http://schemas.microsoft.com/office/mac/drawingml/2011/main" val="1"/>
+              <ma14:wrappingTextBoxFlag xmlns:ma14="http://schemas.microsoft.com/office/mac/drawingml/2011/main" xmlns:a14="http://schemas.microsoft.com/office/drawing/2010/main" xmlns:m="http://schemas.openxmlformats.org/officeDocument/2006/math" xmlns="" val="1"/>
             </a:ext>
           </a:extLst>
         </p:spPr>
@@ -1428,7 +1436,7 @@
           </a:ln>
           <a:extLst>
             <a:ext uri="{C572A759-6A51-4108-AA02-DFA0A04FC94B}">
-              <ma14:wrappingTextBoxFlag xmlns="" xmlns:m="http://schemas.openxmlformats.org/officeDocument/2006/math" xmlns:a14="http://schemas.microsoft.com/office/drawing/2010/main" xmlns:ma14="http://schemas.microsoft.com/office/mac/drawingml/2011/main" val="1"/>
+              <ma14:wrappingTextBoxFlag xmlns:ma14="http://schemas.microsoft.com/office/mac/drawingml/2011/main" xmlns:a14="http://schemas.microsoft.com/office/drawing/2010/main" xmlns:m="http://schemas.openxmlformats.org/officeDocument/2006/math" xmlns="" val="1"/>
             </a:ext>
           </a:extLst>
         </p:spPr>
@@ -1524,7 +1532,7 @@
           </a:ln>
           <a:extLst>
             <a:ext uri="{C572A759-6A51-4108-AA02-DFA0A04FC94B}">
-              <ma14:wrappingTextBoxFlag xmlns="" xmlns:m="http://schemas.openxmlformats.org/officeDocument/2006/math" xmlns:a14="http://schemas.microsoft.com/office/drawing/2010/main" xmlns:ma14="http://schemas.microsoft.com/office/mac/drawingml/2011/main" val="1"/>
+              <ma14:wrappingTextBoxFlag xmlns:ma14="http://schemas.microsoft.com/office/mac/drawingml/2011/main" xmlns:a14="http://schemas.microsoft.com/office/drawing/2010/main" xmlns:m="http://schemas.openxmlformats.org/officeDocument/2006/math" xmlns="" val="1"/>
             </a:ext>
           </a:extLst>
         </p:spPr>
@@ -1962,7 +1970,7 @@
           </a:ln>
           <a:extLst>
             <a:ext uri="{C572A759-6A51-4108-AA02-DFA0A04FC94B}">
-              <ma14:wrappingTextBoxFlag xmlns="" xmlns:m="http://schemas.openxmlformats.org/officeDocument/2006/math" xmlns:a14="http://schemas.microsoft.com/office/drawing/2010/main" xmlns:ma14="http://schemas.microsoft.com/office/mac/drawingml/2011/main" val="1"/>
+              <ma14:wrappingTextBoxFlag xmlns:ma14="http://schemas.microsoft.com/office/mac/drawingml/2011/main" xmlns:a14="http://schemas.microsoft.com/office/drawing/2010/main" xmlns:m="http://schemas.openxmlformats.org/officeDocument/2006/math" xmlns="" val="1"/>
             </a:ext>
           </a:extLst>
         </p:spPr>
@@ -2343,7 +2351,7 @@
           </a:ln>
           <a:extLst>
             <a:ext uri="{C572A759-6A51-4108-AA02-DFA0A04FC94B}">
-              <ma14:wrappingTextBoxFlag xmlns="" xmlns:m="http://schemas.openxmlformats.org/officeDocument/2006/math" xmlns:a14="http://schemas.microsoft.com/office/drawing/2010/main" xmlns:ma14="http://schemas.microsoft.com/office/mac/drawingml/2011/main" val="1"/>
+              <ma14:wrappingTextBoxFlag xmlns:ma14="http://schemas.microsoft.com/office/mac/drawingml/2011/main" xmlns:a14="http://schemas.microsoft.com/office/drawing/2010/main" xmlns:m="http://schemas.openxmlformats.org/officeDocument/2006/math" xmlns="" val="1"/>
             </a:ext>
           </a:extLst>
         </p:spPr>
@@ -2793,7 +2801,7 @@
           </a:ln>
           <a:extLst>
             <a:ext uri="{C572A759-6A51-4108-AA02-DFA0A04FC94B}">
-              <ma14:wrappingTextBoxFlag xmlns="" xmlns:m="http://schemas.openxmlformats.org/officeDocument/2006/math" xmlns:a14="http://schemas.microsoft.com/office/drawing/2010/main" xmlns:ma14="http://schemas.microsoft.com/office/mac/drawingml/2011/main" val="1"/>
+              <ma14:wrappingTextBoxFlag xmlns:ma14="http://schemas.microsoft.com/office/mac/drawingml/2011/main" xmlns:a14="http://schemas.microsoft.com/office/drawing/2010/main" xmlns:m="http://schemas.openxmlformats.org/officeDocument/2006/math" xmlns="" val="1"/>
             </a:ext>
           </a:extLst>
         </p:spPr>
@@ -3452,7 +3460,7 @@
           </a:ln>
           <a:extLst>
             <a:ext uri="{C572A759-6A51-4108-AA02-DFA0A04FC94B}">
-              <ma14:wrappingTextBoxFlag xmlns="" xmlns:m="http://schemas.openxmlformats.org/officeDocument/2006/math" xmlns:a14="http://schemas.microsoft.com/office/drawing/2010/main" xmlns:ma14="http://schemas.microsoft.com/office/mac/drawingml/2011/main" val="1"/>
+              <ma14:wrappingTextBoxFlag xmlns:ma14="http://schemas.microsoft.com/office/mac/drawingml/2011/main" xmlns:a14="http://schemas.microsoft.com/office/drawing/2010/main" xmlns:m="http://schemas.openxmlformats.org/officeDocument/2006/math" xmlns="" val="1"/>
             </a:ext>
           </a:extLst>
         </p:spPr>
@@ -4156,7 +4164,7 @@
           </a:ln>
           <a:extLst>
             <a:ext uri="{C572A759-6A51-4108-AA02-DFA0A04FC94B}">
-              <ma14:wrappingTextBoxFlag xmlns="" xmlns:m="http://schemas.openxmlformats.org/officeDocument/2006/math" xmlns:a14="http://schemas.microsoft.com/office/drawing/2010/main" xmlns:ma14="http://schemas.microsoft.com/office/mac/drawingml/2011/main" val="1"/>
+              <ma14:wrappingTextBoxFlag xmlns:ma14="http://schemas.microsoft.com/office/mac/drawingml/2011/main" xmlns:a14="http://schemas.microsoft.com/office/drawing/2010/main" xmlns:m="http://schemas.openxmlformats.org/officeDocument/2006/math" xmlns="" val="1"/>
             </a:ext>
           </a:extLst>
         </p:spPr>
@@ -4868,7 +4876,7 @@
           </a:ln>
           <a:extLst>
             <a:ext uri="{C572A759-6A51-4108-AA02-DFA0A04FC94B}">
-              <ma14:wrappingTextBoxFlag xmlns="" xmlns:m="http://schemas.openxmlformats.org/officeDocument/2006/math" xmlns:a14="http://schemas.microsoft.com/office/drawing/2010/main" xmlns:ma14="http://schemas.microsoft.com/office/mac/drawingml/2011/main" val="1"/>
+              <ma14:wrappingTextBoxFlag xmlns:ma14="http://schemas.microsoft.com/office/mac/drawingml/2011/main" xmlns:a14="http://schemas.microsoft.com/office/drawing/2010/main" xmlns:m="http://schemas.openxmlformats.org/officeDocument/2006/math" xmlns="" val="1"/>
             </a:ext>
           </a:extLst>
         </p:spPr>
@@ -5647,7 +5655,7 @@
           </a:ln>
           <a:extLst>
             <a:ext uri="{C572A759-6A51-4108-AA02-DFA0A04FC94B}">
-              <ma14:wrappingTextBoxFlag xmlns="" xmlns:m="http://schemas.openxmlformats.org/officeDocument/2006/math" xmlns:a14="http://schemas.microsoft.com/office/drawing/2010/main" xmlns:ma14="http://schemas.microsoft.com/office/mac/drawingml/2011/main" val="1"/>
+              <ma14:wrappingTextBoxFlag xmlns:ma14="http://schemas.microsoft.com/office/mac/drawingml/2011/main" xmlns:a14="http://schemas.microsoft.com/office/drawing/2010/main" xmlns:m="http://schemas.openxmlformats.org/officeDocument/2006/math" xmlns="" val="1"/>
             </a:ext>
           </a:extLst>
         </p:spPr>
@@ -5848,7 +5856,7 @@
           </a:ln>
           <a:extLst>
             <a:ext uri="{C572A759-6A51-4108-AA02-DFA0A04FC94B}">
-              <ma14:wrappingTextBoxFlag xmlns="" xmlns:m="http://schemas.openxmlformats.org/officeDocument/2006/math" xmlns:a14="http://schemas.microsoft.com/office/drawing/2010/main" xmlns:ma14="http://schemas.microsoft.com/office/mac/drawingml/2011/main" val="1"/>
+              <ma14:wrappingTextBoxFlag xmlns:ma14="http://schemas.microsoft.com/office/mac/drawingml/2011/main" xmlns:a14="http://schemas.microsoft.com/office/drawing/2010/main" xmlns:m="http://schemas.openxmlformats.org/officeDocument/2006/math" xmlns="" val="1"/>
             </a:ext>
           </a:extLst>
         </p:spPr>
@@ -6259,7 +6267,7 @@
           </a:ln>
           <a:extLst>
             <a:ext uri="{C572A759-6A51-4108-AA02-DFA0A04FC94B}">
-              <ma14:wrappingTextBoxFlag xmlns="" xmlns:m="http://schemas.openxmlformats.org/officeDocument/2006/math" xmlns:a14="http://schemas.microsoft.com/office/drawing/2010/main" xmlns:ma14="http://schemas.microsoft.com/office/mac/drawingml/2011/main" val="1"/>
+              <ma14:wrappingTextBoxFlag xmlns:ma14="http://schemas.microsoft.com/office/mac/drawingml/2011/main" xmlns:a14="http://schemas.microsoft.com/office/drawing/2010/main" xmlns:m="http://schemas.openxmlformats.org/officeDocument/2006/math" xmlns="" val="1"/>
             </a:ext>
           </a:extLst>
         </p:spPr>
@@ -6624,7 +6632,7 @@
           </a:ln>
           <a:extLst>
             <a:ext uri="{C572A759-6A51-4108-AA02-DFA0A04FC94B}">
-              <ma14:wrappingTextBoxFlag xmlns="" xmlns:m="http://schemas.openxmlformats.org/officeDocument/2006/math" xmlns:a14="http://schemas.microsoft.com/office/drawing/2010/main" xmlns:ma14="http://schemas.microsoft.com/office/mac/drawingml/2011/main" val="1"/>
+              <ma14:wrappingTextBoxFlag xmlns:ma14="http://schemas.microsoft.com/office/mac/drawingml/2011/main" xmlns:a14="http://schemas.microsoft.com/office/drawing/2010/main" xmlns:m="http://schemas.openxmlformats.org/officeDocument/2006/math" xmlns="" val="1"/>
             </a:ext>
           </a:extLst>
         </p:spPr>
@@ -7312,7 +7320,7 @@
           </a:ln>
           <a:extLst>
             <a:ext uri="{C572A759-6A51-4108-AA02-DFA0A04FC94B}">
-              <ma14:wrappingTextBoxFlag xmlns="" xmlns:m="http://schemas.openxmlformats.org/officeDocument/2006/math" xmlns:a14="http://schemas.microsoft.com/office/drawing/2010/main" xmlns:ma14="http://schemas.microsoft.com/office/mac/drawingml/2011/main" val="1"/>
+              <ma14:wrappingTextBoxFlag xmlns:ma14="http://schemas.microsoft.com/office/mac/drawingml/2011/main" xmlns:a14="http://schemas.microsoft.com/office/drawing/2010/main" xmlns:m="http://schemas.openxmlformats.org/officeDocument/2006/math" xmlns="" val="1"/>
             </a:ext>
           </a:extLst>
         </p:spPr>
@@ -7871,7 +7879,7 @@
           </a:ln>
           <a:extLst>
             <a:ext uri="{C572A759-6A51-4108-AA02-DFA0A04FC94B}">
-              <ma14:wrappingTextBoxFlag xmlns="" xmlns:m="http://schemas.openxmlformats.org/officeDocument/2006/math" xmlns:a14="http://schemas.microsoft.com/office/drawing/2010/main" xmlns:ma14="http://schemas.microsoft.com/office/mac/drawingml/2011/main" val="1"/>
+              <ma14:wrappingTextBoxFlag xmlns:ma14="http://schemas.microsoft.com/office/mac/drawingml/2011/main" xmlns:a14="http://schemas.microsoft.com/office/drawing/2010/main" xmlns:m="http://schemas.openxmlformats.org/officeDocument/2006/math" xmlns="" val="1"/>
             </a:ext>
           </a:extLst>
         </p:spPr>
@@ -8495,7 +8503,7 @@
           </a:ln>
           <a:extLst>
             <a:ext uri="{C572A759-6A51-4108-AA02-DFA0A04FC94B}">
-              <ma14:wrappingTextBoxFlag xmlns="" xmlns:m="http://schemas.openxmlformats.org/officeDocument/2006/math" xmlns:a14="http://schemas.microsoft.com/office/drawing/2010/main" xmlns:ma14="http://schemas.microsoft.com/office/mac/drawingml/2011/main" val="1"/>
+              <ma14:wrappingTextBoxFlag xmlns:ma14="http://schemas.microsoft.com/office/mac/drawingml/2011/main" xmlns:a14="http://schemas.microsoft.com/office/drawing/2010/main" xmlns:m="http://schemas.openxmlformats.org/officeDocument/2006/math" xmlns="" val="1"/>
             </a:ext>
           </a:extLst>
         </p:spPr>
@@ -8957,7 +8965,7 @@
           </a:ln>
           <a:extLst>
             <a:ext uri="{C572A759-6A51-4108-AA02-DFA0A04FC94B}">
-              <ma14:wrappingTextBoxFlag xmlns="" xmlns:m="http://schemas.openxmlformats.org/officeDocument/2006/math" xmlns:a14="http://schemas.microsoft.com/office/drawing/2010/main" xmlns:ma14="http://schemas.microsoft.com/office/mac/drawingml/2011/main" val="1"/>
+              <ma14:wrappingTextBoxFlag xmlns:ma14="http://schemas.microsoft.com/office/mac/drawingml/2011/main" xmlns:a14="http://schemas.microsoft.com/office/drawing/2010/main" xmlns:m="http://schemas.openxmlformats.org/officeDocument/2006/math" xmlns="" val="1"/>
             </a:ext>
           </a:extLst>
         </p:spPr>
@@ -9263,7 +9271,7 @@
           </a:ln>
           <a:extLst>
             <a:ext uri="{C572A759-6A51-4108-AA02-DFA0A04FC94B}">
-              <ma14:wrappingTextBoxFlag xmlns:ma14="http://schemas.microsoft.com/office/mac/drawingml/2011/main" xmlns:a14="http://schemas.microsoft.com/office/drawing/2010/main" xmlns:m="http://schemas.openxmlformats.org/officeDocument/2006/math" xmlns="" val="1"/>
+              <ma14:wrappingTextBoxFlag xmlns="" xmlns:m="http://schemas.openxmlformats.org/officeDocument/2006/math" xmlns:a14="http://schemas.microsoft.com/office/drawing/2010/main" xmlns:ma14="http://schemas.microsoft.com/office/mac/drawingml/2011/main" val="1"/>
             </a:ext>
           </a:extLst>
         </p:spPr>
@@ -9654,7 +9662,7 @@
           </a:ln>
           <a:extLst>
             <a:ext uri="{C572A759-6A51-4108-AA02-DFA0A04FC94B}">
-              <ma14:wrappingTextBoxFlag xmlns="" xmlns:m="http://schemas.openxmlformats.org/officeDocument/2006/math" xmlns:a14="http://schemas.microsoft.com/office/drawing/2010/main" xmlns:ma14="http://schemas.microsoft.com/office/mac/drawingml/2011/main" val="1"/>
+              <ma14:wrappingTextBoxFlag xmlns:ma14="http://schemas.microsoft.com/office/mac/drawingml/2011/main" xmlns:a14="http://schemas.microsoft.com/office/drawing/2010/main" xmlns:m="http://schemas.openxmlformats.org/officeDocument/2006/math" xmlns="" val="1"/>
             </a:ext>
           </a:extLst>
         </p:spPr>
@@ -9750,7 +9758,7 @@
           </a:ln>
           <a:extLst>
             <a:ext uri="{C572A759-6A51-4108-AA02-DFA0A04FC94B}">
-              <ma14:wrappingTextBoxFlag xmlns="" xmlns:m="http://schemas.openxmlformats.org/officeDocument/2006/math" xmlns:a14="http://schemas.microsoft.com/office/drawing/2010/main" xmlns:ma14="http://schemas.microsoft.com/office/mac/drawingml/2011/main" val="1"/>
+              <ma14:wrappingTextBoxFlag xmlns:ma14="http://schemas.microsoft.com/office/mac/drawingml/2011/main" xmlns:a14="http://schemas.microsoft.com/office/drawing/2010/main" xmlns:m="http://schemas.openxmlformats.org/officeDocument/2006/math" xmlns="" val="1"/>
             </a:ext>
           </a:extLst>
         </p:spPr>
@@ -9909,7 +9917,7 @@
           </a:ln>
           <a:extLst>
             <a:ext uri="{C572A759-6A51-4108-AA02-DFA0A04FC94B}">
-              <ma14:wrappingTextBoxFlag xmlns="" xmlns:m="http://schemas.openxmlformats.org/officeDocument/2006/math" xmlns:a14="http://schemas.microsoft.com/office/drawing/2010/main" xmlns:ma14="http://schemas.microsoft.com/office/mac/drawingml/2011/main" val="1"/>
+              <ma14:wrappingTextBoxFlag xmlns:ma14="http://schemas.microsoft.com/office/mac/drawingml/2011/main" xmlns:a14="http://schemas.microsoft.com/office/drawing/2010/main" xmlns:m="http://schemas.openxmlformats.org/officeDocument/2006/math" xmlns="" val="1"/>
             </a:ext>
           </a:extLst>
         </p:spPr>
@@ -10118,7 +10126,7 @@
           </a:ln>
           <a:extLst>
             <a:ext uri="{C572A759-6A51-4108-AA02-DFA0A04FC94B}">
-              <ma14:wrappingTextBoxFlag xmlns="" xmlns:m="http://schemas.openxmlformats.org/officeDocument/2006/math" xmlns:a14="http://schemas.microsoft.com/office/drawing/2010/main" xmlns:ma14="http://schemas.microsoft.com/office/mac/drawingml/2011/main" val="1"/>
+              <ma14:wrappingTextBoxFlag xmlns:ma14="http://schemas.microsoft.com/office/mac/drawingml/2011/main" xmlns:a14="http://schemas.microsoft.com/office/drawing/2010/main" xmlns:m="http://schemas.openxmlformats.org/officeDocument/2006/math" xmlns="" val="1"/>
             </a:ext>
           </a:extLst>
         </p:spPr>
@@ -10390,7 +10398,7 @@
           </a:ln>
           <a:extLst>
             <a:ext uri="{C572A759-6A51-4108-AA02-DFA0A04FC94B}">
-              <ma14:wrappingTextBoxFlag xmlns="" xmlns:m="http://schemas.openxmlformats.org/officeDocument/2006/math" xmlns:a14="http://schemas.microsoft.com/office/drawing/2010/main" xmlns:ma14="http://schemas.microsoft.com/office/mac/drawingml/2011/main" val="1"/>
+              <ma14:wrappingTextBoxFlag xmlns:ma14="http://schemas.microsoft.com/office/mac/drawingml/2011/main" xmlns:a14="http://schemas.microsoft.com/office/drawing/2010/main" xmlns:m="http://schemas.openxmlformats.org/officeDocument/2006/math" xmlns="" val="1"/>
             </a:ext>
           </a:extLst>
         </p:spPr>
@@ -10612,7 +10620,7 @@
           </a:ln>
           <a:extLst>
             <a:ext uri="{C572A759-6A51-4108-AA02-DFA0A04FC94B}">
-              <ma14:wrappingTextBoxFlag xmlns="" xmlns:m="http://schemas.openxmlformats.org/officeDocument/2006/math" xmlns:a14="http://schemas.microsoft.com/office/drawing/2010/main" xmlns:ma14="http://schemas.microsoft.com/office/mac/drawingml/2011/main" val="1"/>
+              <ma14:wrappingTextBoxFlag xmlns:ma14="http://schemas.microsoft.com/office/mac/drawingml/2011/main" xmlns:a14="http://schemas.microsoft.com/office/drawing/2010/main" xmlns:m="http://schemas.openxmlformats.org/officeDocument/2006/math" xmlns="" val="1"/>
             </a:ext>
           </a:extLst>
         </p:spPr>
@@ -10666,7 +10674,7 @@
           </a:ln>
           <a:extLst>
             <a:ext uri="{C572A759-6A51-4108-AA02-DFA0A04FC94B}">
-              <ma14:wrappingTextBoxFlag xmlns="" xmlns:m="http://schemas.openxmlformats.org/officeDocument/2006/math" xmlns:a14="http://schemas.microsoft.com/office/drawing/2010/main" xmlns:ma14="http://schemas.microsoft.com/office/mac/drawingml/2011/main" val="1"/>
+              <ma14:wrappingTextBoxFlag xmlns:ma14="http://schemas.microsoft.com/office/mac/drawingml/2011/main" xmlns:a14="http://schemas.microsoft.com/office/drawing/2010/main" xmlns:m="http://schemas.openxmlformats.org/officeDocument/2006/math" xmlns="" val="1"/>
             </a:ext>
           </a:extLst>
         </p:spPr>
@@ -10734,7 +10742,7 @@
           </a:ln>
           <a:extLst>
             <a:ext uri="{C572A759-6A51-4108-AA02-DFA0A04FC94B}">
-              <ma14:wrappingTextBoxFlag xmlns="" xmlns:m="http://schemas.openxmlformats.org/officeDocument/2006/math" xmlns:a14="http://schemas.microsoft.com/office/drawing/2010/main" xmlns:ma14="http://schemas.microsoft.com/office/mac/drawingml/2011/main" val="1"/>
+              <ma14:wrappingTextBoxFlag xmlns:ma14="http://schemas.microsoft.com/office/mac/drawingml/2011/main" xmlns:a14="http://schemas.microsoft.com/office/drawing/2010/main" xmlns:m="http://schemas.openxmlformats.org/officeDocument/2006/math" xmlns="" val="1"/>
             </a:ext>
           </a:extLst>
         </p:spPr>
@@ -11025,7 +11033,7 @@
           </a:ln>
           <a:extLst>
             <a:ext uri="{C572A759-6A51-4108-AA02-DFA0A04FC94B}">
-              <ma14:wrappingTextBoxFlag xmlns="" xmlns:m="http://schemas.openxmlformats.org/officeDocument/2006/math" xmlns:a14="http://schemas.microsoft.com/office/drawing/2010/main" xmlns:ma14="http://schemas.microsoft.com/office/mac/drawingml/2011/main" val="1"/>
+              <ma14:wrappingTextBoxFlag xmlns:ma14="http://schemas.microsoft.com/office/mac/drawingml/2011/main" xmlns:a14="http://schemas.microsoft.com/office/drawing/2010/main" xmlns:m="http://schemas.openxmlformats.org/officeDocument/2006/math" xmlns="" val="1"/>
             </a:ext>
           </a:extLst>
         </p:spPr>
@@ -11101,7 +11109,7 @@
           </a:ln>
           <a:extLst>
             <a:ext uri="{C572A759-6A51-4108-AA02-DFA0A04FC94B}">
-              <ma14:wrappingTextBoxFlag xmlns="" xmlns:m="http://schemas.openxmlformats.org/officeDocument/2006/math" xmlns:a14="http://schemas.microsoft.com/office/drawing/2010/main" xmlns:ma14="http://schemas.microsoft.com/office/mac/drawingml/2011/main" val="1"/>
+              <ma14:wrappingTextBoxFlag xmlns:ma14="http://schemas.microsoft.com/office/mac/drawingml/2011/main" xmlns:a14="http://schemas.microsoft.com/office/drawing/2010/main" xmlns:m="http://schemas.openxmlformats.org/officeDocument/2006/math" xmlns="" val="1"/>
             </a:ext>
           </a:extLst>
         </p:spPr>
@@ -12113,7 +12121,7 @@
           <p:cNvPr id="2" name="Title 1">
             <a:extLst>
               <a:ext uri="{FF2B5EF4-FFF2-40B4-BE49-F238E27FC236}">
-                <a16:creationId xmlns:a16="http://schemas.microsoft.com/office/drawing/2014/main" id="{2A94D159-EF32-4D01-B228-B7E8ACF04FD9}"/>
+                <a16:creationId xmlns:a16="http://schemas.microsoft.com/office/drawing/2014/main" id="{D34441B0-BAB0-4793-90C6-8114CD5F64F1}"/>
               </a:ext>
             </a:extLst>
           </p:cNvPr>
@@ -12131,7 +12139,7 @@
           <a:p>
             <a:r>
               <a:rPr lang="en-US" dirty="0"/>
-              <a:t>Bytecode specializations (Python 3.11, PEP-659)</a:t>
+              <a:t>Python bytecode (IR)</a:t>
             </a:r>
           </a:p>
         </p:txBody>
@@ -12141,7 +12149,7 @@
           <p:cNvPr id="3" name="Content Placeholder 2">
             <a:extLst>
               <a:ext uri="{FF2B5EF4-FFF2-40B4-BE49-F238E27FC236}">
-                <a16:creationId xmlns:a16="http://schemas.microsoft.com/office/drawing/2014/main" id="{6B2131F2-EDA3-4157-8849-7A98D90873E2}"/>
+                <a16:creationId xmlns:a16="http://schemas.microsoft.com/office/drawing/2014/main" id="{4AA5886F-C8D8-4092-8FB0-ED8B3BD30B64}"/>
               </a:ext>
             </a:extLst>
           </p:cNvPr>
@@ -12152,70 +12160,166 @@
             <p:ph sz="quarter" idx="28"/>
           </p:nvPr>
         </p:nvSpPr>
-        <p:spPr/>
-        <p:txBody>
-          <a:bodyPr>
-            <a:normAutofit/>
-          </a:bodyPr>
+        <p:spPr>
+          <a:xfrm>
+            <a:off x="571370" y="1523999"/>
+            <a:ext cx="11010900" cy="4574947"/>
+          </a:xfrm>
+        </p:spPr>
+        <p:txBody>
+          <a:bodyPr/>
           <a:lstStyle/>
           <a:p>
             <a:r>
               <a:rPr lang="en-US" dirty="0"/>
-              <a:t>Bytecode ops are too abstract initially</a:t>
-            </a:r>
-          </a:p>
-          <a:p>
-            <a:r>
-              <a:rPr lang="en-US" dirty="0"/>
-              <a:t>If “hot” code is detected (saturating counter), specialization is done:</a:t>
+              <a:t>As any IR it has 3 forms:</a:t>
             </a:r>
           </a:p>
           <a:p>
             <a:pPr lvl="1"/>
             <a:r>
               <a:rPr lang="en-US" dirty="0"/>
-              <a:t>Example: LOAD_GLOBAL -&gt; LOAD_GLOBAL_BUILTIN / LOAD_GLOBAL_MODULE</a:t>
-            </a:r>
+              <a:t>Byte-code itself: </a:t>
+            </a:r>
+            <a:r>
+              <a:rPr lang="en-US" b="1" dirty="0"/>
+              <a:t>*.</a:t>
+            </a:r>
+            <a:r>
+              <a:rPr lang="en-US" b="1" dirty="0" err="1"/>
+              <a:t>pyc</a:t>
+            </a:r>
+            <a:r>
+              <a:rPr lang="en-US" dirty="0"/>
+              <a:t> file content or </a:t>
+            </a:r>
+            <a:r>
+              <a:rPr lang="en-US" dirty="0" err="1"/>
+              <a:t>code_object</a:t>
+            </a:r>
+            <a:r>
+              <a:rPr lang="en-US" b="1" dirty="0" err="1"/>
+              <a:t>.co_code</a:t>
+            </a:r>
+            <a:endParaRPr lang="en-US" b="1" dirty="0"/>
           </a:p>
           <a:p>
             <a:pPr lvl="1"/>
             <a:r>
               <a:rPr lang="en-US" dirty="0"/>
-              <a:t>Example: BINARY_ADD -&gt; BINARY_ADD_INT / BINARY_ADD_FLT</a:t>
-            </a:r>
-          </a:p>
-          <a:p>
-            <a:pPr marL="0" indent="0">
-              <a:buNone/>
-            </a:pPr>
-            <a:endParaRPr lang="en-US" dirty="0"/>
-          </a:p>
-          <a:p>
-            <a:r>
-              <a:rPr lang="en-US" dirty="0"/>
-              <a:t>If input is changed few times (counter too), de-optimization happens</a:t>
-            </a:r>
+              <a:t>In-memory representation: </a:t>
+            </a:r>
+            <a:r>
+              <a:rPr lang="en-US" b="1" dirty="0" err="1"/>
+              <a:t>code_object</a:t>
+            </a:r>
+            <a:r>
+              <a:rPr lang="en-US" b="1" dirty="0"/>
+              <a:t> = compile(…)</a:t>
+            </a:r>
+            <a:r>
+              <a:rPr lang="en-US" dirty="0"/>
+              <a:t> or </a:t>
+            </a:r>
+            <a:r>
+              <a:rPr lang="en-US" b="1" dirty="0" err="1"/>
+              <a:t>PyCodeObject</a:t>
+            </a:r>
+            <a:endParaRPr lang="en-US" b="1" dirty="0"/>
           </a:p>
           <a:p>
             <a:pPr lvl="1"/>
             <a:r>
               <a:rPr lang="en-US" dirty="0"/>
-              <a:t>back to LOAD_GLOBAL</a:t>
-            </a:r>
-          </a:p>
-          <a:p>
-            <a:pPr lvl="1"/>
-            <a:r>
-              <a:rPr lang="en-US" dirty="0"/>
-              <a:t>back to BINARY_ADD</a:t>
-            </a:r>
-          </a:p>
-        </p:txBody>
-      </p:sp>
+              <a:t>String representation: </a:t>
+            </a:r>
+            <a:r>
+              <a:rPr lang="en-US" b="1" dirty="0"/>
+              <a:t>import dis; </a:t>
+            </a:r>
+            <a:r>
+              <a:rPr lang="en-US" b="1" dirty="0" err="1"/>
+              <a:t>dis.dis</a:t>
+            </a:r>
+            <a:r>
+              <a:rPr lang="en-US" b="1" dirty="0"/>
+              <a:t>(</a:t>
+            </a:r>
+            <a:r>
+              <a:rPr lang="en-US" b="1" dirty="0" err="1"/>
+              <a:t>code_object</a:t>
+            </a:r>
+            <a:r>
+              <a:rPr lang="en-US" b="1" dirty="0"/>
+              <a:t>)</a:t>
+            </a:r>
+          </a:p>
+        </p:txBody>
+      </p:sp>
+      <p:pic>
+        <p:nvPicPr>
+          <p:cNvPr id="7" name="Picture 6">
+            <a:extLst>
+              <a:ext uri="{FF2B5EF4-FFF2-40B4-BE49-F238E27FC236}">
+                <a16:creationId xmlns:a16="http://schemas.microsoft.com/office/drawing/2014/main" id="{7B1918A1-1EDD-13CB-ADFC-476CCC8E834C}"/>
+              </a:ext>
+            </a:extLst>
+          </p:cNvPr>
+          <p:cNvPicPr>
+            <a:picLocks noChangeAspect="1"/>
+          </p:cNvPicPr>
+          <p:nvPr/>
+        </p:nvPicPr>
+        <p:blipFill>
+          <a:blip r:embed="rId2"/>
+          <a:stretch>
+            <a:fillRect/>
+          </a:stretch>
+        </p:blipFill>
+        <p:spPr>
+          <a:xfrm>
+            <a:off x="609730" y="3645131"/>
+            <a:ext cx="6581775" cy="2181225"/>
+          </a:xfrm>
+          <a:prstGeom prst="rect">
+            <a:avLst/>
+          </a:prstGeom>
+        </p:spPr>
+      </p:pic>
+      <p:pic>
+        <p:nvPicPr>
+          <p:cNvPr id="9" name="Picture 8">
+            <a:extLst>
+              <a:ext uri="{FF2B5EF4-FFF2-40B4-BE49-F238E27FC236}">
+                <a16:creationId xmlns:a16="http://schemas.microsoft.com/office/drawing/2014/main" id="{63361791-A24B-14EB-363F-8295D8D4662B}"/>
+              </a:ext>
+            </a:extLst>
+          </p:cNvPr>
+          <p:cNvPicPr>
+            <a:picLocks noChangeAspect="1"/>
+          </p:cNvPicPr>
+          <p:nvPr/>
+        </p:nvPicPr>
+        <p:blipFill>
+          <a:blip r:embed="rId3"/>
+          <a:stretch>
+            <a:fillRect/>
+          </a:stretch>
+        </p:blipFill>
+        <p:spPr>
+          <a:xfrm>
+            <a:off x="6368562" y="5202102"/>
+            <a:ext cx="4648200" cy="1143000"/>
+          </a:xfrm>
+          <a:prstGeom prst="rect">
+            <a:avLst/>
+          </a:prstGeom>
+        </p:spPr>
+      </p:pic>
     </p:spTree>
     <p:extLst>
       <p:ext uri="{BB962C8B-B14F-4D97-AF65-F5344CB8AC3E}">
-        <p14:creationId xmlns:p14="http://schemas.microsoft.com/office/powerpoint/2010/main" val="155934463"/>
+        <p14:creationId xmlns:p14="http://schemas.microsoft.com/office/powerpoint/2010/main" val="1348333889"/>
       </p:ext>
     </p:extLst>
   </p:cSld>
@@ -12259,7 +12363,7 @@
           <p:cNvPr id="2" name="Title 1">
             <a:extLst>
               <a:ext uri="{FF2B5EF4-FFF2-40B4-BE49-F238E27FC236}">
-                <a16:creationId xmlns:a16="http://schemas.microsoft.com/office/drawing/2014/main" id="{2A94D159-EF32-4D01-B228-B7E8ACF04FD9}"/>
+                <a16:creationId xmlns:a16="http://schemas.microsoft.com/office/drawing/2014/main" id="{D34441B0-BAB0-4793-90C6-8114CD5F64F1}"/>
               </a:ext>
             </a:extLst>
           </p:cNvPr>
@@ -12277,265 +12381,113 @@
           <a:p>
             <a:r>
               <a:rPr lang="en-US" dirty="0"/>
-              <a:t>Bytecode interpreter (Python VM)</a:t>
-            </a:r>
-          </a:p>
-        </p:txBody>
-      </p:sp>
-      <p:sp>
-        <p:nvSpPr>
-          <p:cNvPr id="3" name="Content Placeholder 2">
-            <a:extLst>
-              <a:ext uri="{FF2B5EF4-FFF2-40B4-BE49-F238E27FC236}">
-                <a16:creationId xmlns:a16="http://schemas.microsoft.com/office/drawing/2014/main" id="{6B2131F2-EDA3-4157-8849-7A98D90873E2}"/>
-              </a:ext>
-            </a:extLst>
-          </p:cNvPr>
-          <p:cNvSpPr>
-            <a:spLocks noGrp="1"/>
-          </p:cNvSpPr>
-          <p:nvPr>
-            <p:ph sz="quarter" idx="28"/>
-          </p:nvPr>
-        </p:nvSpPr>
-        <p:spPr/>
-        <p:txBody>
-          <a:bodyPr>
-            <a:normAutofit lnSpcReduction="10000"/>
-          </a:bodyPr>
-          <a:lstStyle/>
-          <a:p>
-            <a:r>
-              <a:rPr lang="en-US" dirty="0"/>
-              <a:t>Bytecode docs: </a:t>
-            </a:r>
-            <a:r>
-              <a:rPr lang="en-US" dirty="0">
-                <a:hlinkClick r:id="rId2"/>
-              </a:rPr>
-              <a:t>https://devguide.python.org/internals/interpreter/</a:t>
-            </a:r>
-            <a:r>
-              <a:rPr lang="en-US" dirty="0"/>
-              <a:t> (3.11)</a:t>
-            </a:r>
-          </a:p>
-          <a:p>
-            <a:r>
-              <a:rPr lang="en-US" dirty="0"/>
-              <a:t>2 kinds of VM:</a:t>
-            </a:r>
-          </a:p>
-          <a:p>
-            <a:pPr lvl="1"/>
-            <a:r>
-              <a:rPr lang="en-US" dirty="0"/>
-              <a:t>Stack-based VM (most popular, including Python VM)</a:t>
-            </a:r>
-          </a:p>
-          <a:p>
-            <a:pPr lvl="2"/>
-            <a:r>
-              <a:rPr lang="en-US" dirty="0"/>
-              <a:t>More portable, easier implementation, more compact in memory (doesn’t need addresses)</a:t>
-            </a:r>
-          </a:p>
-          <a:p>
-            <a:pPr lvl="1"/>
-            <a:r>
-              <a:rPr lang="en-US" dirty="0"/>
-              <a:t>Register-based VM (</a:t>
-            </a:r>
-            <a:r>
-              <a:rPr lang="en-US" dirty="0">
-                <a:hlinkClick r:id="rId3"/>
-              </a:rPr>
-              <a:t>https://github.com/iritkatriel/cpython/tree/regmachine2</a:t>
-            </a:r>
-            <a:r>
-              <a:rPr lang="en-US" dirty="0"/>
-              <a:t>)</a:t>
-            </a:r>
-          </a:p>
-          <a:p>
-            <a:pPr lvl="2"/>
-            <a:r>
-              <a:rPr lang="en-US" dirty="0"/>
-              <a:t>Less portable, need more memory (need addresses), should be faster</a:t>
-            </a:r>
-          </a:p>
-          <a:p>
+              <a:t>.</a:t>
+            </a:r>
             <a:r>
               <a:rPr lang="en-US" dirty="0" err="1"/>
-              <a:t>ceval.c</a:t>
-            </a:r>
-            <a:r>
-              <a:rPr lang="en-US" dirty="0"/>
-              <a:t>, </a:t>
-            </a:r>
-            <a:r>
-              <a:rPr lang="en-US" sz="1800" dirty="0">
+              <a:t>pyc</a:t>
+            </a:r>
+            <a:r>
+              <a:rPr lang="en-US" dirty="0"/>
+              <a:t> file format &amp; decoding</a:t>
+            </a:r>
+          </a:p>
+        </p:txBody>
+      </p:sp>
+      <p:pic>
+        <p:nvPicPr>
+          <p:cNvPr id="15" name="Picture 14">
+            <a:extLst>
+              <a:ext uri="{FF2B5EF4-FFF2-40B4-BE49-F238E27FC236}">
+                <a16:creationId xmlns:a16="http://schemas.microsoft.com/office/drawing/2014/main" id="{6CB4516C-4CAB-652C-0F09-9E5506EE3A2E}"/>
+              </a:ext>
+            </a:extLst>
+          </p:cNvPr>
+          <p:cNvPicPr>
+            <a:picLocks noChangeAspect="1"/>
+          </p:cNvPicPr>
+          <p:nvPr/>
+        </p:nvPicPr>
+        <p:blipFill>
+          <a:blip r:embed="rId2"/>
+          <a:stretch>
+            <a:fillRect/>
+          </a:stretch>
+        </p:blipFill>
+        <p:spPr>
+          <a:xfrm>
+            <a:off x="571369" y="4213412"/>
+            <a:ext cx="8880601" cy="2164975"/>
+          </a:xfrm>
+          <a:prstGeom prst="rect">
+            <a:avLst/>
+          </a:prstGeom>
+        </p:spPr>
+      </p:pic>
+      <p:pic>
+        <p:nvPicPr>
+          <p:cNvPr id="1026" name="Picture 2" descr="pyc files">
+            <a:extLst>
+              <a:ext uri="{FF2B5EF4-FFF2-40B4-BE49-F238E27FC236}">
+                <a16:creationId xmlns:a16="http://schemas.microsoft.com/office/drawing/2014/main" id="{74CA5F6D-D6ED-EFD0-29DE-7C88D253D7CC}"/>
+              </a:ext>
+            </a:extLst>
+          </p:cNvPr>
+          <p:cNvPicPr>
+            <a:picLocks noChangeAspect="1" noChangeArrowheads="1"/>
+          </p:cNvPicPr>
+          <p:nvPr/>
+        </p:nvPicPr>
+        <p:blipFill>
+          <a:blip r:embed="rId3">
+            <a:extLst>
+              <a:ext uri="{28A0092B-C50C-407E-A947-70E740481C1C}">
+                <a14:useLocalDpi xmlns:a14="http://schemas.microsoft.com/office/drawing/2010/main" val="0"/>
+              </a:ext>
+            </a:extLst>
+          </a:blip>
+          <a:srcRect/>
+          <a:stretch>
+            <a:fillRect/>
+          </a:stretch>
+        </p:blipFill>
+        <p:spPr bwMode="auto">
+          <a:xfrm>
+            <a:off x="6779485" y="134468"/>
+            <a:ext cx="5412515" cy="4464425"/>
+          </a:xfrm>
+          <a:prstGeom prst="rect">
+            <a:avLst/>
+          </a:prstGeom>
+          <a:noFill/>
+          <a:extLst>
+            <a:ext uri="{909E8E84-426E-40DD-AFC4-6F175D3DCCD1}">
+              <a14:hiddenFill xmlns:a14="http://schemas.microsoft.com/office/drawing/2010/main">
                 <a:solidFill>
-                  <a:srgbClr val="000000"/>
+                  <a:srgbClr val="FFFFFF"/>
                 </a:solidFill>
-                <a:latin typeface="Cascadia Mono" panose="020B0609020000020004" pitchFamily="49" charset="0"/>
-              </a:rPr>
-              <a:t>_</a:t>
-            </a:r>
-            <a:r>
-              <a:rPr lang="en-US" sz="1800" dirty="0" err="1">
-                <a:solidFill>
-                  <a:srgbClr val="000000"/>
-                </a:solidFill>
-                <a:latin typeface="Cascadia Mono" panose="020B0609020000020004" pitchFamily="49" charset="0"/>
-              </a:rPr>
-              <a:t>PyEval_EvalFrameDefault</a:t>
-            </a:r>
-            <a:r>
-              <a:rPr lang="en-US" sz="1800" dirty="0">
-                <a:solidFill>
-                  <a:srgbClr val="000000"/>
-                </a:solidFill>
-                <a:latin typeface="Cascadia Mono" panose="020B0609020000020004" pitchFamily="49" charset="0"/>
-              </a:rPr>
-              <a:t>(...) – can be replaced using _</a:t>
-            </a:r>
-            <a:r>
-              <a:rPr lang="en-US" sz="1800" dirty="0" err="1">
-                <a:solidFill>
-                  <a:srgbClr val="000000"/>
-                </a:solidFill>
-                <a:latin typeface="Cascadia Mono" panose="020B0609020000020004" pitchFamily="49" charset="0"/>
-              </a:rPr>
-              <a:t>PyInterpreterState_SetEvalFrameFunc</a:t>
-            </a:r>
-            <a:r>
-              <a:rPr lang="en-US" sz="1800" dirty="0">
-                <a:solidFill>
-                  <a:srgbClr val="000000"/>
-                </a:solidFill>
-                <a:latin typeface="Cascadia Mono" panose="020B0609020000020004" pitchFamily="49" charset="0"/>
-              </a:rPr>
-              <a:t>(...)</a:t>
-            </a:r>
-            <a:endParaRPr lang="en-US" dirty="0"/>
-          </a:p>
-          <a:p>
-            <a:pPr lvl="1"/>
-            <a:r>
-              <a:rPr lang="en-US" sz="1800" dirty="0">
-                <a:solidFill>
-                  <a:srgbClr val="808080"/>
-                </a:solidFill>
-                <a:latin typeface="Cascadia Mono" panose="020B0609020000020004" pitchFamily="49" charset="0"/>
-              </a:rPr>
-              <a:t>#include</a:t>
-            </a:r>
-            <a:r>
-              <a:rPr lang="en-US" sz="1800" dirty="0">
-                <a:solidFill>
-                  <a:srgbClr val="000000"/>
-                </a:solidFill>
-                <a:latin typeface="Cascadia Mono" panose="020B0609020000020004" pitchFamily="49" charset="0"/>
-              </a:rPr>
-              <a:t> </a:t>
-            </a:r>
-            <a:r>
-              <a:rPr lang="en-US" sz="1800" dirty="0">
-                <a:solidFill>
-                  <a:srgbClr val="A31515"/>
-                </a:solidFill>
-                <a:latin typeface="Cascadia Mono" panose="020B0609020000020004" pitchFamily="49" charset="0"/>
-              </a:rPr>
-              <a:t>"</a:t>
-            </a:r>
-            <a:r>
-              <a:rPr lang="en-US" sz="1800" dirty="0" err="1">
-                <a:solidFill>
-                  <a:srgbClr val="A31515"/>
-                </a:solidFill>
-                <a:latin typeface="Cascadia Mono" panose="020B0609020000020004" pitchFamily="49" charset="0"/>
-              </a:rPr>
-              <a:t>generated_cases.c.h</a:t>
-            </a:r>
-            <a:r>
-              <a:rPr lang="en-US" sz="1800" dirty="0">
-                <a:solidFill>
-                  <a:srgbClr val="A31515"/>
-                </a:solidFill>
-                <a:latin typeface="Cascadia Mono" panose="020B0609020000020004" pitchFamily="49" charset="0"/>
-              </a:rPr>
-              <a:t>" (tier 1 / main interpreter)</a:t>
-            </a:r>
-          </a:p>
-          <a:p>
-            <a:pPr lvl="1"/>
-            <a:r>
-              <a:rPr lang="en-US" sz="1800" dirty="0">
-                <a:solidFill>
-                  <a:srgbClr val="808080"/>
-                </a:solidFill>
-                <a:latin typeface="Cascadia Mono" panose="020B0609020000020004" pitchFamily="49" charset="0"/>
-              </a:rPr>
-              <a:t>#include</a:t>
-            </a:r>
-            <a:r>
-              <a:rPr lang="en-US" sz="1800" dirty="0">
-                <a:solidFill>
-                  <a:srgbClr val="000000"/>
-                </a:solidFill>
-                <a:latin typeface="Cascadia Mono" panose="020B0609020000020004" pitchFamily="49" charset="0"/>
-              </a:rPr>
-              <a:t> </a:t>
-            </a:r>
-            <a:r>
-              <a:rPr lang="en-US" sz="1800" dirty="0">
-                <a:solidFill>
-                  <a:srgbClr val="A31515"/>
-                </a:solidFill>
-                <a:latin typeface="Cascadia Mono" panose="020B0609020000020004" pitchFamily="49" charset="0"/>
-              </a:rPr>
-              <a:t>"</a:t>
-            </a:r>
-            <a:r>
-              <a:rPr lang="en-US" sz="1800" dirty="0" err="1">
-                <a:solidFill>
-                  <a:srgbClr val="A31515"/>
-                </a:solidFill>
-                <a:latin typeface="Cascadia Mono" panose="020B0609020000020004" pitchFamily="49" charset="0"/>
-              </a:rPr>
-              <a:t>executor_cases.c.h</a:t>
-            </a:r>
-            <a:r>
-              <a:rPr lang="en-US" sz="1800" dirty="0">
-                <a:solidFill>
-                  <a:srgbClr val="A31515"/>
-                </a:solidFill>
-                <a:latin typeface="Cascadia Mono" panose="020B0609020000020004" pitchFamily="49" charset="0"/>
-              </a:rPr>
-              <a:t>" (tier 2 interpreter! new in 3.13, use micro-ops)</a:t>
-            </a:r>
-            <a:endParaRPr lang="en-US" dirty="0"/>
-          </a:p>
-        </p:txBody>
-      </p:sp>
+              </a14:hiddenFill>
+            </a:ext>
+          </a:extLst>
+        </p:spPr>
+      </p:pic>
     </p:spTree>
     <p:extLst>
       <p:ext uri="{BB962C8B-B14F-4D97-AF65-F5344CB8AC3E}">
-        <p14:creationId xmlns:p14="http://schemas.microsoft.com/office/powerpoint/2010/main" val="2423117142"/>
+        <p14:creationId xmlns:p14="http://schemas.microsoft.com/office/powerpoint/2010/main" val="3141455933"/>
       </p:ext>
     </p:extLst>
   </p:cSld>
   <p:clrMapOvr>
     <a:masterClrMapping/>
   </p:clrMapOvr>
-  <mc:AlternateContent xmlns:mc="http://schemas.openxmlformats.org/markup-compatibility/2006">
-    <mc:Choice xmlns:p14="http://schemas.microsoft.com/office/powerpoint/2010/main" Requires="p14">
+  <mc:AlternateContent xmlns:mc="http://schemas.openxmlformats.org/markup-compatibility/2006" xmlns:p14="http://schemas.microsoft.com/office/powerpoint/2010/main">
+    <mc:Choice Requires="p14">
       <p:transition spd="med" p14:dur="700">
         <p:fade/>
       </p:transition>
     </mc:Choice>
-    <mc:Fallback>
+    <mc:Fallback xmlns="">
       <p:transition spd="med">
         <p:fade/>
       </p:transition>
@@ -12584,7 +12536,7 @@
           <a:p>
             <a:r>
               <a:rPr lang="en-US" dirty="0"/>
-              <a:t>Recommended reading</a:t>
+              <a:t>Bytecode interpreter (Python VM)</a:t>
             </a:r>
           </a:p>
         </p:txBody>
@@ -12608,125 +12560,228 @@
         <p:spPr/>
         <p:txBody>
           <a:bodyPr>
-            <a:normAutofit/>
+            <a:normAutofit lnSpcReduction="10000"/>
           </a:bodyPr>
           <a:lstStyle/>
           <a:p>
             <a:r>
               <a:rPr lang="en-US" dirty="0"/>
-              <a:t>Anthony Shaw (MSFT) “</a:t>
-            </a:r>
-            <a:r>
-              <a:rPr lang="en-US" dirty="0" err="1"/>
-              <a:t>CPython</a:t>
-            </a:r>
-            <a:r>
-              <a:rPr lang="en-US" dirty="0"/>
-              <a:t> Internals”</a:t>
-            </a:r>
-          </a:p>
-          <a:p>
-            <a:pPr lvl="1"/>
-            <a:r>
-              <a:rPr lang="en-US" dirty="0"/>
-              <a:t>(the 2</a:t>
-            </a:r>
-            <a:r>
-              <a:rPr lang="en-US" baseline="30000" dirty="0"/>
-              <a:t>nd</a:t>
-            </a:r>
-            <a:r>
-              <a:rPr lang="en-US" dirty="0"/>
-              <a:t> edition covers versions till ~3.10)</a:t>
-            </a:r>
-          </a:p>
-          <a:p>
-            <a:endParaRPr lang="en-US" dirty="0"/>
-          </a:p>
-          <a:p>
-            <a:r>
-              <a:rPr lang="en-US" dirty="0"/>
-              <a:t>Python Dev Guide: </a:t>
-            </a:r>
-            <a:r>
-              <a:rPr lang="en-US" dirty="0" err="1"/>
-              <a:t>CPython’s</a:t>
-            </a:r>
-            <a:r>
-              <a:rPr lang="en-US" dirty="0"/>
-              <a:t> Internals</a:t>
-            </a:r>
-          </a:p>
-          <a:p>
-            <a:pPr lvl="1"/>
+              <a:t>Bytecode docs: </a:t>
+            </a:r>
             <a:r>
               <a:rPr lang="en-US" dirty="0">
                 <a:hlinkClick r:id="rId2"/>
               </a:rPr>
-              <a:t>https://devguide.python.org/internals/</a:t>
+              <a:t>https://devguide.python.org/internals/interpreter/</a:t>
+            </a:r>
+            <a:r>
+              <a:rPr lang="en-US" dirty="0"/>
+              <a:t> (3.11)</a:t>
+            </a:r>
+          </a:p>
+          <a:p>
+            <a:r>
+              <a:rPr lang="en-US" dirty="0"/>
+              <a:t>2 kinds of VM:</a:t>
+            </a:r>
+          </a:p>
+          <a:p>
+            <a:pPr lvl="1"/>
+            <a:r>
+              <a:rPr lang="en-US" dirty="0"/>
+              <a:t>Stack-based VM (most popular, including Python VM)</a:t>
+            </a:r>
+          </a:p>
+          <a:p>
+            <a:pPr lvl="2"/>
+            <a:r>
+              <a:rPr lang="en-US" sz="2000" dirty="0"/>
+              <a:t>More portable, easier implementation, more compact in memory (doesn’t need addresses)</a:t>
+            </a:r>
+          </a:p>
+          <a:p>
+            <a:pPr lvl="1"/>
+            <a:r>
+              <a:rPr lang="en-US" dirty="0"/>
+              <a:t>Register-based VM (</a:t>
+            </a:r>
+            <a:r>
+              <a:rPr lang="en-US" dirty="0">
+                <a:hlinkClick r:id="rId3"/>
+              </a:rPr>
+              <a:t>https://github.com/iritkatriel/cpython/tree/regmachine2</a:t>
+            </a:r>
+            <a:r>
+              <a:rPr lang="en-US" dirty="0"/>
+              <a:t>)</a:t>
+            </a:r>
+          </a:p>
+          <a:p>
+            <a:pPr lvl="2"/>
+            <a:r>
+              <a:rPr lang="en-US" sz="2000" dirty="0"/>
+              <a:t>Less portable, need more memory (need addresses), should be faster</a:t>
+            </a:r>
+          </a:p>
+          <a:p>
+            <a:r>
+              <a:rPr lang="en-US" dirty="0" err="1"/>
+              <a:t>ceval.c</a:t>
+            </a:r>
+            <a:r>
+              <a:rPr lang="en-US" dirty="0"/>
+              <a:t>, </a:t>
+            </a:r>
+            <a:r>
+              <a:rPr lang="en-US" sz="1800" dirty="0">
+                <a:solidFill>
+                  <a:srgbClr val="000000"/>
+                </a:solidFill>
+                <a:latin typeface="Cascadia Mono" panose="020B0609020000020004" pitchFamily="49" charset="0"/>
+              </a:rPr>
+              <a:t>_</a:t>
+            </a:r>
+            <a:r>
+              <a:rPr lang="en-US" sz="1800" dirty="0" err="1">
+                <a:solidFill>
+                  <a:srgbClr val="000000"/>
+                </a:solidFill>
+                <a:latin typeface="Cascadia Mono" panose="020B0609020000020004" pitchFamily="49" charset="0"/>
+              </a:rPr>
+              <a:t>PyEval_EvalFrameDefault</a:t>
+            </a:r>
+            <a:r>
+              <a:rPr lang="en-US" sz="1800" dirty="0">
+                <a:solidFill>
+                  <a:srgbClr val="000000"/>
+                </a:solidFill>
+                <a:latin typeface="Cascadia Mono" panose="020B0609020000020004" pitchFamily="49" charset="0"/>
+              </a:rPr>
+              <a:t>(...) – can be replaced using _</a:t>
+            </a:r>
+            <a:r>
+              <a:rPr lang="en-US" sz="1800" dirty="0" err="1">
+                <a:solidFill>
+                  <a:srgbClr val="000000"/>
+                </a:solidFill>
+                <a:latin typeface="Cascadia Mono" panose="020B0609020000020004" pitchFamily="49" charset="0"/>
+              </a:rPr>
+              <a:t>PyInterpreterState_SetEvalFrameFunc</a:t>
+            </a:r>
+            <a:r>
+              <a:rPr lang="en-US" sz="1800" dirty="0">
+                <a:solidFill>
+                  <a:srgbClr val="000000"/>
+                </a:solidFill>
+                <a:latin typeface="Cascadia Mono" panose="020B0609020000020004" pitchFamily="49" charset="0"/>
+              </a:rPr>
+              <a:t>(...)</a:t>
             </a:r>
             <a:endParaRPr lang="en-US" dirty="0"/>
           </a:p>
           <a:p>
             <a:pPr lvl="1"/>
             <a:r>
-              <a:rPr lang="en-US" dirty="0"/>
-              <a:t>(more compact)</a:t>
-            </a:r>
-          </a:p>
-        </p:txBody>
-      </p:sp>
-      <p:pic>
-        <p:nvPicPr>
-          <p:cNvPr id="1026" name="Picture 2" descr="CPython Internals: Your Guide to the Python 3 Interpreter">
-            <a:extLst>
-              <a:ext uri="{FF2B5EF4-FFF2-40B4-BE49-F238E27FC236}">
-                <a16:creationId xmlns:a16="http://schemas.microsoft.com/office/drawing/2014/main" id="{A4CB9CEB-AD36-5A1F-FE08-85A32E0BD6DE}"/>
-              </a:ext>
-            </a:extLst>
-          </p:cNvPr>
-          <p:cNvPicPr>
-            <a:picLocks noChangeAspect="1" noChangeArrowheads="1"/>
-          </p:cNvPicPr>
-          <p:nvPr/>
-        </p:nvPicPr>
-        <p:blipFill>
-          <a:blip r:embed="rId3" cstate="print">
-            <a:extLst>
-              <a:ext uri="{28A0092B-C50C-407E-A947-70E740481C1C}">
-                <a14:useLocalDpi xmlns:a14="http://schemas.microsoft.com/office/drawing/2010/main" val="0"/>
-              </a:ext>
-            </a:extLst>
-          </a:blip>
-          <a:srcRect/>
-          <a:stretch>
-            <a:fillRect/>
-          </a:stretch>
-        </p:blipFill>
-        <p:spPr bwMode="auto">
-          <a:xfrm>
-            <a:off x="7482254" y="116509"/>
-            <a:ext cx="3883382" cy="6169991"/>
-          </a:xfrm>
-          <a:prstGeom prst="rect">
-            <a:avLst/>
-          </a:prstGeom>
-          <a:noFill/>
-          <a:extLst>
-            <a:ext uri="{909E8E84-426E-40DD-AFC4-6F175D3DCCD1}">
-              <a14:hiddenFill xmlns:a14="http://schemas.microsoft.com/office/drawing/2010/main">
+              <a:rPr lang="en-US" sz="1800" dirty="0">
                 <a:solidFill>
-                  <a:srgbClr val="FFFFFF"/>
+                  <a:srgbClr val="808080"/>
                 </a:solidFill>
-              </a14:hiddenFill>
-            </a:ext>
-          </a:extLst>
-        </p:spPr>
-      </p:pic>
+                <a:latin typeface="Cascadia Mono" panose="020B0609020000020004" pitchFamily="49" charset="0"/>
+              </a:rPr>
+              <a:t>#include</a:t>
+            </a:r>
+            <a:r>
+              <a:rPr lang="en-US" sz="1800" dirty="0">
+                <a:solidFill>
+                  <a:srgbClr val="000000"/>
+                </a:solidFill>
+                <a:latin typeface="Cascadia Mono" panose="020B0609020000020004" pitchFamily="49" charset="0"/>
+              </a:rPr>
+              <a:t> </a:t>
+            </a:r>
+            <a:r>
+              <a:rPr lang="en-US" sz="1800" dirty="0">
+                <a:solidFill>
+                  <a:srgbClr val="A31515"/>
+                </a:solidFill>
+                <a:latin typeface="Cascadia Mono" panose="020B0609020000020004" pitchFamily="49" charset="0"/>
+              </a:rPr>
+              <a:t>"</a:t>
+            </a:r>
+            <a:r>
+              <a:rPr lang="en-US" sz="1800" dirty="0" err="1">
+                <a:solidFill>
+                  <a:srgbClr val="A31515"/>
+                </a:solidFill>
+                <a:latin typeface="Cascadia Mono" panose="020B0609020000020004" pitchFamily="49" charset="0"/>
+              </a:rPr>
+              <a:t>generated_cases.c.h</a:t>
+            </a:r>
+            <a:r>
+              <a:rPr lang="en-US" sz="1800" dirty="0">
+                <a:solidFill>
+                  <a:srgbClr val="A31515"/>
+                </a:solidFill>
+                <a:latin typeface="Cascadia Mono" panose="020B0609020000020004" pitchFamily="49" charset="0"/>
+              </a:rPr>
+              <a:t>" (tier 1 / main interpreter)</a:t>
+            </a:r>
+          </a:p>
+          <a:p>
+            <a:pPr lvl="1"/>
+            <a:r>
+              <a:rPr lang="en-US" sz="1800" dirty="0">
+                <a:solidFill>
+                  <a:srgbClr val="808080"/>
+                </a:solidFill>
+                <a:latin typeface="Cascadia Mono" panose="020B0609020000020004" pitchFamily="49" charset="0"/>
+              </a:rPr>
+              <a:t>#include</a:t>
+            </a:r>
+            <a:r>
+              <a:rPr lang="en-US" sz="1800" dirty="0">
+                <a:solidFill>
+                  <a:srgbClr val="000000"/>
+                </a:solidFill>
+                <a:latin typeface="Cascadia Mono" panose="020B0609020000020004" pitchFamily="49" charset="0"/>
+              </a:rPr>
+              <a:t> </a:t>
+            </a:r>
+            <a:r>
+              <a:rPr lang="en-US" sz="1800" dirty="0">
+                <a:solidFill>
+                  <a:srgbClr val="A31515"/>
+                </a:solidFill>
+                <a:latin typeface="Cascadia Mono" panose="020B0609020000020004" pitchFamily="49" charset="0"/>
+              </a:rPr>
+              <a:t>"</a:t>
+            </a:r>
+            <a:r>
+              <a:rPr lang="en-US" sz="1800" dirty="0" err="1">
+                <a:solidFill>
+                  <a:srgbClr val="A31515"/>
+                </a:solidFill>
+                <a:latin typeface="Cascadia Mono" panose="020B0609020000020004" pitchFamily="49" charset="0"/>
+              </a:rPr>
+              <a:t>executor_cases.c.h</a:t>
+            </a:r>
+            <a:r>
+              <a:rPr lang="en-US" sz="1800" dirty="0">
+                <a:solidFill>
+                  <a:srgbClr val="A31515"/>
+                </a:solidFill>
+                <a:latin typeface="Cascadia Mono" panose="020B0609020000020004" pitchFamily="49" charset="0"/>
+              </a:rPr>
+              <a:t>" (tier 2 interpreter! new in 3.13, use micro-ops)</a:t>
+            </a:r>
+            <a:endParaRPr lang="en-US" dirty="0"/>
+          </a:p>
+        </p:txBody>
+      </p:sp>
     </p:spTree>
     <p:extLst>
       <p:ext uri="{BB962C8B-B14F-4D97-AF65-F5344CB8AC3E}">
-        <p14:creationId xmlns:p14="http://schemas.microsoft.com/office/powerpoint/2010/main" val="2237610163"/>
+        <p14:creationId xmlns:p14="http://schemas.microsoft.com/office/powerpoint/2010/main" val="2423117142"/>
       </p:ext>
     </p:extLst>
   </p:cSld>
@@ -12770,7 +12825,7 @@
           <p:cNvPr id="2" name="Title 1">
             <a:extLst>
               <a:ext uri="{FF2B5EF4-FFF2-40B4-BE49-F238E27FC236}">
-                <a16:creationId xmlns:a16="http://schemas.microsoft.com/office/drawing/2014/main" id="{6CC6958E-698B-4073-9795-8A7430E13D88}"/>
+                <a16:creationId xmlns:a16="http://schemas.microsoft.com/office/drawing/2014/main" id="{2A94D159-EF32-4D01-B228-B7E8ACF04FD9}"/>
               </a:ext>
             </a:extLst>
           </p:cNvPr>
@@ -12788,7 +12843,7 @@
           <a:p>
             <a:r>
               <a:rPr lang="en-US" dirty="0"/>
-              <a:t>3rd-party JIT compilers for Python</a:t>
+              <a:t>Bytecode specializations (Python 3.11, PEP-659)</a:t>
             </a:r>
           </a:p>
         </p:txBody>
@@ -12798,7 +12853,7 @@
           <p:cNvPr id="3" name="Content Placeholder 2">
             <a:extLst>
               <a:ext uri="{FF2B5EF4-FFF2-40B4-BE49-F238E27FC236}">
-                <a16:creationId xmlns:a16="http://schemas.microsoft.com/office/drawing/2014/main" id="{0A098723-3EA1-4FD6-87B3-EFA04ABF139B}"/>
+                <a16:creationId xmlns:a16="http://schemas.microsoft.com/office/drawing/2014/main" id="{6B2131F2-EDA3-4157-8849-7A98D90873E2}"/>
               </a:ext>
             </a:extLst>
           </p:cNvPr>
@@ -12811,119 +12866,60 @@
         </p:nvSpPr>
         <p:spPr/>
         <p:txBody>
-          <a:bodyPr/>
+          <a:bodyPr>
+            <a:normAutofit/>
+          </a:bodyPr>
           <a:lstStyle/>
           <a:p>
             <a:r>
-              <a:rPr lang="en-US" dirty="0" err="1"/>
-              <a:t>PyPy</a:t>
-            </a:r>
-            <a:r>
-              <a:rPr lang="en-US" dirty="0"/>
-              <a:t> is a Python implemented in </a:t>
-            </a:r>
-            <a:r>
-              <a:rPr lang="en-US" dirty="0" err="1"/>
-              <a:t>RPython</a:t>
-            </a:r>
-            <a:r>
-              <a:rPr lang="en-US" dirty="0"/>
-              <a:t> as a JIT compiler</a:t>
+              <a:rPr lang="en-US" dirty="0"/>
+              <a:t>Bytecode ops are too abstract initially</a:t>
+            </a:r>
+          </a:p>
+          <a:p>
+            <a:r>
+              <a:rPr lang="en-US" dirty="0"/>
+              <a:t>If “hot” code is detected (saturating counter), specialization is done:</a:t>
             </a:r>
           </a:p>
           <a:p>
             <a:pPr lvl="1"/>
             <a:r>
               <a:rPr lang="en-US" dirty="0"/>
-              <a:t>Trace based GC</a:t>
+              <a:t>Example: LOAD_GLOBAL -&gt; LOAD_GLOBAL_BUILTIN / LOAD_GLOBAL_MODULE</a:t>
             </a:r>
           </a:p>
           <a:p>
             <a:pPr lvl="1"/>
             <a:r>
-              <a:rPr lang="en-US" dirty="0" err="1"/>
-              <a:t>ctypes</a:t>
-            </a:r>
-            <a:r>
-              <a:rPr lang="en-US" dirty="0"/>
-              <a:t> are very slow with C extensions (need to rewrite code to CFFI)</a:t>
+              <a:rPr lang="en-US" dirty="0"/>
+              <a:t>Example: BINARY_ADD -&gt; BINARY_ADD_INT / BINARY_ADD_FLT</a:t>
+            </a:r>
+          </a:p>
+          <a:p>
+            <a:pPr marL="0" indent="0">
+              <a:buNone/>
+            </a:pPr>
+            <a:endParaRPr lang="en-US" dirty="0"/>
+          </a:p>
+          <a:p>
+            <a:r>
+              <a:rPr lang="en-US" dirty="0"/>
+              <a:t>If input is changed few times (counter too), de-optimization happens</a:t>
             </a:r>
           </a:p>
           <a:p>
             <a:pPr lvl="1"/>
             <a:r>
               <a:rPr lang="en-US" dirty="0"/>
-              <a:t>~40% faster than </a:t>
-            </a:r>
-            <a:r>
-              <a:rPr lang="en-US" dirty="0" err="1"/>
-              <a:t>CPython</a:t>
-            </a:r>
-            <a:r>
-              <a:rPr lang="en-US" dirty="0"/>
-              <a:t> 3.11 in average (in pure Python)</a:t>
-            </a:r>
-          </a:p>
-          <a:p>
-            <a:r>
-              <a:rPr lang="en-US" dirty="0" err="1"/>
-              <a:t>Pyjion</a:t>
-            </a:r>
-            <a:r>
-              <a:rPr lang="en-US" dirty="0"/>
-              <a:t>: JIT compiler running on .NET VM (project is closed)</a:t>
-            </a:r>
-          </a:p>
-          <a:p>
-            <a:r>
-              <a:rPr lang="en-US" dirty="0"/>
-              <a:t>Cinder: JIT compiler forked from </a:t>
-            </a:r>
-            <a:r>
-              <a:rPr lang="en-US" dirty="0" err="1"/>
-              <a:t>CPython</a:t>
-            </a:r>
-            <a:r>
-              <a:rPr lang="en-US" dirty="0"/>
-              <a:t> 3.9 (serves </a:t>
-            </a:r>
-            <a:r>
-              <a:rPr lang="en-US" dirty="0" err="1"/>
-              <a:t>Nelzyagram</a:t>
-            </a:r>
-            <a:r>
-              <a:rPr lang="en-US" dirty="0"/>
-              <a:t>*)</a:t>
+              <a:t>back to LOAD_GLOBAL</a:t>
             </a:r>
           </a:p>
           <a:p>
             <a:pPr lvl="1"/>
             <a:r>
               <a:rPr lang="en-US" dirty="0"/>
-              <a:t>HIR (bytecode + </a:t>
-            </a:r>
-            <a:r>
-              <a:rPr lang="en-US" dirty="0" err="1"/>
-              <a:t>expl</a:t>
-            </a:r>
-            <a:r>
-              <a:rPr lang="en-US" dirty="0"/>
-              <a:t>. </a:t>
-            </a:r>
-            <a:r>
-              <a:rPr lang="en-US" dirty="0" err="1"/>
-              <a:t>refcounting</a:t>
-            </a:r>
-            <a:r>
-              <a:rPr lang="en-US" dirty="0"/>
-              <a:t>) -&gt; LIR -&gt; JIT compiler (own C++ implementation)</a:t>
-            </a:r>
-          </a:p>
-          <a:p>
-            <a:pPr lvl="1"/>
-            <a:r>
-              <a:rPr lang="en-US" dirty="0"/>
-              <a:t>Full compatibility is not guaranteed and not checked (?)</a:t>
+              <a:t>back to BINARY_ADD</a:t>
             </a:r>
           </a:p>
         </p:txBody>
@@ -12931,7 +12927,7 @@
     </p:spTree>
     <p:extLst>
       <p:ext uri="{BB962C8B-B14F-4D97-AF65-F5344CB8AC3E}">
-        <p14:creationId xmlns:p14="http://schemas.microsoft.com/office/powerpoint/2010/main" val="3186298467"/>
+        <p14:creationId xmlns:p14="http://schemas.microsoft.com/office/powerpoint/2010/main" val="155934463"/>
       </p:ext>
     </p:extLst>
   </p:cSld>
@@ -12975,7 +12971,7 @@
           <p:cNvPr id="2" name="Title 1">
             <a:extLst>
               <a:ext uri="{FF2B5EF4-FFF2-40B4-BE49-F238E27FC236}">
-                <a16:creationId xmlns:a16="http://schemas.microsoft.com/office/drawing/2014/main" id="{6CC6958E-698B-4073-9795-8A7430E13D88}"/>
+                <a16:creationId xmlns:a16="http://schemas.microsoft.com/office/drawing/2014/main" id="{D34441B0-BAB0-4793-90C6-8114CD5F64F1}"/>
               </a:ext>
             </a:extLst>
           </p:cNvPr>
@@ -12993,7 +12989,7 @@
           <a:p>
             <a:r>
               <a:rPr lang="en-US" dirty="0"/>
-              <a:t>3rd-party JIT compilers for Python functions</a:t>
+              <a:t>Source code of Compiler and Interpreter(s)</a:t>
             </a:r>
           </a:p>
         </p:txBody>
@@ -13003,7 +12999,7 @@
           <p:cNvPr id="3" name="Content Placeholder 2">
             <a:extLst>
               <a:ext uri="{FF2B5EF4-FFF2-40B4-BE49-F238E27FC236}">
-                <a16:creationId xmlns:a16="http://schemas.microsoft.com/office/drawing/2014/main" id="{0A098723-3EA1-4FD6-87B3-EFA04ABF139B}"/>
+                <a16:creationId xmlns:a16="http://schemas.microsoft.com/office/drawing/2014/main" id="{4AA5886F-C8D8-4092-8FB0-ED8B3BD30B64}"/>
               </a:ext>
             </a:extLst>
           </p:cNvPr>
@@ -13014,147 +13010,192 @@
             <p:ph sz="quarter" idx="28"/>
           </p:nvPr>
         </p:nvSpPr>
-        <p:spPr/>
-        <p:txBody>
-          <a:bodyPr/>
+        <p:spPr>
+          <a:xfrm>
+            <a:off x="571370" y="1523999"/>
+            <a:ext cx="11010900" cy="4574947"/>
+          </a:xfrm>
+        </p:spPr>
+        <p:txBody>
+          <a:bodyPr>
+            <a:normAutofit fontScale="92500" lnSpcReduction="10000"/>
+          </a:bodyPr>
           <a:lstStyle/>
           <a:p>
             <a:r>
+              <a:rPr lang="en-US" dirty="0"/>
+              <a:t>Python/</a:t>
+            </a:r>
+            <a:r>
               <a:rPr lang="en-US" dirty="0" err="1"/>
-              <a:t>Numba</a:t>
-            </a:r>
-            <a:endParaRPr lang="en-US" dirty="0"/>
-          </a:p>
-          <a:p>
-            <a:pPr lvl="1"/>
-            <a:r>
-              <a:rPr lang="en-US" dirty="0"/>
-              <a:t>pip install </a:t>
+              <a:t>ast.c</a:t>
+            </a:r>
+            <a:r>
+              <a:rPr lang="en-US" dirty="0"/>
+              <a:t>, </a:t>
             </a:r>
             <a:r>
               <a:rPr lang="en-US" dirty="0" err="1"/>
-              <a:t>llvmlite</a:t>
-            </a:r>
-            <a:r>
-              <a:rPr lang="en-US" dirty="0"/>
-              <a:t>; -&gt; </a:t>
+              <a:t>asdl.c</a:t>
+            </a:r>
+            <a:r>
+              <a:rPr lang="en-US" dirty="0"/>
+              <a:t>, Parser/*.c  (AST parser)</a:t>
+            </a:r>
+          </a:p>
+          <a:p>
+            <a:r>
+              <a:rPr lang="en-US" dirty="0"/>
+              <a:t>Python/</a:t>
             </a:r>
             <a:r>
               <a:rPr lang="en-US" dirty="0" err="1"/>
-              <a:t>Numba</a:t>
-            </a:r>
-            <a:r>
-              <a:rPr lang="en-US" dirty="0"/>
-              <a:t> IR -&gt; LLVM IR</a:t>
-            </a:r>
-          </a:p>
-          <a:p>
-            <a:pPr lvl="1"/>
-            <a:r>
-              <a:rPr lang="en-US" dirty="0"/>
-              <a:t>TBB support, Intel only GPU support, special replacements for </a:t>
+              <a:t>ast_opt.c</a:t>
+            </a:r>
+            <a:r>
+              <a:rPr lang="en-US" dirty="0"/>
+              <a:t> (constant folding + few other simple optimizations)</a:t>
+            </a:r>
+          </a:p>
+          <a:p>
+            <a:r>
+              <a:rPr lang="en-US" dirty="0"/>
+              <a:t>Python/</a:t>
             </a:r>
             <a:r>
               <a:rPr lang="en-US" dirty="0" err="1"/>
-              <a:t>Numpy</a:t>
-            </a:r>
-            <a:r>
-              <a:rPr lang="en-US" dirty="0"/>
-              <a:t> functions</a:t>
-            </a:r>
-          </a:p>
-          <a:p>
+              <a:t>compile.c</a:t>
+            </a:r>
+            <a:r>
+              <a:rPr lang="en-US" dirty="0"/>
+              <a:t> (compile AST to CFG and then to bytecode) </a:t>
+            </a:r>
+          </a:p>
+          <a:p>
+            <a:pPr lvl="2"/>
+            <a:r>
+              <a:rPr lang="en-US" sz="2000" dirty="0"/>
+              <a:t>#include &lt;</a:t>
+            </a:r>
+            <a:r>
+              <a:rPr lang="en-US" sz="2000" dirty="0" err="1"/>
+              <a:t>pycore_flowgraph.h</a:t>
+            </a:r>
+            <a:r>
+              <a:rPr lang="en-US" sz="2000" dirty="0"/>
+              <a:t>&gt;</a:t>
+            </a:r>
+          </a:p>
+          <a:p>
+            <a:pPr lvl="2"/>
+            <a:r>
+              <a:rPr lang="en-US" sz="2000" dirty="0"/>
+              <a:t>#include &lt;</a:t>
+            </a:r>
+            <a:r>
+              <a:rPr lang="en-US" sz="2000" dirty="0" err="1"/>
+              <a:t>pycore_symtable.h</a:t>
+            </a:r>
+            <a:r>
+              <a:rPr lang="en-US" sz="2000" dirty="0"/>
+              <a:t>&gt; (</a:t>
+            </a:r>
+            <a:r>
+              <a:rPr lang="en-US" sz="2000" dirty="0" err="1"/>
+              <a:t>symtable.c</a:t>
+            </a:r>
+            <a:r>
+              <a:rPr lang="en-US" sz="2000" dirty="0"/>
+              <a:t>; import </a:t>
+            </a:r>
+            <a:r>
+              <a:rPr lang="en-US" sz="2000" dirty="0" err="1"/>
+              <a:t>symtable</a:t>
+            </a:r>
+            <a:r>
+              <a:rPr lang="en-US" sz="2000" dirty="0"/>
+              <a:t>)</a:t>
+            </a:r>
+          </a:p>
+          <a:p>
+            <a:r>
+              <a:rPr lang="en-US" dirty="0"/>
+              <a:t>Python/</a:t>
+            </a:r>
             <a:r>
               <a:rPr lang="en-US" dirty="0" err="1"/>
-              <a:t>Taichi</a:t>
-            </a:r>
-            <a:endParaRPr lang="en-US" dirty="0"/>
-          </a:p>
-          <a:p>
-            <a:pPr lvl="1"/>
-            <a:r>
-              <a:rPr lang="en-US" dirty="0"/>
-              <a:t>GPU support; focus on graphics</a:t>
-            </a:r>
-          </a:p>
-          <a:p>
-            <a:pPr lvl="1"/>
-            <a:r>
-              <a:rPr lang="en-US" dirty="0"/>
-              <a:t>more API</a:t>
-            </a:r>
-          </a:p>
-          <a:p>
-            <a:r>
-              <a:rPr lang="en-US" dirty="0">
-                <a:hlinkClick r:id="rId2"/>
-              </a:rPr>
-              <a:t>4 </a:t>
-            </a:r>
-            <a:r>
-              <a:rPr lang="ru-RU" dirty="0">
-                <a:hlinkClick r:id="rId2"/>
-              </a:rPr>
-              <a:t>мушкетера: </a:t>
-            </a:r>
-            <a:r>
-              <a:rPr lang="en-US" dirty="0">
-                <a:hlinkClick r:id="rId2"/>
-              </a:rPr>
-              <a:t>Python, </a:t>
-            </a:r>
-            <a:r>
-              <a:rPr lang="en-US" dirty="0" err="1">
-                <a:hlinkClick r:id="rId2"/>
-              </a:rPr>
-              <a:t>Cython</a:t>
-            </a:r>
-            <a:r>
-              <a:rPr lang="en-US" dirty="0">
-                <a:hlinkClick r:id="rId2"/>
-              </a:rPr>
-              <a:t>, Numba </a:t>
-            </a:r>
-            <a:r>
-              <a:rPr lang="ru-RU" dirty="0">
-                <a:hlinkClick r:id="rId2"/>
-              </a:rPr>
-              <a:t>и</a:t>
-            </a:r>
-            <a:r>
-              <a:rPr lang="en-US" dirty="0">
-                <a:hlinkClick r:id="rId2"/>
-              </a:rPr>
-              <a:t> </a:t>
-            </a:r>
-            <a:r>
-              <a:rPr lang="en-US" dirty="0" err="1">
-                <a:hlinkClick r:id="rId2"/>
-              </a:rPr>
-              <a:t>Taichi</a:t>
-            </a:r>
-            <a:r>
-              <a:rPr lang="ru-RU" dirty="0"/>
-              <a:t> (</a:t>
+              <a:t>ceval.c</a:t>
+            </a:r>
+            <a:r>
+              <a:rPr lang="en-US" dirty="0"/>
+              <a:t> (bytecode interpreter, or Python VM)</a:t>
+            </a:r>
+          </a:p>
+          <a:p>
+            <a:pPr lvl="2"/>
+            <a:r>
+              <a:rPr lang="en-US" sz="2000" dirty="0"/>
+              <a:t>#include “</a:t>
+            </a:r>
+            <a:r>
+              <a:rPr lang="en-US" sz="2000" dirty="0" err="1"/>
+              <a:t>generated_cases.c.h</a:t>
+            </a:r>
+            <a:r>
+              <a:rPr lang="en-US" sz="2000" dirty="0"/>
+              <a:t>” (tier 1 / main interpreter): case &lt;opcode&gt;: { &lt;some logic&gt;; }</a:t>
+            </a:r>
+          </a:p>
+          <a:p>
+            <a:pPr lvl="2"/>
+            <a:r>
+              <a:rPr lang="en-US" sz="2000" dirty="0"/>
+              <a:t>#include “</a:t>
+            </a:r>
+            <a:r>
+              <a:rPr lang="en-US" sz="2000" dirty="0" err="1"/>
+              <a:t>executor_cases.c.h</a:t>
+            </a:r>
+            <a:r>
+              <a:rPr lang="en-US" sz="2000" dirty="0"/>
+              <a:t>” (new in 3.13; tier 2 interpreter): case &lt;micro-op&gt;: { &lt;some logic&gt;; }</a:t>
+            </a:r>
+          </a:p>
+          <a:p>
+            <a:r>
+              <a:rPr lang="en-US" dirty="0"/>
+              <a:t>Python/</a:t>
             </a:r>
             <a:r>
               <a:rPr lang="en-US" dirty="0" err="1"/>
-              <a:t>PyCon</a:t>
-            </a:r>
-            <a:r>
-              <a:rPr lang="en-US" dirty="0"/>
-              <a:t> Russia 2022)</a:t>
-            </a:r>
-          </a:p>
-          <a:p>
-            <a:endParaRPr lang="en-US" dirty="0"/>
+              <a:t>jit.c</a:t>
+            </a:r>
+            <a:r>
+              <a:rPr lang="en-US" dirty="0"/>
+              <a:t> (light JIT compiler: Copy and Patch approach)</a:t>
+            </a:r>
+          </a:p>
+          <a:p>
+            <a:pPr lvl="2"/>
+            <a:r>
+              <a:rPr lang="en-US" sz="2000" dirty="0"/>
+              <a:t>#include “</a:t>
+            </a:r>
+            <a:r>
+              <a:rPr lang="en-US" sz="2000" dirty="0" err="1"/>
+              <a:t>jit_stencils.h</a:t>
+            </a:r>
+            <a:r>
+              <a:rPr lang="en-US" sz="2000" dirty="0"/>
+              <a:t>” (pieces of machine code generated by clang at build time)</a:t>
+            </a:r>
           </a:p>
         </p:txBody>
       </p:sp>
     </p:spTree>
     <p:extLst>
       <p:ext uri="{BB962C8B-B14F-4D97-AF65-F5344CB8AC3E}">
-        <p14:creationId xmlns:p14="http://schemas.microsoft.com/office/powerpoint/2010/main" val="3069750833"/>
+        <p14:creationId xmlns:p14="http://schemas.microsoft.com/office/powerpoint/2010/main" val="2758459566"/>
       </p:ext>
     </p:extLst>
   </p:cSld>
@@ -13198,7 +13239,7 @@
           <p:cNvPr id="2" name="Title 1">
             <a:extLst>
               <a:ext uri="{FF2B5EF4-FFF2-40B4-BE49-F238E27FC236}">
-                <a16:creationId xmlns:a16="http://schemas.microsoft.com/office/drawing/2014/main" id="{6CC6958E-698B-4073-9795-8A7430E13D88}"/>
+                <a16:creationId xmlns:a16="http://schemas.microsoft.com/office/drawing/2014/main" id="{D34441B0-BAB0-4793-90C6-8114CD5F64F1}"/>
               </a:ext>
             </a:extLst>
           </p:cNvPr>
@@ -13216,77 +13257,17 @@
           <a:p>
             <a:r>
               <a:rPr lang="en-US" dirty="0"/>
-              <a:t>3rd-party JIT compilers for Python functions</a:t>
-            </a:r>
-          </a:p>
-        </p:txBody>
-      </p:sp>
-      <p:pic>
-        <p:nvPicPr>
-          <p:cNvPr id="7" name="Picture 6">
-            <a:extLst>
-              <a:ext uri="{FF2B5EF4-FFF2-40B4-BE49-F238E27FC236}">
-                <a16:creationId xmlns:a16="http://schemas.microsoft.com/office/drawing/2014/main" id="{6EE86AC2-6A6E-3EE6-BA1C-737739E0AC3E}"/>
-              </a:ext>
-            </a:extLst>
-          </p:cNvPr>
-          <p:cNvPicPr>
-            <a:picLocks noChangeAspect="1"/>
-          </p:cNvPicPr>
-          <p:nvPr/>
-        </p:nvPicPr>
-        <p:blipFill>
-          <a:blip r:embed="rId2"/>
-          <a:stretch>
-            <a:fillRect/>
-          </a:stretch>
-        </p:blipFill>
-        <p:spPr>
-          <a:xfrm>
-            <a:off x="609813" y="1433231"/>
-            <a:ext cx="2877457" cy="2333073"/>
-          </a:xfrm>
-          <a:prstGeom prst="rect">
-            <a:avLst/>
-          </a:prstGeom>
-        </p:spPr>
-      </p:pic>
-      <p:pic>
-        <p:nvPicPr>
-          <p:cNvPr id="9" name="Picture 8">
-            <a:extLst>
-              <a:ext uri="{FF2B5EF4-FFF2-40B4-BE49-F238E27FC236}">
-                <a16:creationId xmlns:a16="http://schemas.microsoft.com/office/drawing/2014/main" id="{340AB9A4-C50E-2957-A2AB-270D0881B29E}"/>
-              </a:ext>
-            </a:extLst>
-          </p:cNvPr>
-          <p:cNvPicPr>
-            <a:picLocks noChangeAspect="1"/>
-          </p:cNvPicPr>
-          <p:nvPr/>
-        </p:nvPicPr>
-        <p:blipFill>
-          <a:blip r:embed="rId3"/>
-          <a:stretch>
-            <a:fillRect/>
-          </a:stretch>
-        </p:blipFill>
-        <p:spPr>
-          <a:xfrm>
-            <a:off x="609813" y="4233864"/>
-            <a:ext cx="6870606" cy="1190905"/>
-          </a:xfrm>
-          <a:prstGeom prst="rect">
-            <a:avLst/>
-          </a:prstGeom>
-        </p:spPr>
-      </p:pic>
-      <p:sp>
-        <p:nvSpPr>
-          <p:cNvPr id="10" name="Content Placeholder 2">
-            <a:extLst>
-              <a:ext uri="{FF2B5EF4-FFF2-40B4-BE49-F238E27FC236}">
-                <a16:creationId xmlns:a16="http://schemas.microsoft.com/office/drawing/2014/main" id="{65A8F5C4-099C-C865-1B4C-15B79EBDC405}"/>
+              <a:t>Source code of built-in types and modules</a:t>
+            </a:r>
+          </a:p>
+        </p:txBody>
+      </p:sp>
+      <p:sp>
+        <p:nvSpPr>
+          <p:cNvPr id="3" name="Content Placeholder 2">
+            <a:extLst>
+              <a:ext uri="{FF2B5EF4-FFF2-40B4-BE49-F238E27FC236}">
+                <a16:creationId xmlns:a16="http://schemas.microsoft.com/office/drawing/2014/main" id="{4AA5886F-C8D8-4092-8FB0-ED8B3BD30B64}"/>
               </a:ext>
             </a:extLst>
           </p:cNvPr>
@@ -13299,48 +13280,153 @@
         </p:nvSpPr>
         <p:spPr>
           <a:xfrm>
-            <a:off x="571370" y="5730687"/>
-            <a:ext cx="11010900" cy="555813"/>
+            <a:off x="571370" y="1523999"/>
+            <a:ext cx="11010900" cy="4574947"/>
           </a:xfrm>
         </p:spPr>
         <p:txBody>
           <a:bodyPr>
-            <a:normAutofit fontScale="92500"/>
+            <a:normAutofit/>
           </a:bodyPr>
           <a:lstStyle/>
           <a:p>
             <a:r>
               <a:rPr lang="en-US" dirty="0"/>
-              <a:t>@jit(cache=True, </a:t>
-            </a:r>
+              <a:t>Objects/</a:t>
+            </a:r>
+          </a:p>
+          <a:p>
+            <a:pPr lvl="1"/>
             <a:r>
               <a:rPr lang="en-US" dirty="0" err="1"/>
-              <a:t>nopython</a:t>
-            </a:r>
-            <a:r>
-              <a:rPr lang="en-US" dirty="0"/>
-              <a:t>=True) is recommended (cache=True saves ~1 sec.)</a:t>
-            </a:r>
+              <a:t>dictobject.c</a:t>
+            </a:r>
+            <a:r>
+              <a:rPr lang="en-US" dirty="0"/>
+              <a:t>, </a:t>
+            </a:r>
+            <a:r>
+              <a:rPr lang="en-US" dirty="0" err="1"/>
+              <a:t>listobject.c</a:t>
+            </a:r>
+            <a:r>
+              <a:rPr lang="en-US" dirty="0"/>
+              <a:t>, </a:t>
+            </a:r>
+            <a:r>
+              <a:rPr lang="en-US" dirty="0" err="1"/>
+              <a:t>unicodeobject.c</a:t>
+            </a:r>
+            <a:r>
+              <a:rPr lang="en-US" dirty="0"/>
+              <a:t>, ...</a:t>
+            </a:r>
+          </a:p>
+          <a:p>
+            <a:r>
+              <a:rPr lang="en-US" dirty="0"/>
+              <a:t>Modules/</a:t>
+            </a:r>
+          </a:p>
+          <a:p>
+            <a:pPr lvl="1"/>
+            <a:r>
+              <a:rPr lang="en-US" dirty="0"/>
+              <a:t>_</a:t>
+            </a:r>
+            <a:r>
+              <a:rPr lang="en-US" dirty="0" err="1"/>
+              <a:t>json.c</a:t>
+            </a:r>
+            <a:r>
+              <a:rPr lang="en-US" dirty="0"/>
+              <a:t>, </a:t>
+            </a:r>
+            <a:r>
+              <a:rPr lang="en-US" dirty="0" err="1"/>
+              <a:t>socketmodule.c</a:t>
+            </a:r>
+            <a:r>
+              <a:rPr lang="en-US" dirty="0"/>
+              <a:t>, </a:t>
+            </a:r>
+            <a:r>
+              <a:rPr lang="en-US" dirty="0" err="1"/>
+              <a:t>timemodule.c</a:t>
+            </a:r>
+            <a:r>
+              <a:rPr lang="en-US" dirty="0"/>
+              <a:t>, ...</a:t>
+            </a:r>
+          </a:p>
+          <a:p>
+            <a:r>
+              <a:rPr lang="en-US" dirty="0"/>
+              <a:t>Python/</a:t>
+            </a:r>
+          </a:p>
+          <a:p>
+            <a:pPr lvl="1"/>
+            <a:r>
+              <a:rPr lang="en-US" dirty="0" err="1"/>
+              <a:t>sysmodule.c</a:t>
+            </a:r>
+            <a:r>
+              <a:rPr lang="en-US" dirty="0"/>
+              <a:t>, _</a:t>
+            </a:r>
+            <a:r>
+              <a:rPr lang="en-US" dirty="0" err="1"/>
+              <a:t>warnings.c</a:t>
+            </a:r>
+            <a:r>
+              <a:rPr lang="en-US" dirty="0"/>
+              <a:t>, </a:t>
+            </a:r>
+            <a:r>
+              <a:rPr lang="en-US" dirty="0" err="1"/>
+              <a:t>bltinmodule.c</a:t>
+            </a:r>
+            <a:r>
+              <a:rPr lang="en-US" dirty="0"/>
+              <a:t>, ...</a:t>
+            </a:r>
+            <a:endParaRPr lang="en-US" sz="2600" dirty="0"/>
+          </a:p>
+          <a:p>
+            <a:endParaRPr lang="en-US" dirty="0"/>
+          </a:p>
+          <a:p>
+            <a:r>
+              <a:rPr lang="en-US" dirty="0"/>
+              <a:t>Lib/*.py</a:t>
+            </a:r>
+          </a:p>
+          <a:p>
+            <a:pPr marL="0" indent="0">
+              <a:buNone/>
+            </a:pPr>
+            <a:endParaRPr lang="en-US" dirty="0"/>
           </a:p>
         </p:txBody>
       </p:sp>
     </p:spTree>
     <p:extLst>
       <p:ext uri="{BB962C8B-B14F-4D97-AF65-F5344CB8AC3E}">
-        <p14:creationId xmlns:p14="http://schemas.microsoft.com/office/powerpoint/2010/main" val="1397525402"/>
+        <p14:creationId xmlns:p14="http://schemas.microsoft.com/office/powerpoint/2010/main" val="1258099706"/>
       </p:ext>
     </p:extLst>
   </p:cSld>
   <p:clrMapOvr>
     <a:masterClrMapping/>
   </p:clrMapOvr>
-  <mc:AlternateContent xmlns:mc="http://schemas.openxmlformats.org/markup-compatibility/2006">
-    <mc:Choice xmlns:p14="http://schemas.microsoft.com/office/powerpoint/2010/main" Requires="p14">
+  <mc:AlternateContent xmlns:mc="http://schemas.openxmlformats.org/markup-compatibility/2006" xmlns:p14="http://schemas.microsoft.com/office/powerpoint/2010/main">
+    <mc:Choice Requires="p14">
       <p:transition spd="med" p14:dur="700">
         <p:fade/>
       </p:transition>
     </mc:Choice>
-    <mc:Fallback>
+    <mc:Fallback xmlns="">
       <p:transition spd="med">
         <p:fade/>
       </p:transition>
@@ -13371,7 +13457,7 @@
           <p:cNvPr id="2" name="Title 1">
             <a:extLst>
               <a:ext uri="{FF2B5EF4-FFF2-40B4-BE49-F238E27FC236}">
-                <a16:creationId xmlns:a16="http://schemas.microsoft.com/office/drawing/2014/main" id="{E3E52183-98F2-447B-BDA4-10039891D86B}"/>
+                <a16:creationId xmlns:a16="http://schemas.microsoft.com/office/drawing/2014/main" id="{D34441B0-BAB0-4793-90C6-8114CD5F64F1}"/>
               </a:ext>
             </a:extLst>
           </p:cNvPr>
@@ -13389,7 +13475,7 @@
           <a:p>
             <a:r>
               <a:rPr lang="en-US" dirty="0"/>
-              <a:t>Boxing and unboxing</a:t>
+              <a:t>Python C API tiers and layers (1463 functions)</a:t>
             </a:r>
           </a:p>
         </p:txBody>
@@ -13399,7 +13485,7 @@
           <p:cNvPr id="3" name="Content Placeholder 2">
             <a:extLst>
               <a:ext uri="{FF2B5EF4-FFF2-40B4-BE49-F238E27FC236}">
-                <a16:creationId xmlns:a16="http://schemas.microsoft.com/office/drawing/2014/main" id="{B48C4E4E-0175-4030-BE2C-76599210D2B7}"/>
+                <a16:creationId xmlns:a16="http://schemas.microsoft.com/office/drawing/2014/main" id="{4AA5886F-C8D8-4092-8FB0-ED8B3BD30B64}"/>
               </a:ext>
             </a:extLst>
           </p:cNvPr>
@@ -13410,285 +13496,129 @@
             <p:ph sz="quarter" idx="28"/>
           </p:nvPr>
         </p:nvSpPr>
-        <p:spPr/>
-        <p:txBody>
-          <a:bodyPr/>
+        <p:spPr>
+          <a:xfrm>
+            <a:off x="571370" y="1523999"/>
+            <a:ext cx="11010900" cy="5002307"/>
+          </a:xfrm>
+        </p:spPr>
+        <p:txBody>
+          <a:bodyPr>
+            <a:normAutofit/>
+          </a:bodyPr>
           <a:lstStyle/>
           <a:p>
             <a:r>
+              <a:rPr lang="en-US" dirty="0"/>
+              <a:t>Limited C API (== Stable ABI): ~900 functions</a:t>
+            </a:r>
+          </a:p>
+          <a:p>
+            <a:r>
+              <a:rPr lang="en-US" dirty="0"/>
+              <a:t>Unstable C API                   </a:t>
+            </a:r>
+            <a:r>
+              <a:rPr lang="en-US" sz="2400" dirty="0"/>
+              <a:t>see </a:t>
+            </a:r>
+            <a:r>
+              <a:rPr lang="en-US" sz="2400" dirty="0">
+                <a:hlinkClick r:id="rId2"/>
+              </a:rPr>
+              <a:t>https://docs.python.org/3.13/c-api/stable.html</a:t>
+            </a:r>
+            <a:endParaRPr lang="en-US" dirty="0"/>
+          </a:p>
+          <a:p>
+            <a:endParaRPr lang="en-US" dirty="0"/>
+          </a:p>
+          <a:p>
+            <a:r>
+              <a:rPr lang="en-US" dirty="0">
+                <a:hlinkClick r:id="rId3"/>
+              </a:rPr>
+              <a:t>C API docs index</a:t>
+            </a:r>
+            <a:r>
+              <a:rPr lang="en-US" dirty="0"/>
+              <a:t> (very useful)</a:t>
+            </a:r>
+          </a:p>
+          <a:p>
+            <a:pPr lvl="1"/>
+            <a:r>
+              <a:rPr lang="en-US" b="1" dirty="0"/>
+              <a:t>Abstract Object Layer</a:t>
+            </a:r>
+            <a:r>
+              <a:rPr lang="en-US" dirty="0"/>
+              <a:t> (connected with </a:t>
+            </a:r>
+            <a:r>
               <a:rPr lang="en-US" dirty="0" err="1"/>
-              <a:t>PyObject</a:t>
-            </a:r>
-            <a:r>
-              <a:rPr lang="en-US" dirty="0"/>
-              <a:t>* to static type</a:t>
+              <a:t>PyTypeObject</a:t>
+            </a:r>
+            <a:r>
+              <a:rPr lang="en-US" dirty="0"/>
+              <a:t>: virtual method table)</a:t>
             </a:r>
           </a:p>
           <a:p>
             <a:pPr lvl="1"/>
             <a:r>
-              <a:rPr lang="en-US" sz="1800" dirty="0">
-                <a:solidFill>
-                  <a:schemeClr val="tx1"/>
-                </a:solidFill>
-                <a:latin typeface="Cascadia Mono" panose="020B0609020000020004" pitchFamily="49" charset="0"/>
+              <a:rPr lang="en-US" dirty="0"/>
+              <a:t>Concrete Object Layer</a:t>
+            </a:r>
+          </a:p>
+          <a:p>
+            <a:r>
+              <a:rPr lang="en-US" dirty="0"/>
+              <a:t>How many lines of C needed to execute a + b in Python?</a:t>
+            </a:r>
+          </a:p>
+          <a:p>
+            <a:pPr lvl="1"/>
+            <a:r>
+              <a:rPr lang="en-US" dirty="0">
+                <a:hlinkClick r:id="rId4"/>
               </a:rPr>
-              <a:t> </a:t>
-            </a:r>
-            <a:r>
-              <a:rPr lang="en-US" sz="1800" dirty="0" err="1">
-                <a:solidFill>
-                  <a:srgbClr val="6F008A"/>
-                </a:solidFill>
-                <a:latin typeface="Cascadia Mono" panose="020B0609020000020004" pitchFamily="49" charset="0"/>
+              <a:t>https://habr.com/ru/articles/780386/</a:t>
+            </a:r>
+            <a:r>
+              <a:rPr lang="en-US" dirty="0"/>
+              <a:t> (in Russian)</a:t>
+            </a:r>
+          </a:p>
+          <a:p>
+            <a:pPr lvl="1"/>
+            <a:r>
+              <a:rPr lang="en-US" dirty="0">
+                <a:hlinkClick r:id="rId5"/>
               </a:rPr>
-              <a:t>PyAPI_FUNC</a:t>
-            </a:r>
-            <a:r>
-              <a:rPr lang="en-US" sz="1800" dirty="0">
-                <a:solidFill>
-                  <a:srgbClr val="000000"/>
-                </a:solidFill>
-                <a:latin typeface="Cascadia Mono" panose="020B0609020000020004" pitchFamily="49" charset="0"/>
-              </a:rPr>
-              <a:t>(</a:t>
-            </a:r>
-            <a:r>
-              <a:rPr lang="en-US" sz="1800" dirty="0">
-                <a:solidFill>
-                  <a:srgbClr val="0000FF"/>
-                </a:solidFill>
-                <a:latin typeface="Cascadia Mono" panose="020B0609020000020004" pitchFamily="49" charset="0"/>
-              </a:rPr>
-              <a:t>long</a:t>
-            </a:r>
-            <a:r>
-              <a:rPr lang="en-US" sz="1800" dirty="0">
-                <a:solidFill>
-                  <a:srgbClr val="000000"/>
-                </a:solidFill>
-                <a:latin typeface="Cascadia Mono" panose="020B0609020000020004" pitchFamily="49" charset="0"/>
-              </a:rPr>
-              <a:t>)</a:t>
-            </a:r>
-            <a:r>
-              <a:rPr lang="en-US" sz="1800" dirty="0">
-                <a:solidFill>
-                  <a:srgbClr val="0000FF"/>
-                </a:solidFill>
-                <a:latin typeface="Cascadia Mono" panose="020B0609020000020004" pitchFamily="49" charset="0"/>
-              </a:rPr>
-              <a:t> </a:t>
-            </a:r>
-            <a:r>
-              <a:rPr lang="en-US" sz="1800" dirty="0" err="1">
-                <a:solidFill>
-                  <a:srgbClr val="000000"/>
-                </a:solidFill>
-                <a:latin typeface="Cascadia Mono" panose="020B0609020000020004" pitchFamily="49" charset="0"/>
-              </a:rPr>
-              <a:t>PyLong_AsLong</a:t>
-            </a:r>
-            <a:r>
-              <a:rPr lang="en-US" sz="1800" dirty="0">
-                <a:solidFill>
-                  <a:srgbClr val="000000"/>
-                </a:solidFill>
-                <a:latin typeface="Cascadia Mono" panose="020B0609020000020004" pitchFamily="49" charset="0"/>
-              </a:rPr>
-              <a:t>(</a:t>
-            </a:r>
-            <a:r>
-              <a:rPr lang="en-US" sz="1800" dirty="0" err="1">
-                <a:solidFill>
-                  <a:srgbClr val="2B91AF"/>
-                </a:solidFill>
-                <a:latin typeface="Cascadia Mono" panose="020B0609020000020004" pitchFamily="49" charset="0"/>
-              </a:rPr>
-              <a:t>PyObject</a:t>
-            </a:r>
-            <a:r>
-              <a:rPr lang="en-US" sz="1800" dirty="0">
-                <a:solidFill>
-                  <a:srgbClr val="000000"/>
-                </a:solidFill>
-                <a:latin typeface="Cascadia Mono" panose="020B0609020000020004" pitchFamily="49" charset="0"/>
-              </a:rPr>
-              <a:t> *</a:t>
-            </a:r>
-            <a:r>
-              <a:rPr lang="en-US" sz="1800" dirty="0">
-                <a:solidFill>
-                  <a:srgbClr val="808080"/>
-                </a:solidFill>
-                <a:latin typeface="Cascadia Mono" panose="020B0609020000020004" pitchFamily="49" charset="0"/>
-              </a:rPr>
-              <a:t>obj</a:t>
-            </a:r>
-            <a:r>
-              <a:rPr lang="en-US" sz="1800" dirty="0">
-                <a:solidFill>
-                  <a:srgbClr val="000000"/>
-                </a:solidFill>
-                <a:latin typeface="Cascadia Mono" panose="020B0609020000020004" pitchFamily="49" charset="0"/>
-              </a:rPr>
-              <a:t>)</a:t>
-            </a:r>
-            <a:endParaRPr lang="en-US" sz="1800" dirty="0"/>
-          </a:p>
-          <a:p>
-            <a:pPr lvl="1"/>
-            <a:endParaRPr lang="en-US" sz="1800" dirty="0">
-              <a:solidFill>
-                <a:schemeClr val="tx1"/>
-              </a:solidFill>
-              <a:latin typeface="Cascadia Mono" panose="020B0609020000020004" pitchFamily="49" charset="0"/>
-            </a:endParaRPr>
-          </a:p>
-          <a:p>
-            <a:r>
-              <a:rPr lang="en-US" dirty="0" err="1"/>
-              <a:t>Stati</a:t>
-            </a:r>
-            <a:r>
-              <a:rPr lang="ru-RU" dirty="0"/>
-              <a:t>с</a:t>
-            </a:r>
-            <a:r>
-              <a:rPr lang="en-US" dirty="0"/>
-              <a:t> type to </a:t>
-            </a:r>
-            <a:r>
-              <a:rPr lang="en-US" dirty="0" err="1"/>
-              <a:t>PyObject</a:t>
-            </a:r>
-            <a:r>
-              <a:rPr lang="en-US" dirty="0"/>
-              <a:t>*</a:t>
-            </a:r>
-          </a:p>
-          <a:p>
-            <a:pPr lvl="1"/>
-            <a:r>
-              <a:rPr lang="en-US" sz="1800" dirty="0">
-                <a:solidFill>
-                  <a:schemeClr val="tx1"/>
-                </a:solidFill>
-                <a:latin typeface="Cascadia Mono" panose="020B0609020000020004" pitchFamily="49" charset="0"/>
-              </a:rPr>
-              <a:t> </a:t>
-            </a:r>
-            <a:r>
-              <a:rPr lang="en-US" sz="1800" dirty="0" err="1">
-                <a:solidFill>
-                  <a:srgbClr val="6F008A"/>
-                </a:solidFill>
-                <a:latin typeface="Cascadia Mono" panose="020B0609020000020004" pitchFamily="49" charset="0"/>
-              </a:rPr>
-              <a:t>PyAPI_FUNC</a:t>
-            </a:r>
-            <a:r>
-              <a:rPr lang="en-US" sz="1800" dirty="0">
-                <a:solidFill>
-                  <a:srgbClr val="000000"/>
-                </a:solidFill>
-                <a:latin typeface="Cascadia Mono" panose="020B0609020000020004" pitchFamily="49" charset="0"/>
-              </a:rPr>
-              <a:t>(</a:t>
-            </a:r>
-            <a:r>
-              <a:rPr lang="en-US" sz="1800" dirty="0" err="1">
-                <a:solidFill>
-                  <a:srgbClr val="2B91AF"/>
-                </a:solidFill>
-                <a:latin typeface="Cascadia Mono" panose="020B0609020000020004" pitchFamily="49" charset="0"/>
-              </a:rPr>
-              <a:t>PyObject</a:t>
-            </a:r>
-            <a:r>
-              <a:rPr lang="en-US" sz="1800" dirty="0">
-                <a:solidFill>
-                  <a:srgbClr val="000000"/>
-                </a:solidFill>
-                <a:latin typeface="Cascadia Mono" panose="020B0609020000020004" pitchFamily="49" charset="0"/>
-              </a:rPr>
-              <a:t> *) </a:t>
-            </a:r>
-            <a:r>
-              <a:rPr lang="en-US" sz="1800" dirty="0" err="1">
-                <a:solidFill>
-                  <a:srgbClr val="000000"/>
-                </a:solidFill>
-                <a:latin typeface="Cascadia Mono" panose="020B0609020000020004" pitchFamily="49" charset="0"/>
-              </a:rPr>
-              <a:t>PyLong_FromLong</a:t>
-            </a:r>
-            <a:r>
-              <a:rPr lang="en-US" sz="1800" dirty="0">
-                <a:solidFill>
-                  <a:srgbClr val="000000"/>
-                </a:solidFill>
-                <a:latin typeface="Cascadia Mono" panose="020B0609020000020004" pitchFamily="49" charset="0"/>
-              </a:rPr>
-              <a:t>(</a:t>
-            </a:r>
-            <a:r>
-              <a:rPr lang="en-US" sz="1800" dirty="0">
-                <a:solidFill>
-                  <a:srgbClr val="0000FF"/>
-                </a:solidFill>
-                <a:latin typeface="Cascadia Mono" panose="020B0609020000020004" pitchFamily="49" charset="0"/>
-              </a:rPr>
-              <a:t>long</a:t>
-            </a:r>
-            <a:r>
-              <a:rPr lang="en-US" sz="1800" dirty="0">
-                <a:solidFill>
-                  <a:srgbClr val="000000"/>
-                </a:solidFill>
-                <a:latin typeface="Cascadia Mono" panose="020B0609020000020004" pitchFamily="49" charset="0"/>
-              </a:rPr>
-              <a:t> </a:t>
-            </a:r>
-            <a:r>
-              <a:rPr lang="en-US" sz="1800" dirty="0" err="1">
-                <a:solidFill>
-                  <a:srgbClr val="808080"/>
-                </a:solidFill>
-                <a:latin typeface="Cascadia Mono" panose="020B0609020000020004" pitchFamily="49" charset="0"/>
-              </a:rPr>
-              <a:t>ival</a:t>
-            </a:r>
-            <a:r>
-              <a:rPr lang="en-US" sz="1800" dirty="0">
-                <a:solidFill>
-                  <a:srgbClr val="000000"/>
-                </a:solidFill>
-                <a:latin typeface="Cascadia Mono" panose="020B0609020000020004" pitchFamily="49" charset="0"/>
-              </a:rPr>
-              <a:t>)</a:t>
-            </a:r>
-            <a:endParaRPr lang="en-US" sz="1800" dirty="0"/>
+              <a:t>https://codeconfessions.substack.com/p/cpython-dynamic-dispatch-internals</a:t>
+            </a:r>
+            <a:endParaRPr lang="en-US" dirty="0"/>
           </a:p>
         </p:txBody>
       </p:sp>
     </p:spTree>
     <p:extLst>
       <p:ext uri="{BB962C8B-B14F-4D97-AF65-F5344CB8AC3E}">
-        <p14:creationId xmlns:p14="http://schemas.microsoft.com/office/powerpoint/2010/main" val="3568766754"/>
+        <p14:creationId xmlns:p14="http://schemas.microsoft.com/office/powerpoint/2010/main" val="3676259179"/>
       </p:ext>
     </p:extLst>
   </p:cSld>
   <p:clrMapOvr>
     <a:masterClrMapping/>
   </p:clrMapOvr>
-  <mc:AlternateContent xmlns:mc="http://schemas.openxmlformats.org/markup-compatibility/2006">
-    <mc:Choice xmlns:p14="http://schemas.microsoft.com/office/powerpoint/2010/main" Requires="p14">
+  <mc:AlternateContent xmlns:mc="http://schemas.openxmlformats.org/markup-compatibility/2006" xmlns:p14="http://schemas.microsoft.com/office/powerpoint/2010/main">
+    <mc:Choice Requires="p14">
       <p:transition spd="med" p14:dur="700">
         <p:fade/>
       </p:transition>
     </mc:Choice>
-    <mc:Fallback>
+    <mc:Fallback xmlns="">
       <p:transition spd="med">
         <p:fade/>
       </p:transition>
@@ -13730,32 +13660,308 @@
             <p:ph type="title"/>
           </p:nvPr>
         </p:nvSpPr>
-        <p:spPr/>
+        <p:spPr>
+          <a:xfrm>
+            <a:off x="571454" y="392206"/>
+            <a:ext cx="11010816" cy="683559"/>
+          </a:xfrm>
+        </p:spPr>
         <p:txBody>
           <a:bodyPr/>
           <a:lstStyle/>
           <a:p>
             <a:r>
               <a:rPr lang="en-US" dirty="0"/>
-              <a:t>Typical compilation pipeline (</a:t>
-            </a:r>
+              <a:t>Boxing and unboxing</a:t>
+            </a:r>
+          </a:p>
+        </p:txBody>
+      </p:sp>
+      <p:sp>
+        <p:nvSpPr>
+          <p:cNvPr id="3" name="Content Placeholder 2">
+            <a:extLst>
+              <a:ext uri="{FF2B5EF4-FFF2-40B4-BE49-F238E27FC236}">
+                <a16:creationId xmlns:a16="http://schemas.microsoft.com/office/drawing/2014/main" id="{B48C4E4E-0175-4030-BE2C-76599210D2B7}"/>
+              </a:ext>
+            </a:extLst>
+          </p:cNvPr>
+          <p:cNvSpPr>
+            <a:spLocks noGrp="1"/>
+          </p:cNvSpPr>
+          <p:nvPr>
+            <p:ph sz="quarter" idx="28"/>
+          </p:nvPr>
+        </p:nvSpPr>
+        <p:spPr>
+          <a:xfrm>
+            <a:off x="571370" y="1201271"/>
+            <a:ext cx="11010900" cy="5047131"/>
+          </a:xfrm>
+        </p:spPr>
+        <p:txBody>
+          <a:bodyPr/>
+          <a:lstStyle/>
+          <a:p>
             <a:r>
               <a:rPr lang="en-US" dirty="0" err="1"/>
-              <a:t>Numba</a:t>
-            </a:r>
-            <a:r>
-              <a:rPr lang="en-US" dirty="0"/>
+              <a:t>PyObject</a:t>
+            </a:r>
+            <a:r>
+              <a:rPr lang="en-US" dirty="0"/>
+              <a:t>* to static type</a:t>
+            </a:r>
+          </a:p>
+          <a:p>
+            <a:pPr lvl="1"/>
+            <a:r>
+              <a:rPr lang="en-US" sz="1800" dirty="0">
+                <a:solidFill>
+                  <a:schemeClr val="tx1"/>
+                </a:solidFill>
+                <a:latin typeface="Cascadia Mono" panose="020B0609020000020004" pitchFamily="49" charset="0"/>
+              </a:rPr>
+              <a:t> </a:t>
+            </a:r>
+            <a:r>
+              <a:rPr lang="en-US" sz="1800" dirty="0" err="1">
+                <a:solidFill>
+                  <a:srgbClr val="6F008A"/>
+                </a:solidFill>
+                <a:latin typeface="Cascadia Mono" panose="020B0609020000020004" pitchFamily="49" charset="0"/>
+              </a:rPr>
+              <a:t>PyAPI_FUNC</a:t>
+            </a:r>
+            <a:r>
+              <a:rPr lang="en-US" sz="1800" dirty="0">
+                <a:solidFill>
+                  <a:srgbClr val="000000"/>
+                </a:solidFill>
+                <a:latin typeface="Cascadia Mono" panose="020B0609020000020004" pitchFamily="49" charset="0"/>
+              </a:rPr>
+              <a:t>(</a:t>
+            </a:r>
+            <a:r>
+              <a:rPr lang="en-US" sz="1800" dirty="0">
+                <a:solidFill>
+                  <a:srgbClr val="0000FF"/>
+                </a:solidFill>
+                <a:latin typeface="Cascadia Mono" panose="020B0609020000020004" pitchFamily="49" charset="0"/>
+              </a:rPr>
+              <a:t>long</a:t>
+            </a:r>
+            <a:r>
+              <a:rPr lang="en-US" sz="1800" dirty="0">
+                <a:solidFill>
+                  <a:srgbClr val="000000"/>
+                </a:solidFill>
+                <a:latin typeface="Cascadia Mono" panose="020B0609020000020004" pitchFamily="49" charset="0"/>
+              </a:rPr>
               <a:t>)</a:t>
             </a:r>
+            <a:r>
+              <a:rPr lang="en-US" sz="1800" dirty="0">
+                <a:solidFill>
+                  <a:srgbClr val="0000FF"/>
+                </a:solidFill>
+                <a:latin typeface="Cascadia Mono" panose="020B0609020000020004" pitchFamily="49" charset="0"/>
+              </a:rPr>
+              <a:t> </a:t>
+            </a:r>
+            <a:r>
+              <a:rPr lang="en-US" sz="1800" dirty="0" err="1">
+                <a:solidFill>
+                  <a:srgbClr val="000000"/>
+                </a:solidFill>
+                <a:latin typeface="Cascadia Mono" panose="020B0609020000020004" pitchFamily="49" charset="0"/>
+              </a:rPr>
+              <a:t>PyLong_AsLong</a:t>
+            </a:r>
+            <a:r>
+              <a:rPr lang="en-US" sz="1800" dirty="0">
+                <a:solidFill>
+                  <a:srgbClr val="000000"/>
+                </a:solidFill>
+                <a:latin typeface="Cascadia Mono" panose="020B0609020000020004" pitchFamily="49" charset="0"/>
+              </a:rPr>
+              <a:t>(</a:t>
+            </a:r>
+            <a:r>
+              <a:rPr lang="en-US" sz="1800" dirty="0" err="1">
+                <a:solidFill>
+                  <a:srgbClr val="2B91AF"/>
+                </a:solidFill>
+                <a:latin typeface="Cascadia Mono" panose="020B0609020000020004" pitchFamily="49" charset="0"/>
+              </a:rPr>
+              <a:t>PyObject</a:t>
+            </a:r>
+            <a:r>
+              <a:rPr lang="en-US" sz="1800" dirty="0">
+                <a:solidFill>
+                  <a:srgbClr val="000000"/>
+                </a:solidFill>
+                <a:latin typeface="Cascadia Mono" panose="020B0609020000020004" pitchFamily="49" charset="0"/>
+              </a:rPr>
+              <a:t> *</a:t>
+            </a:r>
+            <a:r>
+              <a:rPr lang="en-US" sz="1800" dirty="0">
+                <a:solidFill>
+                  <a:srgbClr val="808080"/>
+                </a:solidFill>
+                <a:latin typeface="Cascadia Mono" panose="020B0609020000020004" pitchFamily="49" charset="0"/>
+              </a:rPr>
+              <a:t>obj</a:t>
+            </a:r>
+            <a:r>
+              <a:rPr lang="en-US" sz="1800" dirty="0">
+                <a:solidFill>
+                  <a:srgbClr val="000000"/>
+                </a:solidFill>
+                <a:latin typeface="Cascadia Mono" panose="020B0609020000020004" pitchFamily="49" charset="0"/>
+              </a:rPr>
+              <a:t>)</a:t>
+            </a:r>
+            <a:endParaRPr lang="en-US" sz="1800" dirty="0">
+              <a:solidFill>
+                <a:schemeClr val="tx1"/>
+              </a:solidFill>
+              <a:latin typeface="Cascadia Mono" panose="020B0609020000020004" pitchFamily="49" charset="0"/>
+            </a:endParaRPr>
+          </a:p>
+          <a:p>
+            <a:r>
+              <a:rPr lang="en-US" dirty="0" err="1"/>
+              <a:t>Stati</a:t>
+            </a:r>
+            <a:r>
+              <a:rPr lang="ru-RU" dirty="0"/>
+              <a:t>с</a:t>
+            </a:r>
+            <a:r>
+              <a:rPr lang="en-US" dirty="0"/>
+              <a:t> type to </a:t>
+            </a:r>
+            <a:r>
+              <a:rPr lang="en-US" dirty="0" err="1"/>
+              <a:t>PyObject</a:t>
+            </a:r>
+            <a:r>
+              <a:rPr lang="en-US" dirty="0"/>
+              <a:t>*</a:t>
+            </a:r>
+          </a:p>
+          <a:p>
+            <a:pPr lvl="1"/>
+            <a:r>
+              <a:rPr lang="en-US" sz="1800" dirty="0">
+                <a:solidFill>
+                  <a:schemeClr val="tx1"/>
+                </a:solidFill>
+                <a:latin typeface="Cascadia Mono" panose="020B0609020000020004" pitchFamily="49" charset="0"/>
+              </a:rPr>
+              <a:t> </a:t>
+            </a:r>
+            <a:r>
+              <a:rPr lang="en-US" sz="1800" dirty="0" err="1">
+                <a:solidFill>
+                  <a:srgbClr val="6F008A"/>
+                </a:solidFill>
+                <a:latin typeface="Cascadia Mono" panose="020B0609020000020004" pitchFamily="49" charset="0"/>
+              </a:rPr>
+              <a:t>PyAPI_FUNC</a:t>
+            </a:r>
+            <a:r>
+              <a:rPr lang="en-US" sz="1800" dirty="0">
+                <a:solidFill>
+                  <a:srgbClr val="000000"/>
+                </a:solidFill>
+                <a:latin typeface="Cascadia Mono" panose="020B0609020000020004" pitchFamily="49" charset="0"/>
+              </a:rPr>
+              <a:t>(</a:t>
+            </a:r>
+            <a:r>
+              <a:rPr lang="en-US" sz="1800" dirty="0" err="1">
+                <a:solidFill>
+                  <a:srgbClr val="2B91AF"/>
+                </a:solidFill>
+                <a:latin typeface="Cascadia Mono" panose="020B0609020000020004" pitchFamily="49" charset="0"/>
+              </a:rPr>
+              <a:t>PyObject</a:t>
+            </a:r>
+            <a:r>
+              <a:rPr lang="en-US" sz="1800" dirty="0">
+                <a:solidFill>
+                  <a:srgbClr val="000000"/>
+                </a:solidFill>
+                <a:latin typeface="Cascadia Mono" panose="020B0609020000020004" pitchFamily="49" charset="0"/>
+              </a:rPr>
+              <a:t> *) </a:t>
+            </a:r>
+            <a:r>
+              <a:rPr lang="en-US" sz="1800" dirty="0" err="1">
+                <a:solidFill>
+                  <a:srgbClr val="000000"/>
+                </a:solidFill>
+                <a:latin typeface="Cascadia Mono" panose="020B0609020000020004" pitchFamily="49" charset="0"/>
+              </a:rPr>
+              <a:t>PyLong_FromLong</a:t>
+            </a:r>
+            <a:r>
+              <a:rPr lang="en-US" sz="1800" dirty="0">
+                <a:solidFill>
+                  <a:srgbClr val="000000"/>
+                </a:solidFill>
+                <a:latin typeface="Cascadia Mono" panose="020B0609020000020004" pitchFamily="49" charset="0"/>
+              </a:rPr>
+              <a:t>(</a:t>
+            </a:r>
+            <a:r>
+              <a:rPr lang="en-US" sz="1800" dirty="0">
+                <a:solidFill>
+                  <a:srgbClr val="0000FF"/>
+                </a:solidFill>
+                <a:latin typeface="Cascadia Mono" panose="020B0609020000020004" pitchFamily="49" charset="0"/>
+              </a:rPr>
+              <a:t>long</a:t>
+            </a:r>
+            <a:r>
+              <a:rPr lang="en-US" sz="1800" dirty="0">
+                <a:solidFill>
+                  <a:srgbClr val="000000"/>
+                </a:solidFill>
+                <a:latin typeface="Cascadia Mono" panose="020B0609020000020004" pitchFamily="49" charset="0"/>
+              </a:rPr>
+              <a:t> </a:t>
+            </a:r>
+            <a:r>
+              <a:rPr lang="en-US" sz="1800" dirty="0" err="1">
+                <a:solidFill>
+                  <a:srgbClr val="808080"/>
+                </a:solidFill>
+                <a:latin typeface="Cascadia Mono" panose="020B0609020000020004" pitchFamily="49" charset="0"/>
+              </a:rPr>
+              <a:t>ival</a:t>
+            </a:r>
+            <a:r>
+              <a:rPr lang="en-US" sz="1800" dirty="0">
+                <a:solidFill>
+                  <a:srgbClr val="000000"/>
+                </a:solidFill>
+                <a:latin typeface="Cascadia Mono" panose="020B0609020000020004" pitchFamily="49" charset="0"/>
+              </a:rPr>
+              <a:t>)</a:t>
+            </a:r>
+            <a:endParaRPr lang="en-US" sz="1800" dirty="0"/>
           </a:p>
         </p:txBody>
       </p:sp>
       <p:pic>
         <p:nvPicPr>
-          <p:cNvPr id="7" name="Picture 6">
-            <a:extLst>
-              <a:ext uri="{FF2B5EF4-FFF2-40B4-BE49-F238E27FC236}">
-                <a16:creationId xmlns:a16="http://schemas.microsoft.com/office/drawing/2014/main" id="{5A2F5CE2-1489-29BA-2ACE-2BC648451EA6}"/>
+          <p:cNvPr id="5" name="Picture 4">
+            <a:extLst>
+              <a:ext uri="{FF2B5EF4-FFF2-40B4-BE49-F238E27FC236}">
+                <a16:creationId xmlns:a16="http://schemas.microsoft.com/office/drawing/2014/main" id="{6E8847A4-AA88-7FC2-E53B-55426A96B8A2}"/>
               </a:ext>
             </a:extLst>
           </p:cNvPr>
@@ -13772,128 +13978,18 @@
         </p:blipFill>
         <p:spPr>
           <a:xfrm>
-            <a:off x="609813" y="1312252"/>
-            <a:ext cx="2819301" cy="4455502"/>
+            <a:off x="1432673" y="4165226"/>
+            <a:ext cx="5192148" cy="1823197"/>
           </a:xfrm>
           <a:prstGeom prst="rect">
             <a:avLst/>
           </a:prstGeom>
         </p:spPr>
       </p:pic>
-      <p:pic>
-        <p:nvPicPr>
-          <p:cNvPr id="9" name="Picture 8">
-            <a:extLst>
-              <a:ext uri="{FF2B5EF4-FFF2-40B4-BE49-F238E27FC236}">
-                <a16:creationId xmlns:a16="http://schemas.microsoft.com/office/drawing/2014/main" id="{2772A74C-8136-BEE3-30AF-43F1D98819A0}"/>
-              </a:ext>
-            </a:extLst>
-          </p:cNvPr>
-          <p:cNvPicPr>
-            <a:picLocks noChangeAspect="1"/>
-          </p:cNvPicPr>
-          <p:nvPr/>
-        </p:nvPicPr>
-        <p:blipFill>
-          <a:blip r:embed="rId3"/>
-          <a:stretch>
-            <a:fillRect/>
-          </a:stretch>
-        </p:blipFill>
-        <p:spPr>
-          <a:xfrm>
-            <a:off x="10034043" y="533033"/>
-            <a:ext cx="1548143" cy="5926015"/>
-          </a:xfrm>
-          <a:prstGeom prst="rect">
-            <a:avLst/>
-          </a:prstGeom>
-        </p:spPr>
-      </p:pic>
-      <p:sp>
-        <p:nvSpPr>
-          <p:cNvPr id="10" name="Content Placeholder 2">
-            <a:extLst>
-              <a:ext uri="{FF2B5EF4-FFF2-40B4-BE49-F238E27FC236}">
-                <a16:creationId xmlns:a16="http://schemas.microsoft.com/office/drawing/2014/main" id="{8B93EDFC-7EB9-DEB6-B386-9DA95175FFEB}"/>
-              </a:ext>
-            </a:extLst>
-          </p:cNvPr>
-          <p:cNvSpPr>
-            <a:spLocks noGrp="1"/>
-          </p:cNvSpPr>
-          <p:nvPr>
-            <p:ph sz="quarter" idx="28"/>
-          </p:nvPr>
-        </p:nvSpPr>
-        <p:spPr>
-          <a:xfrm>
-            <a:off x="3879646" y="1523999"/>
-            <a:ext cx="6002908" cy="4574947"/>
-          </a:xfrm>
-        </p:spPr>
-        <p:txBody>
-          <a:bodyPr/>
-          <a:lstStyle/>
-          <a:p>
-            <a:r>
-              <a:rPr lang="en-US" dirty="0"/>
-              <a:t>Env var NUMBA_DUMP_CFG=1</a:t>
-            </a:r>
-          </a:p>
-          <a:p>
-            <a:r>
-              <a:rPr lang="en-US" dirty="0"/>
-              <a:t>NUMBA_DUMP_IR=1</a:t>
-            </a:r>
-          </a:p>
-          <a:p>
-            <a:r>
-              <a:rPr lang="en-US" dirty="0"/>
-              <a:t>NUMBA_DUMP_ANNOTATION=1</a:t>
-            </a:r>
-          </a:p>
-          <a:p>
-            <a:r>
-              <a:rPr lang="en-US" dirty="0"/>
-              <a:t>NUMBA_DUMP_LLVM=1</a:t>
-            </a:r>
-          </a:p>
-          <a:p>
-            <a:r>
-              <a:rPr lang="en-US" dirty="0"/>
-              <a:t>NUMBA_DUMP_OPTIMIZED=1</a:t>
-            </a:r>
-          </a:p>
-          <a:p>
-            <a:r>
-              <a:rPr lang="en-US" dirty="0"/>
-              <a:t>NUMBA_DUMP_ASSEMBLY=1</a:t>
-            </a:r>
-          </a:p>
-          <a:p>
-            <a:endParaRPr lang="en-US" dirty="0"/>
-          </a:p>
-          <a:p>
-            <a:r>
-              <a:rPr lang="en-US" sz="2400" dirty="0"/>
-              <a:t>search for “</a:t>
-            </a:r>
-            <a:r>
-              <a:rPr lang="en-US" sz="2400" dirty="0" err="1"/>
-              <a:t>Numba</a:t>
-            </a:r>
-            <a:r>
-              <a:rPr lang="en-US" sz="2400" dirty="0"/>
-              <a:t> Compiler Architecture”</a:t>
-            </a:r>
-          </a:p>
-        </p:txBody>
-      </p:sp>
     </p:spTree>
     <p:extLst>
       <p:ext uri="{BB962C8B-B14F-4D97-AF65-F5344CB8AC3E}">
-        <p14:creationId xmlns:p14="http://schemas.microsoft.com/office/powerpoint/2010/main" val="3067568807"/>
+        <p14:creationId xmlns:p14="http://schemas.microsoft.com/office/powerpoint/2010/main" val="3568766754"/>
       </p:ext>
     </p:extLst>
   </p:cSld>
@@ -13912,6 +14008,81 @@
       </p:transition>
     </mc:Fallback>
   </mc:AlternateContent>
+  <p:timing>
+    <p:tnLst>
+      <p:par>
+        <p:cTn id="1" dur="indefinite" restart="never" nodeType="tmRoot">
+          <p:childTnLst>
+            <p:seq concurrent="1" nextAc="seek">
+              <p:cTn id="2" dur="indefinite" nodeType="mainSeq">
+                <p:childTnLst>
+                  <p:par>
+                    <p:cTn id="3" fill="hold">
+                      <p:stCondLst>
+                        <p:cond delay="indefinite"/>
+                      </p:stCondLst>
+                      <p:childTnLst>
+                        <p:par>
+                          <p:cTn id="4" fill="hold">
+                            <p:stCondLst>
+                              <p:cond delay="0"/>
+                            </p:stCondLst>
+                            <p:childTnLst>
+                              <p:par>
+                                <p:cTn id="5" presetID="1" presetClass="entr" presetSubtype="0" fill="hold" nodeType="clickEffect">
+                                  <p:stCondLst>
+                                    <p:cond delay="0"/>
+                                  </p:stCondLst>
+                                  <p:childTnLst>
+                                    <p:set>
+                                      <p:cBhvr>
+                                        <p:cTn id="6" dur="1" fill="hold">
+                                          <p:stCondLst>
+                                            <p:cond delay="0"/>
+                                          </p:stCondLst>
+                                        </p:cTn>
+                                        <p:tgtEl>
+                                          <p:spTgt spid="5"/>
+                                        </p:tgtEl>
+                                        <p:attrNameLst>
+                                          <p:attrName>style.visibility</p:attrName>
+                                        </p:attrNameLst>
+                                      </p:cBhvr>
+                                      <p:to>
+                                        <p:strVal val="visible"/>
+                                      </p:to>
+                                    </p:set>
+                                  </p:childTnLst>
+                                </p:cTn>
+                              </p:par>
+                            </p:childTnLst>
+                          </p:cTn>
+                        </p:par>
+                      </p:childTnLst>
+                    </p:cTn>
+                  </p:par>
+                </p:childTnLst>
+              </p:cTn>
+              <p:prevCondLst>
+                <p:cond evt="onPrev" delay="0">
+                  <p:tgtEl>
+                    <p:sldTgt/>
+                  </p:tgtEl>
+                </p:cond>
+              </p:prevCondLst>
+              <p:nextCondLst>
+                <p:cond evt="onNext" delay="0">
+                  <p:tgtEl>
+                    <p:sldTgt/>
+                  </p:tgtEl>
+                </p:cond>
+              </p:nextCondLst>
+            </p:seq>
+          </p:childTnLst>
+        </p:cTn>
+      </p:par>
+    </p:tnLst>
+  </p:timing>
 </p:sld>
 </file>
 
@@ -13937,7 +14108,7 @@
           <p:cNvPr id="2" name="Title 1">
             <a:extLst>
               <a:ext uri="{FF2B5EF4-FFF2-40B4-BE49-F238E27FC236}">
-                <a16:creationId xmlns:a16="http://schemas.microsoft.com/office/drawing/2014/main" id="{E3E52183-98F2-447B-BDA4-10039891D86B}"/>
+                <a16:creationId xmlns:a16="http://schemas.microsoft.com/office/drawing/2014/main" id="{6CC6958E-698B-4073-9795-8A7430E13D88}"/>
               </a:ext>
             </a:extLst>
           </p:cNvPr>
@@ -13955,17 +14126,77 @@
           <a:p>
             <a:r>
               <a:rPr lang="en-US" dirty="0"/>
-              <a:t>Type inference for Python</a:t>
-            </a:r>
-          </a:p>
-        </p:txBody>
-      </p:sp>
-      <p:sp>
-        <p:nvSpPr>
-          <p:cNvPr id="3" name="Content Placeholder 2">
-            <a:extLst>
-              <a:ext uri="{FF2B5EF4-FFF2-40B4-BE49-F238E27FC236}">
-                <a16:creationId xmlns:a16="http://schemas.microsoft.com/office/drawing/2014/main" id="{B48C4E4E-0175-4030-BE2C-76599210D2B7}"/>
+              <a:t>3rd-party JIT compilers for Python functions</a:t>
+            </a:r>
+          </a:p>
+        </p:txBody>
+      </p:sp>
+      <p:pic>
+        <p:nvPicPr>
+          <p:cNvPr id="7" name="Picture 6">
+            <a:extLst>
+              <a:ext uri="{FF2B5EF4-FFF2-40B4-BE49-F238E27FC236}">
+                <a16:creationId xmlns:a16="http://schemas.microsoft.com/office/drawing/2014/main" id="{6EE86AC2-6A6E-3EE6-BA1C-737739E0AC3E}"/>
+              </a:ext>
+            </a:extLst>
+          </p:cNvPr>
+          <p:cNvPicPr>
+            <a:picLocks noChangeAspect="1"/>
+          </p:cNvPicPr>
+          <p:nvPr/>
+        </p:nvPicPr>
+        <p:blipFill>
+          <a:blip r:embed="rId2"/>
+          <a:stretch>
+            <a:fillRect/>
+          </a:stretch>
+        </p:blipFill>
+        <p:spPr>
+          <a:xfrm>
+            <a:off x="609813" y="1433231"/>
+            <a:ext cx="2877457" cy="2333073"/>
+          </a:xfrm>
+          <a:prstGeom prst="rect">
+            <a:avLst/>
+          </a:prstGeom>
+        </p:spPr>
+      </p:pic>
+      <p:pic>
+        <p:nvPicPr>
+          <p:cNvPr id="9" name="Picture 8">
+            <a:extLst>
+              <a:ext uri="{FF2B5EF4-FFF2-40B4-BE49-F238E27FC236}">
+                <a16:creationId xmlns:a16="http://schemas.microsoft.com/office/drawing/2014/main" id="{340AB9A4-C50E-2957-A2AB-270D0881B29E}"/>
+              </a:ext>
+            </a:extLst>
+          </p:cNvPr>
+          <p:cNvPicPr>
+            <a:picLocks noChangeAspect="1"/>
+          </p:cNvPicPr>
+          <p:nvPr/>
+        </p:nvPicPr>
+        <p:blipFill>
+          <a:blip r:embed="rId3"/>
+          <a:stretch>
+            <a:fillRect/>
+          </a:stretch>
+        </p:blipFill>
+        <p:spPr>
+          <a:xfrm>
+            <a:off x="609813" y="4233864"/>
+            <a:ext cx="6870606" cy="1190905"/>
+          </a:xfrm>
+          <a:prstGeom prst="rect">
+            <a:avLst/>
+          </a:prstGeom>
+        </p:spPr>
+      </p:pic>
+      <p:sp>
+        <p:nvSpPr>
+          <p:cNvPr id="10" name="Content Placeholder 2">
+            <a:extLst>
+              <a:ext uri="{FF2B5EF4-FFF2-40B4-BE49-F238E27FC236}">
+                <a16:creationId xmlns:a16="http://schemas.microsoft.com/office/drawing/2014/main" id="{65A8F5C4-099C-C865-1B4C-15B79EBDC405}"/>
               </a:ext>
             </a:extLst>
           </p:cNvPr>
@@ -13976,113 +14207,37 @@
             <p:ph sz="quarter" idx="28"/>
           </p:nvPr>
         </p:nvSpPr>
-        <p:spPr/>
-        <p:txBody>
-          <a:bodyPr/>
+        <p:spPr>
+          <a:xfrm>
+            <a:off x="571370" y="5730687"/>
+            <a:ext cx="11010900" cy="555813"/>
+          </a:xfrm>
+        </p:spPr>
+        <p:txBody>
+          <a:bodyPr>
+            <a:normAutofit fontScale="92500"/>
+          </a:bodyPr>
           <a:lstStyle/>
           <a:p>
             <a:r>
+              <a:rPr lang="en-US" dirty="0"/>
+              <a:t>@jit(cache=True, </a:t>
+            </a:r>
+            <a:r>
               <a:rPr lang="en-US" dirty="0" err="1"/>
-              <a:t>mypy</a:t>
-            </a:r>
-            <a:r>
-              <a:rPr lang="en-US" dirty="0"/>
-              <a:t> + </a:t>
-            </a:r>
-            <a:r>
-              <a:rPr lang="en-US" dirty="0" err="1"/>
-              <a:t>mypyC</a:t>
-            </a:r>
-            <a:r>
-              <a:rPr lang="en-US" dirty="0"/>
-              <a:t> (</a:t>
-            </a:r>
-            <a:r>
-              <a:rPr lang="en-US" dirty="0" err="1"/>
-              <a:t>transpiler</a:t>
-            </a:r>
-            <a:r>
-              <a:rPr lang="en-US" dirty="0"/>
-              <a:t> to C)</a:t>
-            </a:r>
-          </a:p>
-          <a:p>
-            <a:r>
-              <a:rPr lang="en-US" dirty="0" err="1"/>
-              <a:t>pytype</a:t>
-            </a:r>
-            <a:r>
-              <a:rPr lang="en-US" dirty="0"/>
-              <a:t> (type hints are not necessary; by Google)</a:t>
-            </a:r>
-          </a:p>
-          <a:p>
-            <a:r>
-              <a:rPr lang="en-US" dirty="0" err="1"/>
-              <a:t>pyright</a:t>
-            </a:r>
-            <a:r>
-              <a:rPr lang="en-US" dirty="0"/>
-              <a:t> (type checker for </a:t>
-            </a:r>
-            <a:r>
-              <a:rPr lang="en-US" dirty="0" err="1"/>
-              <a:t>VSCode</a:t>
-            </a:r>
-            <a:r>
-              <a:rPr lang="en-US" dirty="0"/>
-              <a:t>; by Microsoft; written in TypeScript)</a:t>
-            </a:r>
-          </a:p>
-          <a:p>
-            <a:r>
-              <a:rPr lang="en-US" dirty="0">
-                <a:hlinkClick r:id="rId2"/>
-              </a:rPr>
-              <a:t>JohnnyPeng18/</a:t>
-            </a:r>
-            <a:r>
-              <a:rPr lang="en-US" dirty="0" err="1">
-                <a:hlinkClick r:id="rId2"/>
-              </a:rPr>
-              <a:t>HiTyper</a:t>
-            </a:r>
-            <a:r>
-              <a:rPr lang="en-US" dirty="0"/>
-              <a:t> implements type dependency graph + some ML</a:t>
-            </a:r>
-          </a:p>
-          <a:p>
-            <a:endParaRPr lang="en-US" dirty="0"/>
-          </a:p>
-          <a:p>
-            <a:r>
-              <a:rPr lang="en-US" dirty="0"/>
-              <a:t>Type inference is not decidable (algorithmically unresolvable) – 2022</a:t>
-            </a:r>
-          </a:p>
-          <a:p>
-            <a:pPr lvl="1"/>
-            <a:r>
-              <a:rPr lang="en-US" dirty="0">
-                <a:hlinkClick r:id="rId3"/>
-              </a:rPr>
-              <a:t>https://arxiv.org/pdf/2208.14755.pdf</a:t>
-            </a:r>
-            <a:endParaRPr lang="en-US" dirty="0"/>
-          </a:p>
-          <a:p>
-            <a:pPr marL="0" indent="0">
-              <a:buNone/>
-            </a:pPr>
-            <a:endParaRPr lang="en-US" dirty="0"/>
+              <a:t>nopython</a:t>
+            </a:r>
+            <a:r>
+              <a:rPr lang="en-US" dirty="0"/>
+              <a:t>=True) is recommended (cache=True saves ~1 sec.)</a:t>
+            </a:r>
           </a:p>
         </p:txBody>
       </p:sp>
     </p:spTree>
     <p:extLst>
       <p:ext uri="{BB962C8B-B14F-4D97-AF65-F5344CB8AC3E}">
-        <p14:creationId xmlns:p14="http://schemas.microsoft.com/office/powerpoint/2010/main" val="4170333052"/>
+        <p14:creationId xmlns:p14="http://schemas.microsoft.com/office/powerpoint/2010/main" val="1397525402"/>
       </p:ext>
     </p:extLst>
   </p:cSld>
@@ -14123,10 +14278,10 @@
       </p:grpSpPr>
       <p:sp>
         <p:nvSpPr>
-          <p:cNvPr id="2" name="Заголовок 1">
-            <a:extLst>
-              <a:ext uri="{FF2B5EF4-FFF2-40B4-BE49-F238E27FC236}">
-                <a16:creationId xmlns:a16="http://schemas.microsoft.com/office/drawing/2014/main" id="{F4923D96-2192-7926-8503-801A95C59524}"/>
+          <p:cNvPr id="2" name="Title 1">
+            <a:extLst>
+              <a:ext uri="{FF2B5EF4-FFF2-40B4-BE49-F238E27FC236}">
+                <a16:creationId xmlns:a16="http://schemas.microsoft.com/office/drawing/2014/main" id="{6CC6958E-698B-4073-9795-8A7430E13D88}"/>
               </a:ext>
             </a:extLst>
           </p:cNvPr>
@@ -14144,18 +14299,17 @@
           <a:p>
             <a:r>
               <a:rPr lang="en-US" dirty="0"/>
-              <a:t>Lab assignment</a:t>
-            </a:r>
-            <a:endParaRPr lang="ru-RU" dirty="0"/>
-          </a:p>
-        </p:txBody>
-      </p:sp>
-      <p:sp>
-        <p:nvSpPr>
-          <p:cNvPr id="3" name="Объект 2">
-            <a:extLst>
-              <a:ext uri="{FF2B5EF4-FFF2-40B4-BE49-F238E27FC236}">
-                <a16:creationId xmlns:a16="http://schemas.microsoft.com/office/drawing/2014/main" id="{1ECCD460-F424-F959-C347-14258749FA7E}"/>
+              <a:t>3rd-party JIT compilers for Python functions</a:t>
+            </a:r>
+          </a:p>
+        </p:txBody>
+      </p:sp>
+      <p:sp>
+        <p:nvSpPr>
+          <p:cNvPr id="3" name="Content Placeholder 2">
+            <a:extLst>
+              <a:ext uri="{FF2B5EF4-FFF2-40B4-BE49-F238E27FC236}">
+                <a16:creationId xmlns:a16="http://schemas.microsoft.com/office/drawing/2014/main" id="{0A098723-3EA1-4FD6-87B3-EFA04ABF139B}"/>
               </a:ext>
             </a:extLst>
           </p:cNvPr>
@@ -14168,109 +14322,145 @@
         </p:nvSpPr>
         <p:spPr/>
         <p:txBody>
-          <a:bodyPr>
-            <a:normAutofit/>
-          </a:bodyPr>
+          <a:bodyPr/>
           <a:lstStyle/>
           <a:p>
             <a:r>
-              <a:rPr lang="en-US" dirty="0"/>
-              <a:t>in lectures repository: </a:t>
-            </a:r>
+              <a:rPr lang="en-US" dirty="0" err="1"/>
+              <a:t>Numba</a:t>
+            </a:r>
+            <a:endParaRPr lang="en-US" dirty="0"/>
+          </a:p>
+          <a:p>
+            <a:pPr lvl="1"/>
+            <a:r>
+              <a:rPr lang="en-US" dirty="0"/>
+              <a:t>pip install </a:t>
+            </a:r>
+            <a:r>
+              <a:rPr lang="en-US" dirty="0" err="1"/>
+              <a:t>llvmlite</a:t>
+            </a:r>
+            <a:r>
+              <a:rPr lang="en-US" dirty="0"/>
+              <a:t>; -&gt; </a:t>
+            </a:r>
+            <a:r>
+              <a:rPr lang="en-US" dirty="0" err="1"/>
+              <a:t>Numba</a:t>
+            </a:r>
+            <a:r>
+              <a:rPr lang="en-US" dirty="0"/>
+              <a:t> IR -&gt; LLVM IR</a:t>
+            </a:r>
+          </a:p>
+          <a:p>
+            <a:pPr lvl="1"/>
+            <a:r>
+              <a:rPr lang="en-US" dirty="0"/>
+              <a:t>TBB support, Intel only GPU support, special replacements for </a:t>
+            </a:r>
+            <a:r>
+              <a:rPr lang="en-US" dirty="0" err="1"/>
+              <a:t>Numpy</a:t>
+            </a:r>
+            <a:r>
+              <a:rPr lang="en-US" dirty="0"/>
+              <a:t> functions</a:t>
+            </a:r>
+          </a:p>
+          <a:p>
+            <a:r>
+              <a:rPr lang="en-US" dirty="0" err="1"/>
+              <a:t>Taichi</a:t>
+            </a:r>
+            <a:endParaRPr lang="en-US" dirty="0"/>
+          </a:p>
+          <a:p>
+            <a:pPr lvl="1"/>
+            <a:r>
+              <a:rPr lang="en-US" dirty="0"/>
+              <a:t>GPU support; focus on graphics</a:t>
+            </a:r>
+          </a:p>
+          <a:p>
+            <a:pPr lvl="1"/>
+            <a:r>
+              <a:rPr lang="en-US" dirty="0"/>
+              <a:t>more API</a:t>
+            </a:r>
+          </a:p>
+          <a:p>
             <a:r>
               <a:rPr lang="en-US" dirty="0">
                 <a:hlinkClick r:id="rId2"/>
               </a:rPr>
-              <a:t>NN-</a:t>
+              <a:t>4 </a:t>
+            </a:r>
+            <a:r>
+              <a:rPr lang="ru-RU" dirty="0">
+                <a:hlinkClick r:id="rId2"/>
+              </a:rPr>
+              <a:t>мушкетера: </a:t>
+            </a:r>
+            <a:r>
+              <a:rPr lang="en-US" dirty="0">
+                <a:hlinkClick r:id="rId2"/>
+              </a:rPr>
+              <a:t>Python, </a:t>
             </a:r>
             <a:r>
               <a:rPr lang="en-US" dirty="0" err="1">
                 <a:hlinkClick r:id="rId2"/>
               </a:rPr>
-              <a:t>complr</a:t>
+              <a:t>Cython</a:t>
             </a:r>
             <a:r>
               <a:rPr lang="en-US" dirty="0">
                 <a:hlinkClick r:id="rId2"/>
               </a:rPr>
-              <a:t>-tech/</a:t>
+              <a:t>, Numba </a:t>
+            </a:r>
+            <a:r>
+              <a:rPr lang="ru-RU" dirty="0">
+                <a:hlinkClick r:id="rId2"/>
+              </a:rPr>
+              <a:t>и</a:t>
+            </a:r>
+            <a:r>
+              <a:rPr lang="en-US" dirty="0">
+                <a:hlinkClick r:id="rId2"/>
+              </a:rPr>
+              <a:t> </a:t>
             </a:r>
             <a:r>
               <a:rPr lang="en-US" dirty="0" err="1">
                 <a:hlinkClick r:id="rId2"/>
               </a:rPr>
-              <a:t>Complr</a:t>
-            </a:r>
-            <a:r>
-              <a:rPr lang="en-US" dirty="0">
-                <a:hlinkClick r:id="rId2"/>
-              </a:rPr>
-              <a:t>-course-lectures</a:t>
-            </a:r>
+              <a:t>Taichi</a:t>
+            </a:r>
+            <a:r>
+              <a:rPr lang="ru-RU" dirty="0"/>
+              <a:t> (</a:t>
+            </a:r>
+            <a:r>
+              <a:rPr lang="en-US" dirty="0" err="1"/>
+              <a:t>PyCon</a:t>
+            </a:r>
+            <a:r>
+              <a:rPr lang="en-US" dirty="0"/>
+              <a:t> Russia 2022)</a:t>
+            </a:r>
+          </a:p>
+          <a:p>
             <a:endParaRPr lang="en-US" dirty="0"/>
-          </a:p>
-          <a:p>
-            <a:r>
-              <a:rPr lang="en-US" dirty="0"/>
-              <a:t>Folder: 10-Python-internals-code-snippets</a:t>
-            </a:r>
-          </a:p>
-          <a:p>
-            <a:endParaRPr lang="en-US" dirty="0"/>
-          </a:p>
-          <a:p>
-            <a:r>
-              <a:rPr lang="en-US" dirty="0"/>
-              <a:t>Where to seek help</a:t>
-            </a:r>
-          </a:p>
-          <a:p>
-            <a:pPr lvl="1"/>
-            <a:r>
-              <a:rPr lang="en-US" dirty="0"/>
-              <a:t>Telegram: </a:t>
-            </a:r>
-            <a:r>
-              <a:rPr lang="en-US" dirty="0">
-                <a:hlinkClick r:id="rId3"/>
-              </a:rPr>
-              <a:t>@vasily_v_ryabov</a:t>
-            </a:r>
-            <a:r>
-              <a:rPr lang="en-US" dirty="0"/>
-              <a:t> (questions)</a:t>
-            </a:r>
-            <a:endParaRPr lang="ru-RU" dirty="0"/>
-          </a:p>
-          <a:p>
-            <a:pPr lvl="1"/>
-            <a:r>
-              <a:rPr lang="en-US" dirty="0"/>
-              <a:t>Email to </a:t>
-            </a:r>
-            <a:r>
-              <a:rPr lang="en-US" dirty="0">
-                <a:hlinkClick r:id="rId4"/>
-              </a:rPr>
-              <a:t>v</a:t>
-            </a:r>
-            <a:r>
-              <a:rPr lang="en-US" dirty="0">
-                <a:hlinkClick r:id="rId5"/>
-              </a:rPr>
-              <a:t>asily.v.ryabov@gmail.com</a:t>
-            </a:r>
-            <a:r>
-              <a:rPr lang="en-US" dirty="0"/>
-              <a:t> (send the code)</a:t>
-            </a:r>
           </a:p>
         </p:txBody>
       </p:sp>
     </p:spTree>
     <p:extLst>
       <p:ext uri="{BB962C8B-B14F-4D97-AF65-F5344CB8AC3E}">
-        <p14:creationId xmlns:p14="http://schemas.microsoft.com/office/powerpoint/2010/main" val="4196812156"/>
+        <p14:creationId xmlns:p14="http://schemas.microsoft.com/office/powerpoint/2010/main" val="3069750833"/>
       </p:ext>
     </p:extLst>
   </p:cSld>
@@ -14426,6 +14616,1628 @@
           <p:cNvPr id="2" name="Title 1">
             <a:extLst>
               <a:ext uri="{FF2B5EF4-FFF2-40B4-BE49-F238E27FC236}">
+                <a16:creationId xmlns:a16="http://schemas.microsoft.com/office/drawing/2014/main" id="{6CC6958E-698B-4073-9795-8A7430E13D88}"/>
+              </a:ext>
+            </a:extLst>
+          </p:cNvPr>
+          <p:cNvSpPr>
+            <a:spLocks noGrp="1"/>
+          </p:cNvSpPr>
+          <p:nvPr>
+            <p:ph type="title"/>
+          </p:nvPr>
+        </p:nvSpPr>
+        <p:spPr/>
+        <p:txBody>
+          <a:bodyPr/>
+          <a:lstStyle/>
+          <a:p>
+            <a:r>
+              <a:rPr lang="en-US" dirty="0"/>
+              <a:t>3rd-party JIT compilers for Python</a:t>
+            </a:r>
+          </a:p>
+        </p:txBody>
+      </p:sp>
+      <p:sp>
+        <p:nvSpPr>
+          <p:cNvPr id="3" name="Content Placeholder 2">
+            <a:extLst>
+              <a:ext uri="{FF2B5EF4-FFF2-40B4-BE49-F238E27FC236}">
+                <a16:creationId xmlns:a16="http://schemas.microsoft.com/office/drawing/2014/main" id="{0A098723-3EA1-4FD6-87B3-EFA04ABF139B}"/>
+              </a:ext>
+            </a:extLst>
+          </p:cNvPr>
+          <p:cNvSpPr>
+            <a:spLocks noGrp="1"/>
+          </p:cNvSpPr>
+          <p:nvPr>
+            <p:ph sz="quarter" idx="28"/>
+          </p:nvPr>
+        </p:nvSpPr>
+        <p:spPr/>
+        <p:txBody>
+          <a:bodyPr/>
+          <a:lstStyle/>
+          <a:p>
+            <a:r>
+              <a:rPr lang="en-US" dirty="0" err="1"/>
+              <a:t>PyPy</a:t>
+            </a:r>
+            <a:r>
+              <a:rPr lang="en-US" dirty="0"/>
+              <a:t> is a Python implemented in </a:t>
+            </a:r>
+            <a:r>
+              <a:rPr lang="en-US" dirty="0" err="1"/>
+              <a:t>RPython</a:t>
+            </a:r>
+            <a:r>
+              <a:rPr lang="en-US" dirty="0"/>
+              <a:t> as a JIT compiler</a:t>
+            </a:r>
+          </a:p>
+          <a:p>
+            <a:pPr lvl="1"/>
+            <a:r>
+              <a:rPr lang="en-US" dirty="0"/>
+              <a:t>Trace based GC (mark-and-sweep with modifications)</a:t>
+            </a:r>
+          </a:p>
+          <a:p>
+            <a:pPr lvl="1"/>
+            <a:r>
+              <a:rPr lang="en-US" dirty="0" err="1"/>
+              <a:t>ctypes</a:t>
+            </a:r>
+            <a:r>
+              <a:rPr lang="en-US" dirty="0"/>
+              <a:t> are very slow with C extensions (need to rewrite code to CFFI)</a:t>
+            </a:r>
+          </a:p>
+          <a:p>
+            <a:pPr lvl="1"/>
+            <a:r>
+              <a:rPr lang="en-US" dirty="0"/>
+              <a:t>~40% faster than </a:t>
+            </a:r>
+            <a:r>
+              <a:rPr lang="en-US" dirty="0" err="1"/>
+              <a:t>CPython</a:t>
+            </a:r>
+            <a:r>
+              <a:rPr lang="en-US" dirty="0"/>
+              <a:t> 3.11 in average (in pure Python)</a:t>
+            </a:r>
+          </a:p>
+          <a:p>
+            <a:r>
+              <a:rPr lang="en-US" dirty="0" err="1"/>
+              <a:t>Pyjion</a:t>
+            </a:r>
+            <a:r>
+              <a:rPr lang="en-US" dirty="0"/>
+              <a:t>: JIT compiler running on .NET VM (project is closed)</a:t>
+            </a:r>
+          </a:p>
+          <a:p>
+            <a:r>
+              <a:rPr lang="en-US" dirty="0"/>
+              <a:t>Cinder: JIT compiler forked from </a:t>
+            </a:r>
+            <a:r>
+              <a:rPr lang="en-US" dirty="0" err="1"/>
+              <a:t>CPython</a:t>
+            </a:r>
+            <a:r>
+              <a:rPr lang="en-US" dirty="0"/>
+              <a:t> 3.9 (serves </a:t>
+            </a:r>
+            <a:r>
+              <a:rPr lang="en-US" dirty="0" err="1"/>
+              <a:t>Nelzyagram</a:t>
+            </a:r>
+            <a:r>
+              <a:rPr lang="en-US" dirty="0"/>
+              <a:t>*)</a:t>
+            </a:r>
+          </a:p>
+          <a:p>
+            <a:pPr lvl="1"/>
+            <a:r>
+              <a:rPr lang="en-US" dirty="0"/>
+              <a:t>HIR (bytecode + </a:t>
+            </a:r>
+            <a:r>
+              <a:rPr lang="en-US" dirty="0" err="1"/>
+              <a:t>expl</a:t>
+            </a:r>
+            <a:r>
+              <a:rPr lang="en-US" dirty="0"/>
+              <a:t>. </a:t>
+            </a:r>
+            <a:r>
+              <a:rPr lang="en-US" dirty="0" err="1"/>
+              <a:t>refcounting</a:t>
+            </a:r>
+            <a:r>
+              <a:rPr lang="en-US" dirty="0"/>
+              <a:t>) -&gt; LIR -&gt; JIT compiler (own C++ implementation)</a:t>
+            </a:r>
+          </a:p>
+          <a:p>
+            <a:pPr lvl="1"/>
+            <a:r>
+              <a:rPr lang="en-US" dirty="0"/>
+              <a:t>Full compatibility is not guaranteed and not checked (?)</a:t>
+            </a:r>
+          </a:p>
+        </p:txBody>
+      </p:sp>
+    </p:spTree>
+    <p:extLst>
+      <p:ext uri="{BB962C8B-B14F-4D97-AF65-F5344CB8AC3E}">
+        <p14:creationId xmlns:p14="http://schemas.microsoft.com/office/powerpoint/2010/main" val="3186298467"/>
+      </p:ext>
+    </p:extLst>
+  </p:cSld>
+  <p:clrMapOvr>
+    <a:masterClrMapping/>
+  </p:clrMapOvr>
+  <mc:AlternateContent xmlns:mc="http://schemas.openxmlformats.org/markup-compatibility/2006" xmlns:p14="http://schemas.microsoft.com/office/powerpoint/2010/main">
+    <mc:Choice Requires="p14">
+      <p:transition spd="med" p14:dur="700">
+        <p:fade/>
+      </p:transition>
+    </mc:Choice>
+    <mc:Fallback xmlns="">
+      <p:transition spd="med">
+        <p:fade/>
+      </p:transition>
+    </mc:Fallback>
+  </mc:AlternateContent>
+</p:sld>
+</file>
+
+<file path=ppt/slides/slide21.xml><?xml version="1.0" encoding="utf-8"?>
+<p:sld xmlns:a="http://schemas.openxmlformats.org/drawingml/2006/main" xmlns:r="http://schemas.openxmlformats.org/officeDocument/2006/relationships" xmlns:p="http://schemas.openxmlformats.org/presentationml/2006/main">
+  <p:cSld>
+    <p:spTree>
+      <p:nvGrpSpPr>
+        <p:cNvPr id="1" name=""/>
+        <p:cNvGrpSpPr/>
+        <p:nvPr/>
+      </p:nvGrpSpPr>
+      <p:grpSpPr>
+        <a:xfrm>
+          <a:off x="0" y="0"/>
+          <a:ext cx="0" cy="0"/>
+          <a:chOff x="0" y="0"/>
+          <a:chExt cx="0" cy="0"/>
+        </a:xfrm>
+      </p:grpSpPr>
+      <p:sp>
+        <p:nvSpPr>
+          <p:cNvPr id="2" name="Title 1">
+            <a:extLst>
+              <a:ext uri="{FF2B5EF4-FFF2-40B4-BE49-F238E27FC236}">
+                <a16:creationId xmlns:a16="http://schemas.microsoft.com/office/drawing/2014/main" id="{E3E52183-98F2-447B-BDA4-10039891D86B}"/>
+              </a:ext>
+            </a:extLst>
+          </p:cNvPr>
+          <p:cNvSpPr>
+            <a:spLocks noGrp="1"/>
+          </p:cNvSpPr>
+          <p:nvPr>
+            <p:ph type="title"/>
+          </p:nvPr>
+        </p:nvSpPr>
+        <p:spPr/>
+        <p:txBody>
+          <a:bodyPr/>
+          <a:lstStyle/>
+          <a:p>
+            <a:r>
+              <a:rPr lang="en-US" dirty="0"/>
+              <a:t>Typical compilation pipeline (</a:t>
+            </a:r>
+            <a:r>
+              <a:rPr lang="en-US" dirty="0" err="1"/>
+              <a:t>Numba</a:t>
+            </a:r>
+            <a:r>
+              <a:rPr lang="en-US" dirty="0"/>
+              <a:t>)</a:t>
+            </a:r>
+          </a:p>
+        </p:txBody>
+      </p:sp>
+      <p:pic>
+        <p:nvPicPr>
+          <p:cNvPr id="7" name="Picture 6">
+            <a:extLst>
+              <a:ext uri="{FF2B5EF4-FFF2-40B4-BE49-F238E27FC236}">
+                <a16:creationId xmlns:a16="http://schemas.microsoft.com/office/drawing/2014/main" id="{5A2F5CE2-1489-29BA-2ACE-2BC648451EA6}"/>
+              </a:ext>
+            </a:extLst>
+          </p:cNvPr>
+          <p:cNvPicPr>
+            <a:picLocks noChangeAspect="1"/>
+          </p:cNvPicPr>
+          <p:nvPr/>
+        </p:nvPicPr>
+        <p:blipFill>
+          <a:blip r:embed="rId2"/>
+          <a:stretch>
+            <a:fillRect/>
+          </a:stretch>
+        </p:blipFill>
+        <p:spPr>
+          <a:xfrm>
+            <a:off x="609813" y="1312252"/>
+            <a:ext cx="2819301" cy="4455502"/>
+          </a:xfrm>
+          <a:prstGeom prst="rect">
+            <a:avLst/>
+          </a:prstGeom>
+        </p:spPr>
+      </p:pic>
+      <p:pic>
+        <p:nvPicPr>
+          <p:cNvPr id="9" name="Picture 8">
+            <a:extLst>
+              <a:ext uri="{FF2B5EF4-FFF2-40B4-BE49-F238E27FC236}">
+                <a16:creationId xmlns:a16="http://schemas.microsoft.com/office/drawing/2014/main" id="{2772A74C-8136-BEE3-30AF-43F1D98819A0}"/>
+              </a:ext>
+            </a:extLst>
+          </p:cNvPr>
+          <p:cNvPicPr>
+            <a:picLocks noChangeAspect="1"/>
+          </p:cNvPicPr>
+          <p:nvPr/>
+        </p:nvPicPr>
+        <p:blipFill>
+          <a:blip r:embed="rId3"/>
+          <a:stretch>
+            <a:fillRect/>
+          </a:stretch>
+        </p:blipFill>
+        <p:spPr>
+          <a:xfrm>
+            <a:off x="10034043" y="533033"/>
+            <a:ext cx="1548143" cy="5926015"/>
+          </a:xfrm>
+          <a:prstGeom prst="rect">
+            <a:avLst/>
+          </a:prstGeom>
+        </p:spPr>
+      </p:pic>
+      <p:sp>
+        <p:nvSpPr>
+          <p:cNvPr id="10" name="Content Placeholder 2">
+            <a:extLst>
+              <a:ext uri="{FF2B5EF4-FFF2-40B4-BE49-F238E27FC236}">
+                <a16:creationId xmlns:a16="http://schemas.microsoft.com/office/drawing/2014/main" id="{8B93EDFC-7EB9-DEB6-B386-9DA95175FFEB}"/>
+              </a:ext>
+            </a:extLst>
+          </p:cNvPr>
+          <p:cNvSpPr>
+            <a:spLocks noGrp="1"/>
+          </p:cNvSpPr>
+          <p:nvPr>
+            <p:ph sz="quarter" idx="28"/>
+          </p:nvPr>
+        </p:nvSpPr>
+        <p:spPr>
+          <a:xfrm>
+            <a:off x="3879646" y="1523999"/>
+            <a:ext cx="6002908" cy="4574947"/>
+          </a:xfrm>
+        </p:spPr>
+        <p:txBody>
+          <a:bodyPr/>
+          <a:lstStyle/>
+          <a:p>
+            <a:r>
+              <a:rPr lang="en-US" dirty="0"/>
+              <a:t>Env var NUMBA_DUMP_CFG=1</a:t>
+            </a:r>
+          </a:p>
+          <a:p>
+            <a:r>
+              <a:rPr lang="en-US" dirty="0"/>
+              <a:t>NUMBA_DUMP_IR=1</a:t>
+            </a:r>
+          </a:p>
+          <a:p>
+            <a:r>
+              <a:rPr lang="en-US" dirty="0"/>
+              <a:t>NUMBA_DUMP_ANNOTATION=1</a:t>
+            </a:r>
+          </a:p>
+          <a:p>
+            <a:r>
+              <a:rPr lang="en-US" dirty="0"/>
+              <a:t>NUMBA_DUMP_LLVM=1</a:t>
+            </a:r>
+          </a:p>
+          <a:p>
+            <a:r>
+              <a:rPr lang="en-US" dirty="0"/>
+              <a:t>NUMBA_DUMP_OPTIMIZED=1</a:t>
+            </a:r>
+          </a:p>
+          <a:p>
+            <a:r>
+              <a:rPr lang="en-US" dirty="0"/>
+              <a:t>NUMBA_DUMP_ASSEMBLY=1</a:t>
+            </a:r>
+          </a:p>
+          <a:p>
+            <a:endParaRPr lang="en-US" dirty="0"/>
+          </a:p>
+          <a:p>
+            <a:r>
+              <a:rPr lang="en-US" sz="2400" dirty="0"/>
+              <a:t>search for “</a:t>
+            </a:r>
+            <a:r>
+              <a:rPr lang="en-US" sz="2400" dirty="0" err="1"/>
+              <a:t>Numba</a:t>
+            </a:r>
+            <a:r>
+              <a:rPr lang="en-US" sz="2400" dirty="0"/>
+              <a:t> Compiler Architecture”</a:t>
+            </a:r>
+          </a:p>
+        </p:txBody>
+      </p:sp>
+    </p:spTree>
+    <p:extLst>
+      <p:ext uri="{BB962C8B-B14F-4D97-AF65-F5344CB8AC3E}">
+        <p14:creationId xmlns:p14="http://schemas.microsoft.com/office/powerpoint/2010/main" val="3067568807"/>
+      </p:ext>
+    </p:extLst>
+  </p:cSld>
+  <p:clrMapOvr>
+    <a:masterClrMapping/>
+  </p:clrMapOvr>
+  <mc:AlternateContent xmlns:mc="http://schemas.openxmlformats.org/markup-compatibility/2006" xmlns:p14="http://schemas.microsoft.com/office/powerpoint/2010/main">
+    <mc:Choice Requires="p14">
+      <p:transition spd="med" p14:dur="700">
+        <p:fade/>
+      </p:transition>
+    </mc:Choice>
+    <mc:Fallback xmlns="">
+      <p:transition spd="med">
+        <p:fade/>
+      </p:transition>
+    </mc:Fallback>
+  </mc:AlternateContent>
+</p:sld>
+</file>
+
+<file path=ppt/slides/slide22.xml><?xml version="1.0" encoding="utf-8"?>
+<p:sld xmlns:a="http://schemas.openxmlformats.org/drawingml/2006/main" xmlns:r="http://schemas.openxmlformats.org/officeDocument/2006/relationships" xmlns:p="http://schemas.openxmlformats.org/presentationml/2006/main">
+  <p:cSld>
+    <p:spTree>
+      <p:nvGrpSpPr>
+        <p:cNvPr id="1" name=""/>
+        <p:cNvGrpSpPr/>
+        <p:nvPr/>
+      </p:nvGrpSpPr>
+      <p:grpSpPr>
+        <a:xfrm>
+          <a:off x="0" y="0"/>
+          <a:ext cx="0" cy="0"/>
+          <a:chOff x="0" y="0"/>
+          <a:chExt cx="0" cy="0"/>
+        </a:xfrm>
+      </p:grpSpPr>
+      <p:sp>
+        <p:nvSpPr>
+          <p:cNvPr id="2" name="Title 1">
+            <a:extLst>
+              <a:ext uri="{FF2B5EF4-FFF2-40B4-BE49-F238E27FC236}">
+                <a16:creationId xmlns:a16="http://schemas.microsoft.com/office/drawing/2014/main" id="{E3E52183-98F2-447B-BDA4-10039891D86B}"/>
+              </a:ext>
+            </a:extLst>
+          </p:cNvPr>
+          <p:cNvSpPr>
+            <a:spLocks noGrp="1"/>
+          </p:cNvSpPr>
+          <p:nvPr>
+            <p:ph type="title"/>
+          </p:nvPr>
+        </p:nvSpPr>
+        <p:spPr/>
+        <p:txBody>
+          <a:bodyPr/>
+          <a:lstStyle/>
+          <a:p>
+            <a:r>
+              <a:rPr lang="en-US" dirty="0"/>
+              <a:t>Type inference for Python</a:t>
+            </a:r>
+          </a:p>
+        </p:txBody>
+      </p:sp>
+      <p:sp>
+        <p:nvSpPr>
+          <p:cNvPr id="3" name="Content Placeholder 2">
+            <a:extLst>
+              <a:ext uri="{FF2B5EF4-FFF2-40B4-BE49-F238E27FC236}">
+                <a16:creationId xmlns:a16="http://schemas.microsoft.com/office/drawing/2014/main" id="{B48C4E4E-0175-4030-BE2C-76599210D2B7}"/>
+              </a:ext>
+            </a:extLst>
+          </p:cNvPr>
+          <p:cNvSpPr>
+            <a:spLocks noGrp="1"/>
+          </p:cNvSpPr>
+          <p:nvPr>
+            <p:ph sz="quarter" idx="28"/>
+          </p:nvPr>
+        </p:nvSpPr>
+        <p:spPr/>
+        <p:txBody>
+          <a:bodyPr/>
+          <a:lstStyle/>
+          <a:p>
+            <a:r>
+              <a:rPr lang="en-US" dirty="0" err="1"/>
+              <a:t>mypy</a:t>
+            </a:r>
+            <a:r>
+              <a:rPr lang="en-US" dirty="0"/>
+              <a:t> + </a:t>
+            </a:r>
+            <a:r>
+              <a:rPr lang="en-US" dirty="0" err="1"/>
+              <a:t>mypyC</a:t>
+            </a:r>
+            <a:r>
+              <a:rPr lang="en-US" dirty="0"/>
+              <a:t> (</a:t>
+            </a:r>
+            <a:r>
+              <a:rPr lang="en-US" dirty="0" err="1"/>
+              <a:t>transpiler</a:t>
+            </a:r>
+            <a:r>
+              <a:rPr lang="en-US" dirty="0"/>
+              <a:t> to C)</a:t>
+            </a:r>
+          </a:p>
+          <a:p>
+            <a:r>
+              <a:rPr lang="en-US" dirty="0" err="1"/>
+              <a:t>pytype</a:t>
+            </a:r>
+            <a:r>
+              <a:rPr lang="en-US" dirty="0"/>
+              <a:t> (type hints are not necessary; by Google)</a:t>
+            </a:r>
+          </a:p>
+          <a:p>
+            <a:r>
+              <a:rPr lang="en-US" dirty="0" err="1"/>
+              <a:t>pyright</a:t>
+            </a:r>
+            <a:r>
+              <a:rPr lang="en-US" dirty="0"/>
+              <a:t> (type checker for </a:t>
+            </a:r>
+            <a:r>
+              <a:rPr lang="en-US" dirty="0" err="1"/>
+              <a:t>VSCode</a:t>
+            </a:r>
+            <a:r>
+              <a:rPr lang="en-US" dirty="0"/>
+              <a:t>; by Microsoft; written in TypeScript)</a:t>
+            </a:r>
+          </a:p>
+          <a:p>
+            <a:r>
+              <a:rPr lang="en-US" dirty="0">
+                <a:hlinkClick r:id="rId2"/>
+              </a:rPr>
+              <a:t>JohnnyPeng18/</a:t>
+            </a:r>
+            <a:r>
+              <a:rPr lang="en-US" dirty="0" err="1">
+                <a:hlinkClick r:id="rId2"/>
+              </a:rPr>
+              <a:t>HiTyper</a:t>
+            </a:r>
+            <a:r>
+              <a:rPr lang="en-US" dirty="0"/>
+              <a:t> implements type dependency graph + some ML</a:t>
+            </a:r>
+          </a:p>
+          <a:p>
+            <a:endParaRPr lang="en-US" dirty="0"/>
+          </a:p>
+          <a:p>
+            <a:r>
+              <a:rPr lang="en-US" dirty="0"/>
+              <a:t>Type inference is not decidable (algorithmically unresolvable) – 2022</a:t>
+            </a:r>
+          </a:p>
+          <a:p>
+            <a:pPr lvl="1"/>
+            <a:r>
+              <a:rPr lang="en-US" dirty="0">
+                <a:hlinkClick r:id="rId3"/>
+              </a:rPr>
+              <a:t>https://arxiv.org/pdf/2208.14755.pdf</a:t>
+            </a:r>
+            <a:endParaRPr lang="en-US" dirty="0"/>
+          </a:p>
+          <a:p>
+            <a:pPr marL="0" indent="0">
+              <a:buNone/>
+            </a:pPr>
+            <a:endParaRPr lang="en-US" dirty="0"/>
+          </a:p>
+        </p:txBody>
+      </p:sp>
+    </p:spTree>
+    <p:extLst>
+      <p:ext uri="{BB962C8B-B14F-4D97-AF65-F5344CB8AC3E}">
+        <p14:creationId xmlns:p14="http://schemas.microsoft.com/office/powerpoint/2010/main" val="4170333052"/>
+      </p:ext>
+    </p:extLst>
+  </p:cSld>
+  <p:clrMapOvr>
+    <a:masterClrMapping/>
+  </p:clrMapOvr>
+  <mc:AlternateContent xmlns:mc="http://schemas.openxmlformats.org/markup-compatibility/2006" xmlns:p14="http://schemas.microsoft.com/office/powerpoint/2010/main">
+    <mc:Choice Requires="p14">
+      <p:transition spd="med" p14:dur="700">
+        <p:fade/>
+      </p:transition>
+    </mc:Choice>
+    <mc:Fallback xmlns="">
+      <p:transition spd="med">
+        <p:fade/>
+      </p:transition>
+    </mc:Fallback>
+  </mc:AlternateContent>
+</p:sld>
+</file>
+
+<file path=ppt/slides/slide23.xml><?xml version="1.0" encoding="utf-8"?>
+<p:sld xmlns:a="http://schemas.openxmlformats.org/drawingml/2006/main" xmlns:r="http://schemas.openxmlformats.org/officeDocument/2006/relationships" xmlns:p="http://schemas.openxmlformats.org/presentationml/2006/main">
+  <p:cSld>
+    <p:spTree>
+      <p:nvGrpSpPr>
+        <p:cNvPr id="1" name=""/>
+        <p:cNvGrpSpPr/>
+        <p:nvPr/>
+      </p:nvGrpSpPr>
+      <p:grpSpPr>
+        <a:xfrm>
+          <a:off x="0" y="0"/>
+          <a:ext cx="0" cy="0"/>
+          <a:chOff x="0" y="0"/>
+          <a:chExt cx="0" cy="0"/>
+        </a:xfrm>
+      </p:grpSpPr>
+      <p:sp>
+        <p:nvSpPr>
+          <p:cNvPr id="2" name="Title 1">
+            <a:extLst>
+              <a:ext uri="{FF2B5EF4-FFF2-40B4-BE49-F238E27FC236}">
+                <a16:creationId xmlns:a16="http://schemas.microsoft.com/office/drawing/2014/main" id="{D34441B0-BAB0-4793-90C6-8114CD5F64F1}"/>
+              </a:ext>
+            </a:extLst>
+          </p:cNvPr>
+          <p:cNvSpPr>
+            <a:spLocks noGrp="1"/>
+          </p:cNvSpPr>
+          <p:nvPr>
+            <p:ph type="title"/>
+          </p:nvPr>
+        </p:nvSpPr>
+        <p:spPr/>
+        <p:txBody>
+          <a:bodyPr/>
+          <a:lstStyle/>
+          <a:p>
+            <a:r>
+              <a:rPr lang="en-US" dirty="0"/>
+              <a:t>JIT compiler (Copy and Patch approach)</a:t>
+            </a:r>
+          </a:p>
+        </p:txBody>
+      </p:sp>
+      <p:sp>
+        <p:nvSpPr>
+          <p:cNvPr id="3" name="Content Placeholder 2">
+            <a:extLst>
+              <a:ext uri="{FF2B5EF4-FFF2-40B4-BE49-F238E27FC236}">
+                <a16:creationId xmlns:a16="http://schemas.microsoft.com/office/drawing/2014/main" id="{4AA5886F-C8D8-4092-8FB0-ED8B3BD30B64}"/>
+              </a:ext>
+            </a:extLst>
+          </p:cNvPr>
+          <p:cNvSpPr>
+            <a:spLocks noGrp="1"/>
+          </p:cNvSpPr>
+          <p:nvPr>
+            <p:ph sz="quarter" idx="28"/>
+          </p:nvPr>
+        </p:nvSpPr>
+        <p:spPr>
+          <a:xfrm>
+            <a:off x="571370" y="1523999"/>
+            <a:ext cx="11010900" cy="4574947"/>
+          </a:xfrm>
+        </p:spPr>
+        <p:txBody>
+          <a:bodyPr>
+            <a:normAutofit lnSpcReduction="10000"/>
+          </a:bodyPr>
+          <a:lstStyle/>
+          <a:p>
+            <a:r>
+              <a:rPr lang="en-US" dirty="0">
+                <a:hlinkClick r:id="rId2"/>
+              </a:rPr>
+              <a:t>Brandt Bucher – A JIT Compiler for </a:t>
+            </a:r>
+            <a:r>
+              <a:rPr lang="en-US" dirty="0" err="1">
+                <a:hlinkClick r:id="rId2"/>
+              </a:rPr>
+              <a:t>CPython</a:t>
+            </a:r>
+            <a:r>
+              <a:rPr lang="en-US" dirty="0"/>
+              <a:t> (December, 2023)</a:t>
+            </a:r>
+          </a:p>
+          <a:p>
+            <a:pPr lvl="1"/>
+            <a:r>
+              <a:rPr lang="en-US" dirty="0"/>
+              <a:t>The first idea publication at 2021</a:t>
+            </a:r>
+          </a:p>
+          <a:p>
+            <a:pPr lvl="1"/>
+            <a:r>
+              <a:rPr lang="en-US" dirty="0"/>
+              <a:t>The first use for Lua (35% slower than </a:t>
+            </a:r>
+            <a:r>
+              <a:rPr lang="en-US" dirty="0" err="1"/>
+              <a:t>LuaJIT</a:t>
+            </a:r>
+            <a:r>
+              <a:rPr lang="en-US" dirty="0"/>
+              <a:t>) at 2023</a:t>
+            </a:r>
+          </a:p>
+          <a:p>
+            <a:pPr lvl="1"/>
+            <a:r>
+              <a:rPr lang="en-US" dirty="0"/>
+              <a:t>Python JIT adds 2% - 9% performance improvement</a:t>
+            </a:r>
+          </a:p>
+          <a:p>
+            <a:pPr lvl="1"/>
+            <a:r>
+              <a:rPr lang="en-US" dirty="0"/>
+              <a:t>LLVM (clang) is used at build time only. The distribution doesn’t have LLVM libs.</a:t>
+            </a:r>
+          </a:p>
+          <a:p>
+            <a:pPr lvl="1"/>
+            <a:r>
+              <a:rPr lang="en-US" dirty="0"/>
+              <a:t>Python 3.13 may include it (configuration option: “-enable-experimental-</a:t>
+            </a:r>
+            <a:r>
+              <a:rPr lang="en-US" dirty="0" err="1"/>
+              <a:t>jit</a:t>
+            </a:r>
+            <a:r>
+              <a:rPr lang="en-US" dirty="0"/>
+              <a:t>”)</a:t>
+            </a:r>
+          </a:p>
+          <a:p>
+            <a:pPr lvl="1"/>
+            <a:endParaRPr lang="en-US" dirty="0"/>
+          </a:p>
+          <a:p>
+            <a:r>
+              <a:rPr lang="en-US" dirty="0"/>
+              <a:t>Machine code (as bytes) is copied from C header to memory (Copy)</a:t>
+            </a:r>
+          </a:p>
+          <a:p>
+            <a:r>
+              <a:rPr lang="en-US" dirty="0"/>
+              <a:t>Bytecode arguments are patched with data (Patch)</a:t>
+            </a:r>
+          </a:p>
+        </p:txBody>
+      </p:sp>
+    </p:spTree>
+    <p:extLst>
+      <p:ext uri="{BB962C8B-B14F-4D97-AF65-F5344CB8AC3E}">
+        <p14:creationId xmlns:p14="http://schemas.microsoft.com/office/powerpoint/2010/main" val="1218883735"/>
+      </p:ext>
+    </p:extLst>
+  </p:cSld>
+  <p:clrMapOvr>
+    <a:masterClrMapping/>
+  </p:clrMapOvr>
+  <mc:AlternateContent xmlns:mc="http://schemas.openxmlformats.org/markup-compatibility/2006" xmlns:p14="http://schemas.microsoft.com/office/powerpoint/2010/main">
+    <mc:Choice Requires="p14">
+      <p:transition spd="med" p14:dur="700">
+        <p:fade/>
+      </p:transition>
+    </mc:Choice>
+    <mc:Fallback xmlns="">
+      <p:transition spd="med">
+        <p:fade/>
+      </p:transition>
+    </mc:Fallback>
+  </mc:AlternateContent>
+</p:sld>
+</file>
+
+<file path=ppt/slides/slide24.xml><?xml version="1.0" encoding="utf-8"?>
+<p:sld xmlns:a="http://schemas.openxmlformats.org/drawingml/2006/main" xmlns:r="http://schemas.openxmlformats.org/officeDocument/2006/relationships" xmlns:p="http://schemas.openxmlformats.org/presentationml/2006/main">
+  <p:cSld>
+    <p:spTree>
+      <p:nvGrpSpPr>
+        <p:cNvPr id="1" name=""/>
+        <p:cNvGrpSpPr/>
+        <p:nvPr/>
+      </p:nvGrpSpPr>
+      <p:grpSpPr>
+        <a:xfrm>
+          <a:off x="0" y="0"/>
+          <a:ext cx="0" cy="0"/>
+          <a:chOff x="0" y="0"/>
+          <a:chExt cx="0" cy="0"/>
+        </a:xfrm>
+      </p:grpSpPr>
+      <p:sp>
+        <p:nvSpPr>
+          <p:cNvPr id="2" name="Title 1">
+            <a:extLst>
+              <a:ext uri="{FF2B5EF4-FFF2-40B4-BE49-F238E27FC236}">
+                <a16:creationId xmlns:a16="http://schemas.microsoft.com/office/drawing/2014/main" id="{D34441B0-BAB0-4793-90C6-8114CD5F64F1}"/>
+              </a:ext>
+            </a:extLst>
+          </p:cNvPr>
+          <p:cNvSpPr>
+            <a:spLocks noGrp="1"/>
+          </p:cNvSpPr>
+          <p:nvPr>
+            <p:ph type="title"/>
+          </p:nvPr>
+        </p:nvSpPr>
+        <p:spPr/>
+        <p:txBody>
+          <a:bodyPr/>
+          <a:lstStyle/>
+          <a:p>
+            <a:r>
+              <a:rPr lang="en-US" dirty="0"/>
+              <a:t>Global Interpreter Lock (GIL), no-GIL PEP-703</a:t>
+            </a:r>
+          </a:p>
+        </p:txBody>
+      </p:sp>
+      <p:sp>
+        <p:nvSpPr>
+          <p:cNvPr id="3" name="Content Placeholder 2">
+            <a:extLst>
+              <a:ext uri="{FF2B5EF4-FFF2-40B4-BE49-F238E27FC236}">
+                <a16:creationId xmlns:a16="http://schemas.microsoft.com/office/drawing/2014/main" id="{4AA5886F-C8D8-4092-8FB0-ED8B3BD30B64}"/>
+              </a:ext>
+            </a:extLst>
+          </p:cNvPr>
+          <p:cNvSpPr>
+            <a:spLocks noGrp="1"/>
+          </p:cNvSpPr>
+          <p:nvPr>
+            <p:ph sz="quarter" idx="28"/>
+          </p:nvPr>
+        </p:nvSpPr>
+        <p:spPr>
+          <a:xfrm>
+            <a:off x="571370" y="1523999"/>
+            <a:ext cx="11010900" cy="4948519"/>
+          </a:xfrm>
+        </p:spPr>
+        <p:txBody>
+          <a:bodyPr>
+            <a:normAutofit/>
+          </a:bodyPr>
+          <a:lstStyle/>
+          <a:p>
+            <a:r>
+              <a:rPr lang="en-US" dirty="0"/>
+              <a:t>Threads in Python are not parallel! GIL cannot be disabled in pure Python.</a:t>
+            </a:r>
+          </a:p>
+          <a:p>
+            <a:r>
+              <a:rPr lang="en-US" dirty="0"/>
+              <a:t>GIL can be disabled in C code / C extension.</a:t>
+            </a:r>
+            <a:endParaRPr lang="en-US" sz="1000" dirty="0"/>
+          </a:p>
+          <a:p>
+            <a:r>
+              <a:rPr lang="en-US" dirty="0" err="1"/>
+              <a:t>GILectomy</a:t>
+            </a:r>
+            <a:r>
+              <a:rPr lang="en-US" dirty="0"/>
+              <a:t> (Larry Hastings, Python 3.6 fork) – </a:t>
+            </a:r>
+            <a:r>
+              <a:rPr lang="en-US" b="1" dirty="0">
+                <a:solidFill>
+                  <a:srgbClr val="FF0000"/>
+                </a:solidFill>
+              </a:rPr>
+              <a:t>failed</a:t>
+            </a:r>
+          </a:p>
+          <a:p>
+            <a:r>
+              <a:rPr lang="en-US" dirty="0"/>
+              <a:t>No-GIL (Sam Gross, MSFT, 2020-now, started as Python 3.9 fork)</a:t>
+            </a:r>
+          </a:p>
+          <a:p>
+            <a:pPr lvl="1"/>
+            <a:r>
+              <a:rPr lang="en-US" sz="2000" dirty="0">
+                <a:hlinkClick r:id="rId2"/>
+              </a:rPr>
+              <a:t>Keynote talk at </a:t>
+            </a:r>
+            <a:r>
+              <a:rPr lang="en-US" sz="2000" dirty="0" err="1">
+                <a:hlinkClick r:id="rId2"/>
+              </a:rPr>
+              <a:t>EuroPython</a:t>
+            </a:r>
+            <a:r>
+              <a:rPr lang="en-US" sz="2000" dirty="0">
+                <a:hlinkClick r:id="rId2"/>
+              </a:rPr>
+              <a:t> 2022</a:t>
+            </a:r>
+            <a:r>
+              <a:rPr lang="en-US" sz="2000" dirty="0"/>
+              <a:t> (79x speed up for 80 cores)</a:t>
+            </a:r>
+          </a:p>
+          <a:p>
+            <a:pPr lvl="1"/>
+            <a:r>
+              <a:rPr lang="en-US" sz="2000" dirty="0"/>
+              <a:t>PEP-703 accepted, Sam Gross approved as Python Core Developer in Feb 2024.</a:t>
+            </a:r>
+          </a:p>
+          <a:p>
+            <a:pPr lvl="1"/>
+            <a:r>
+              <a:rPr lang="en-US" sz="2000" dirty="0"/>
+              <a:t>Biased RC (slowdown: 10% vs 60% w/ atomics), deferred RC (no RC for VM stack).</a:t>
+            </a:r>
+          </a:p>
+          <a:p>
+            <a:pPr lvl="1"/>
+            <a:r>
+              <a:rPr lang="en-US" sz="2000" dirty="0"/>
+              <a:t>Immortal objects (None, True, ...): no RC for many constants, interned strings etc.</a:t>
+            </a:r>
+          </a:p>
+          <a:p>
+            <a:pPr lvl="1"/>
+            <a:r>
+              <a:rPr lang="en-US" sz="2000" dirty="0"/>
+              <a:t>Thread-safe allocator “</a:t>
+            </a:r>
+            <a:r>
+              <a:rPr lang="en-US" sz="2000" dirty="0" err="1"/>
+              <a:t>mimalloc</a:t>
+            </a:r>
+            <a:r>
+              <a:rPr lang="en-US" sz="2000" dirty="0"/>
+              <a:t>” (born in 2019 at MSFT)</a:t>
+            </a:r>
+          </a:p>
+          <a:p>
+            <a:pPr lvl="1"/>
+            <a:r>
+              <a:rPr lang="en-US" sz="2000"/>
+              <a:t>Critical section C API</a:t>
+            </a:r>
+            <a:endParaRPr lang="en-US" sz="2000" dirty="0"/>
+          </a:p>
+        </p:txBody>
+      </p:sp>
+    </p:spTree>
+    <p:extLst>
+      <p:ext uri="{BB962C8B-B14F-4D97-AF65-F5344CB8AC3E}">
+        <p14:creationId xmlns:p14="http://schemas.microsoft.com/office/powerpoint/2010/main" val="487883793"/>
+      </p:ext>
+    </p:extLst>
+  </p:cSld>
+  <p:clrMapOvr>
+    <a:masterClrMapping/>
+  </p:clrMapOvr>
+  <mc:AlternateContent xmlns:mc="http://schemas.openxmlformats.org/markup-compatibility/2006" xmlns:p14="http://schemas.microsoft.com/office/powerpoint/2010/main">
+    <mc:Choice Requires="p14">
+      <p:transition spd="med" p14:dur="700">
+        <p:fade/>
+      </p:transition>
+    </mc:Choice>
+    <mc:Fallback xmlns="">
+      <p:transition spd="med">
+        <p:fade/>
+      </p:transition>
+    </mc:Fallback>
+  </mc:AlternateContent>
+</p:sld>
+</file>
+
+<file path=ppt/slides/slide25.xml><?xml version="1.0" encoding="utf-8"?>
+<p:sld xmlns:a="http://schemas.openxmlformats.org/drawingml/2006/main" xmlns:r="http://schemas.openxmlformats.org/officeDocument/2006/relationships" xmlns:p="http://schemas.openxmlformats.org/presentationml/2006/main">
+  <p:cSld>
+    <p:spTree>
+      <p:nvGrpSpPr>
+        <p:cNvPr id="1" name=""/>
+        <p:cNvGrpSpPr/>
+        <p:nvPr/>
+      </p:nvGrpSpPr>
+      <p:grpSpPr>
+        <a:xfrm>
+          <a:off x="0" y="0"/>
+          <a:ext cx="0" cy="0"/>
+          <a:chOff x="0" y="0"/>
+          <a:chExt cx="0" cy="0"/>
+        </a:xfrm>
+      </p:grpSpPr>
+      <p:sp>
+        <p:nvSpPr>
+          <p:cNvPr id="2" name="Title 1">
+            <a:extLst>
+              <a:ext uri="{FF2B5EF4-FFF2-40B4-BE49-F238E27FC236}">
+                <a16:creationId xmlns:a16="http://schemas.microsoft.com/office/drawing/2014/main" id="{2A94D159-EF32-4D01-B228-B7E8ACF04FD9}"/>
+              </a:ext>
+            </a:extLst>
+          </p:cNvPr>
+          <p:cNvSpPr>
+            <a:spLocks noGrp="1"/>
+          </p:cNvSpPr>
+          <p:nvPr>
+            <p:ph type="title"/>
+          </p:nvPr>
+        </p:nvSpPr>
+        <p:spPr/>
+        <p:txBody>
+          <a:bodyPr/>
+          <a:lstStyle/>
+          <a:p>
+            <a:r>
+              <a:rPr lang="en-US" dirty="0"/>
+              <a:t>Recommended reading</a:t>
+            </a:r>
+          </a:p>
+        </p:txBody>
+      </p:sp>
+      <p:sp>
+        <p:nvSpPr>
+          <p:cNvPr id="3" name="Content Placeholder 2">
+            <a:extLst>
+              <a:ext uri="{FF2B5EF4-FFF2-40B4-BE49-F238E27FC236}">
+                <a16:creationId xmlns:a16="http://schemas.microsoft.com/office/drawing/2014/main" id="{6B2131F2-EDA3-4157-8849-7A98D90873E2}"/>
+              </a:ext>
+            </a:extLst>
+          </p:cNvPr>
+          <p:cNvSpPr>
+            <a:spLocks noGrp="1"/>
+          </p:cNvSpPr>
+          <p:nvPr>
+            <p:ph sz="quarter" idx="28"/>
+          </p:nvPr>
+        </p:nvSpPr>
+        <p:spPr/>
+        <p:txBody>
+          <a:bodyPr>
+            <a:normAutofit/>
+          </a:bodyPr>
+          <a:lstStyle/>
+          <a:p>
+            <a:r>
+              <a:rPr lang="en-US" dirty="0"/>
+              <a:t>Anthony Shaw (MSFT) “</a:t>
+            </a:r>
+            <a:r>
+              <a:rPr lang="en-US" dirty="0" err="1"/>
+              <a:t>CPython</a:t>
+            </a:r>
+            <a:r>
+              <a:rPr lang="en-US" dirty="0"/>
+              <a:t> Internals”</a:t>
+            </a:r>
+          </a:p>
+          <a:p>
+            <a:pPr lvl="1"/>
+            <a:r>
+              <a:rPr lang="en-US" dirty="0"/>
+              <a:t>(the 2</a:t>
+            </a:r>
+            <a:r>
+              <a:rPr lang="en-US" baseline="30000" dirty="0"/>
+              <a:t>nd</a:t>
+            </a:r>
+            <a:r>
+              <a:rPr lang="en-US" dirty="0"/>
+              <a:t> edition covers versions till ~3.10)</a:t>
+            </a:r>
+          </a:p>
+          <a:p>
+            <a:endParaRPr lang="en-US" dirty="0"/>
+          </a:p>
+          <a:p>
+            <a:r>
+              <a:rPr lang="en-US" dirty="0"/>
+              <a:t>Python Dev Guide: </a:t>
+            </a:r>
+            <a:r>
+              <a:rPr lang="en-US" dirty="0" err="1"/>
+              <a:t>CPython’s</a:t>
+            </a:r>
+            <a:r>
+              <a:rPr lang="en-US" dirty="0"/>
+              <a:t> Internals</a:t>
+            </a:r>
+          </a:p>
+          <a:p>
+            <a:pPr lvl="1"/>
+            <a:r>
+              <a:rPr lang="en-US" dirty="0">
+                <a:hlinkClick r:id="rId2"/>
+              </a:rPr>
+              <a:t>https://devguide.python.org/internals/</a:t>
+            </a:r>
+            <a:endParaRPr lang="en-US" dirty="0"/>
+          </a:p>
+          <a:p>
+            <a:pPr lvl="1"/>
+            <a:r>
+              <a:rPr lang="en-US" dirty="0"/>
+              <a:t>(more compact)</a:t>
+            </a:r>
+          </a:p>
+          <a:p>
+            <a:r>
+              <a:rPr lang="en-US" dirty="0"/>
+              <a:t>About cell and free variables in closure</a:t>
+            </a:r>
+          </a:p>
+          <a:p>
+            <a:pPr lvl="1"/>
+            <a:r>
+              <a:rPr lang="en-US" dirty="0">
+                <a:hlinkClick r:id="rId3"/>
+              </a:rPr>
+              <a:t>https://stackoverflow.com/a/23830790/3648361</a:t>
+            </a:r>
+            <a:endParaRPr lang="en-US" dirty="0"/>
+          </a:p>
+        </p:txBody>
+      </p:sp>
+      <p:pic>
+        <p:nvPicPr>
+          <p:cNvPr id="1026" name="Picture 2" descr="CPython Internals: Your Guide to the Python 3 Interpreter">
+            <a:extLst>
+              <a:ext uri="{FF2B5EF4-FFF2-40B4-BE49-F238E27FC236}">
+                <a16:creationId xmlns:a16="http://schemas.microsoft.com/office/drawing/2014/main" id="{A4CB9CEB-AD36-5A1F-FE08-85A32E0BD6DE}"/>
+              </a:ext>
+            </a:extLst>
+          </p:cNvPr>
+          <p:cNvPicPr>
+            <a:picLocks noChangeAspect="1" noChangeArrowheads="1"/>
+          </p:cNvPicPr>
+          <p:nvPr/>
+        </p:nvPicPr>
+        <p:blipFill>
+          <a:blip r:embed="rId4" cstate="print">
+            <a:extLst>
+              <a:ext uri="{28A0092B-C50C-407E-A947-70E740481C1C}">
+                <a14:useLocalDpi xmlns:a14="http://schemas.microsoft.com/office/drawing/2010/main" val="0"/>
+              </a:ext>
+            </a:extLst>
+          </a:blip>
+          <a:srcRect/>
+          <a:stretch>
+            <a:fillRect/>
+          </a:stretch>
+        </p:blipFill>
+        <p:spPr bwMode="auto">
+          <a:xfrm>
+            <a:off x="7482254" y="116509"/>
+            <a:ext cx="3883382" cy="6169991"/>
+          </a:xfrm>
+          <a:prstGeom prst="rect">
+            <a:avLst/>
+          </a:prstGeom>
+          <a:noFill/>
+          <a:extLst>
+            <a:ext uri="{909E8E84-426E-40DD-AFC4-6F175D3DCCD1}">
+              <a14:hiddenFill xmlns:a14="http://schemas.microsoft.com/office/drawing/2010/main">
+                <a:solidFill>
+                  <a:srgbClr val="FFFFFF"/>
+                </a:solidFill>
+              </a14:hiddenFill>
+            </a:ext>
+          </a:extLst>
+        </p:spPr>
+      </p:pic>
+    </p:spTree>
+    <p:extLst>
+      <p:ext uri="{BB962C8B-B14F-4D97-AF65-F5344CB8AC3E}">
+        <p14:creationId xmlns:p14="http://schemas.microsoft.com/office/powerpoint/2010/main" val="2237610163"/>
+      </p:ext>
+    </p:extLst>
+  </p:cSld>
+  <p:clrMapOvr>
+    <a:masterClrMapping/>
+  </p:clrMapOvr>
+  <mc:AlternateContent xmlns:mc="http://schemas.openxmlformats.org/markup-compatibility/2006" xmlns:p14="http://schemas.microsoft.com/office/powerpoint/2010/main">
+    <mc:Choice Requires="p14">
+      <p:transition spd="med" p14:dur="700">
+        <p:fade/>
+      </p:transition>
+    </mc:Choice>
+    <mc:Fallback xmlns="">
+      <p:transition spd="med">
+        <p:fade/>
+      </p:transition>
+    </mc:Fallback>
+  </mc:AlternateContent>
+</p:sld>
+</file>
+
+<file path=ppt/slides/slide26.xml><?xml version="1.0" encoding="utf-8"?>
+<p:sld xmlns:a="http://schemas.openxmlformats.org/drawingml/2006/main" xmlns:r="http://schemas.openxmlformats.org/officeDocument/2006/relationships" xmlns:p="http://schemas.openxmlformats.org/presentationml/2006/main">
+  <p:cSld>
+    <p:spTree>
+      <p:nvGrpSpPr>
+        <p:cNvPr id="1" name=""/>
+        <p:cNvGrpSpPr/>
+        <p:nvPr/>
+      </p:nvGrpSpPr>
+      <p:grpSpPr>
+        <a:xfrm>
+          <a:off x="0" y="0"/>
+          <a:ext cx="0" cy="0"/>
+          <a:chOff x="0" y="0"/>
+          <a:chExt cx="0" cy="0"/>
+        </a:xfrm>
+      </p:grpSpPr>
+      <p:sp>
+        <p:nvSpPr>
+          <p:cNvPr id="2" name="Title 1">
+            <a:extLst>
+              <a:ext uri="{FF2B5EF4-FFF2-40B4-BE49-F238E27FC236}">
+                <a16:creationId xmlns:a16="http://schemas.microsoft.com/office/drawing/2014/main" id="{2A94D159-EF32-4D01-B228-B7E8ACF04FD9}"/>
+              </a:ext>
+            </a:extLst>
+          </p:cNvPr>
+          <p:cNvSpPr>
+            <a:spLocks noGrp="1"/>
+          </p:cNvSpPr>
+          <p:nvPr>
+            <p:ph type="title"/>
+          </p:nvPr>
+        </p:nvSpPr>
+        <p:spPr/>
+        <p:txBody>
+          <a:bodyPr/>
+          <a:lstStyle/>
+          <a:p>
+            <a:r>
+              <a:rPr lang="en-US" dirty="0"/>
+              <a:t>Recommended watching &amp; conferences/meetups</a:t>
+            </a:r>
+          </a:p>
+        </p:txBody>
+      </p:sp>
+      <p:sp>
+        <p:nvSpPr>
+          <p:cNvPr id="3" name="Content Placeholder 2">
+            <a:extLst>
+              <a:ext uri="{FF2B5EF4-FFF2-40B4-BE49-F238E27FC236}">
+                <a16:creationId xmlns:a16="http://schemas.microsoft.com/office/drawing/2014/main" id="{6B2131F2-EDA3-4157-8849-7A98D90873E2}"/>
+              </a:ext>
+            </a:extLst>
+          </p:cNvPr>
+          <p:cNvSpPr>
+            <a:spLocks noGrp="1"/>
+          </p:cNvSpPr>
+          <p:nvPr>
+            <p:ph sz="quarter" idx="28"/>
+          </p:nvPr>
+        </p:nvSpPr>
+        <p:spPr/>
+        <p:txBody>
+          <a:bodyPr>
+            <a:normAutofit/>
+          </a:bodyPr>
+          <a:lstStyle/>
+          <a:p>
+            <a:r>
+              <a:rPr lang="en-US" dirty="0"/>
+              <a:t>My </a:t>
+            </a:r>
+            <a:r>
+              <a:rPr lang="en-US" dirty="0" err="1"/>
+              <a:t>Youtube</a:t>
+            </a:r>
+            <a:r>
+              <a:rPr lang="en-US" dirty="0"/>
+              <a:t> playlist (Python, MLIR + LLVM, Mojo, Julia, Kotlin Native):</a:t>
+            </a:r>
+          </a:p>
+          <a:p>
+            <a:pPr lvl="1"/>
+            <a:r>
+              <a:rPr lang="en-US" dirty="0">
+                <a:hlinkClick r:id="rId2"/>
+              </a:rPr>
+              <a:t>https://www.youtube.com/playlist?list=PLeZ4oq0ctHI2uO2SXcQj_DE3jHonxOJRk</a:t>
+            </a:r>
+            <a:endParaRPr lang="en-US" dirty="0"/>
+          </a:p>
+          <a:p>
+            <a:endParaRPr lang="en-US" dirty="0"/>
+          </a:p>
+          <a:p>
+            <a:r>
+              <a:rPr lang="en-US" dirty="0" err="1"/>
+              <a:t>PyCon</a:t>
+            </a:r>
+            <a:r>
+              <a:rPr lang="en-US" dirty="0"/>
+              <a:t> US: </a:t>
+            </a:r>
+            <a:r>
+              <a:rPr lang="en-US" dirty="0">
+                <a:hlinkClick r:id="rId3"/>
+              </a:rPr>
+              <a:t>https://www.youtube.com/@PyConUS</a:t>
+            </a:r>
+            <a:endParaRPr lang="en-US" dirty="0"/>
+          </a:p>
+          <a:p>
+            <a:r>
+              <a:rPr lang="en-US" dirty="0" err="1"/>
+              <a:t>EuroPython</a:t>
+            </a:r>
+            <a:r>
+              <a:rPr lang="en-US" dirty="0"/>
+              <a:t>: </a:t>
+            </a:r>
+            <a:r>
+              <a:rPr lang="en-US" dirty="0">
+                <a:hlinkClick r:id="rId4"/>
+              </a:rPr>
+              <a:t>https://www.youtube.com/@EuroPythonConference</a:t>
+            </a:r>
+            <a:endParaRPr lang="en-US" dirty="0"/>
+          </a:p>
+          <a:p>
+            <a:r>
+              <a:rPr lang="en-US" dirty="0" err="1"/>
+              <a:t>PyCon</a:t>
+            </a:r>
+            <a:r>
+              <a:rPr lang="en-US" dirty="0"/>
+              <a:t> Russia, Moscow Python, </a:t>
+            </a:r>
+            <a:r>
+              <a:rPr lang="en-US" dirty="0" err="1"/>
+              <a:t>PiterPy</a:t>
+            </a:r>
+            <a:r>
+              <a:rPr lang="en-US" dirty="0"/>
+              <a:t>, </a:t>
+            </a:r>
+            <a:r>
+              <a:rPr lang="en-US" dirty="0" err="1"/>
+              <a:t>EkbPy</a:t>
+            </a:r>
+            <a:r>
+              <a:rPr lang="en-US" dirty="0"/>
+              <a:t>, </a:t>
+            </a:r>
+            <a:r>
+              <a:rPr lang="en-US" dirty="0" err="1"/>
+              <a:t>Pytho_NN</a:t>
+            </a:r>
+            <a:r>
+              <a:rPr lang="en-US" dirty="0"/>
+              <a:t>, </a:t>
+            </a:r>
+            <a:r>
+              <a:rPr lang="en-US" dirty="0" err="1"/>
+              <a:t>Pytup</a:t>
+            </a:r>
+            <a:r>
+              <a:rPr lang="en-US" dirty="0"/>
+              <a:t>, ...</a:t>
+            </a:r>
+          </a:p>
+          <a:p>
+            <a:endParaRPr lang="en-US" dirty="0"/>
+          </a:p>
+          <a:p>
+            <a:r>
+              <a:rPr lang="en-US" dirty="0"/>
+              <a:t>LLVM Dev Meeting videos: </a:t>
+            </a:r>
+            <a:r>
+              <a:rPr lang="en-US" dirty="0">
+                <a:hlinkClick r:id="rId5"/>
+              </a:rPr>
+              <a:t>https://www.youtube.com/@LLVMPROJ</a:t>
+            </a:r>
+            <a:endParaRPr lang="en-US" dirty="0"/>
+          </a:p>
+        </p:txBody>
+      </p:sp>
+    </p:spTree>
+    <p:extLst>
+      <p:ext uri="{BB962C8B-B14F-4D97-AF65-F5344CB8AC3E}">
+        <p14:creationId xmlns:p14="http://schemas.microsoft.com/office/powerpoint/2010/main" val="1037687657"/>
+      </p:ext>
+    </p:extLst>
+  </p:cSld>
+  <p:clrMapOvr>
+    <a:masterClrMapping/>
+  </p:clrMapOvr>
+  <mc:AlternateContent xmlns:mc="http://schemas.openxmlformats.org/markup-compatibility/2006" xmlns:p14="http://schemas.microsoft.com/office/powerpoint/2010/main">
+    <mc:Choice Requires="p14">
+      <p:transition spd="med" p14:dur="700">
+        <p:fade/>
+      </p:transition>
+    </mc:Choice>
+    <mc:Fallback xmlns="">
+      <p:transition spd="med">
+        <p:fade/>
+      </p:transition>
+    </mc:Fallback>
+  </mc:AlternateContent>
+</p:sld>
+</file>
+
+<file path=ppt/slides/slide27.xml><?xml version="1.0" encoding="utf-8"?>
+<p:sld xmlns:a="http://schemas.openxmlformats.org/drawingml/2006/main" xmlns:r="http://schemas.openxmlformats.org/officeDocument/2006/relationships" xmlns:p="http://schemas.openxmlformats.org/presentationml/2006/main">
+  <p:cSld>
+    <p:spTree>
+      <p:nvGrpSpPr>
+        <p:cNvPr id="1" name=""/>
+        <p:cNvGrpSpPr/>
+        <p:nvPr/>
+      </p:nvGrpSpPr>
+      <p:grpSpPr>
+        <a:xfrm>
+          <a:off x="0" y="0"/>
+          <a:ext cx="0" cy="0"/>
+          <a:chOff x="0" y="0"/>
+          <a:chExt cx="0" cy="0"/>
+        </a:xfrm>
+      </p:grpSpPr>
+      <p:sp>
+        <p:nvSpPr>
+          <p:cNvPr id="2" name="Заголовок 1">
+            <a:extLst>
+              <a:ext uri="{FF2B5EF4-FFF2-40B4-BE49-F238E27FC236}">
+                <a16:creationId xmlns:a16="http://schemas.microsoft.com/office/drawing/2014/main" id="{F4923D96-2192-7926-8503-801A95C59524}"/>
+              </a:ext>
+            </a:extLst>
+          </p:cNvPr>
+          <p:cNvSpPr>
+            <a:spLocks noGrp="1"/>
+          </p:cNvSpPr>
+          <p:nvPr>
+            <p:ph type="title"/>
+          </p:nvPr>
+        </p:nvSpPr>
+        <p:spPr/>
+        <p:txBody>
+          <a:bodyPr/>
+          <a:lstStyle/>
+          <a:p>
+            <a:r>
+              <a:rPr lang="en-US" dirty="0"/>
+              <a:t>Lab assignment</a:t>
+            </a:r>
+            <a:endParaRPr lang="ru-RU" dirty="0"/>
+          </a:p>
+        </p:txBody>
+      </p:sp>
+      <p:sp>
+        <p:nvSpPr>
+          <p:cNvPr id="3" name="Объект 2">
+            <a:extLst>
+              <a:ext uri="{FF2B5EF4-FFF2-40B4-BE49-F238E27FC236}">
+                <a16:creationId xmlns:a16="http://schemas.microsoft.com/office/drawing/2014/main" id="{1ECCD460-F424-F959-C347-14258749FA7E}"/>
+              </a:ext>
+            </a:extLst>
+          </p:cNvPr>
+          <p:cNvSpPr>
+            <a:spLocks noGrp="1"/>
+          </p:cNvSpPr>
+          <p:nvPr>
+            <p:ph sz="quarter" idx="28"/>
+          </p:nvPr>
+        </p:nvSpPr>
+        <p:spPr/>
+        <p:txBody>
+          <a:bodyPr>
+            <a:normAutofit/>
+          </a:bodyPr>
+          <a:lstStyle/>
+          <a:p>
+            <a:r>
+              <a:rPr lang="en-US" dirty="0"/>
+              <a:t>in lectures repository: </a:t>
+            </a:r>
+            <a:r>
+              <a:rPr lang="en-US" dirty="0">
+                <a:hlinkClick r:id="rId2"/>
+              </a:rPr>
+              <a:t>NN-</a:t>
+            </a:r>
+            <a:r>
+              <a:rPr lang="en-US" dirty="0" err="1">
+                <a:hlinkClick r:id="rId2"/>
+              </a:rPr>
+              <a:t>complr</a:t>
+            </a:r>
+            <a:r>
+              <a:rPr lang="en-US" dirty="0">
+                <a:hlinkClick r:id="rId2"/>
+              </a:rPr>
+              <a:t>-tech/</a:t>
+            </a:r>
+            <a:r>
+              <a:rPr lang="en-US" dirty="0" err="1">
+                <a:hlinkClick r:id="rId2"/>
+              </a:rPr>
+              <a:t>Complr</a:t>
+            </a:r>
+            <a:r>
+              <a:rPr lang="en-US" dirty="0">
+                <a:hlinkClick r:id="rId2"/>
+              </a:rPr>
+              <a:t>-course-lectures</a:t>
+            </a:r>
+            <a:endParaRPr lang="en-US" dirty="0"/>
+          </a:p>
+          <a:p>
+            <a:r>
+              <a:rPr lang="en-US" dirty="0"/>
+              <a:t>Folder: 10-Python-internals-code-snippets</a:t>
+            </a:r>
+          </a:p>
+          <a:p>
+            <a:endParaRPr lang="en-US" dirty="0"/>
+          </a:p>
+          <a:p>
+            <a:r>
+              <a:rPr lang="en-US" dirty="0"/>
+              <a:t>Where to seek help</a:t>
+            </a:r>
+          </a:p>
+          <a:p>
+            <a:pPr lvl="1"/>
+            <a:r>
+              <a:rPr lang="en-US" dirty="0"/>
+              <a:t>Telegram: </a:t>
+            </a:r>
+            <a:r>
+              <a:rPr lang="en-US" dirty="0">
+                <a:hlinkClick r:id="rId3"/>
+              </a:rPr>
+              <a:t>@vasily_v_ryabov</a:t>
+            </a:r>
+            <a:r>
+              <a:rPr lang="en-US" dirty="0"/>
+              <a:t> (questions)</a:t>
+            </a:r>
+            <a:endParaRPr lang="ru-RU" dirty="0"/>
+          </a:p>
+          <a:p>
+            <a:pPr lvl="1"/>
+            <a:r>
+              <a:rPr lang="en-US" dirty="0"/>
+              <a:t>Email to </a:t>
+            </a:r>
+            <a:r>
+              <a:rPr lang="en-US" dirty="0">
+                <a:hlinkClick r:id="rId4"/>
+              </a:rPr>
+              <a:t>v</a:t>
+            </a:r>
+            <a:r>
+              <a:rPr lang="en-US" dirty="0">
+                <a:hlinkClick r:id="rId5"/>
+              </a:rPr>
+              <a:t>asily.v.ryabov@gmail.com</a:t>
+            </a:r>
+            <a:r>
+              <a:rPr lang="en-US" dirty="0"/>
+              <a:t> (send the code)</a:t>
+            </a:r>
+          </a:p>
+        </p:txBody>
+      </p:sp>
+    </p:spTree>
+    <p:extLst>
+      <p:ext uri="{BB962C8B-B14F-4D97-AF65-F5344CB8AC3E}">
+        <p14:creationId xmlns:p14="http://schemas.microsoft.com/office/powerpoint/2010/main" val="4196812156"/>
+      </p:ext>
+    </p:extLst>
+  </p:cSld>
+  <p:clrMapOvr>
+    <a:masterClrMapping/>
+  </p:clrMapOvr>
+  <mc:AlternateContent xmlns:mc="http://schemas.openxmlformats.org/markup-compatibility/2006" xmlns:p14="http://schemas.microsoft.com/office/powerpoint/2010/main">
+    <mc:Choice Requires="p14">
+      <p:transition spd="med" p14:dur="700">
+        <p:fade/>
+      </p:transition>
+    </mc:Choice>
+    <mc:Fallback xmlns="">
+      <p:transition spd="med">
+        <p:fade/>
+      </p:transition>
+    </mc:Fallback>
+  </mc:AlternateContent>
+</p:sld>
+</file>
+
+<file path=ppt/slides/slide28.xml><?xml version="1.0" encoding="utf-8"?>
+<p:sld xmlns:a="http://schemas.openxmlformats.org/drawingml/2006/main" xmlns:r="http://schemas.openxmlformats.org/officeDocument/2006/relationships" xmlns:p="http://schemas.openxmlformats.org/presentationml/2006/main">
+  <p:cSld>
+    <p:spTree>
+      <p:nvGrpSpPr>
+        <p:cNvPr id="1" name=""/>
+        <p:cNvGrpSpPr/>
+        <p:nvPr/>
+      </p:nvGrpSpPr>
+      <p:grpSpPr>
+        <a:xfrm>
+          <a:off x="0" y="0"/>
+          <a:ext cx="0" cy="0"/>
+          <a:chOff x="0" y="0"/>
+          <a:chExt cx="0" cy="0"/>
+        </a:xfrm>
+      </p:grpSpPr>
+      <p:sp>
+        <p:nvSpPr>
+          <p:cNvPr id="2" name="Title 1">
+            <a:extLst>
+              <a:ext uri="{FF2B5EF4-FFF2-40B4-BE49-F238E27FC236}">
                 <a16:creationId xmlns:a16="http://schemas.microsoft.com/office/drawing/2014/main" id="{DB4E194C-529D-44DC-A6D7-9375F9655CDC}"/>
               </a:ext>
             </a:extLst>
@@ -14502,7 +16314,7 @@
 </p:sld>
 </file>
 
-<file path=ppt/slides/slide21.xml><?xml version="1.0" encoding="utf-8"?>
+<file path=ppt/slides/slide29.xml><?xml version="1.0" encoding="utf-8"?>
 <p:sld xmlns:a="http://schemas.openxmlformats.org/drawingml/2006/main" xmlns:r="http://schemas.openxmlformats.org/officeDocument/2006/relationships" xmlns:p="http://schemas.openxmlformats.org/presentationml/2006/main">
   <p:cSld>
     <p:spTree>
@@ -15182,7 +16994,7 @@
           <a:p>
             <a:r>
               <a:rPr lang="en-US" dirty="0"/>
-              <a:t>Python AST module (1/3)</a:t>
+              <a:t>If you need AST Parser in C++</a:t>
             </a:r>
           </a:p>
         </p:txBody>
@@ -15205,6 +17017,259 @@
         </p:nvSpPr>
         <p:spPr/>
         <p:txBody>
+          <a:bodyPr/>
+          <a:lstStyle/>
+          <a:p>
+            <a:r>
+              <a:rPr lang="en-US" dirty="0"/>
+              <a:t>Create own </a:t>
+            </a:r>
+            <a:r>
+              <a:rPr lang="en-US" dirty="0" err="1"/>
+              <a:t>python.gram</a:t>
+            </a:r>
+            <a:r>
+              <a:rPr lang="en-US" dirty="0"/>
+              <a:t> file with C++ Standard Library (std::string </a:t>
+            </a:r>
+            <a:r>
+              <a:rPr lang="en-US" dirty="0" err="1"/>
+              <a:t>etc</a:t>
+            </a:r>
+            <a:r>
+              <a:rPr lang="en-US" dirty="0"/>
+              <a:t>)</a:t>
+            </a:r>
+          </a:p>
+          <a:p>
+            <a:pPr lvl="1"/>
+            <a:r>
+              <a:rPr lang="en-US" dirty="0"/>
+              <a:t>python -m </a:t>
+            </a:r>
+            <a:r>
+              <a:rPr lang="en-US" dirty="0" err="1"/>
+              <a:t>pegen</a:t>
+            </a:r>
+            <a:r>
+              <a:rPr lang="en-US" dirty="0"/>
+              <a:t> -v -o parser.cpp </a:t>
+            </a:r>
+            <a:r>
+              <a:rPr lang="en-US" b="1" dirty="0"/>
+              <a:t>./</a:t>
+            </a:r>
+            <a:r>
+              <a:rPr lang="en-US" b="1" dirty="0" err="1"/>
+              <a:t>your_own</a:t>
+            </a:r>
+            <a:r>
+              <a:rPr lang="en-US" b="1" dirty="0"/>
+              <a:t>/</a:t>
+            </a:r>
+            <a:r>
+              <a:rPr lang="en-US" b="1" dirty="0" err="1"/>
+              <a:t>python.gram</a:t>
+            </a:r>
+            <a:endParaRPr lang="en-US" b="1" dirty="0"/>
+          </a:p>
+          <a:p>
+            <a:r>
+              <a:rPr lang="en-US" dirty="0"/>
+              <a:t>Use </a:t>
+            </a:r>
+            <a:r>
+              <a:rPr lang="en-US" dirty="0">
+                <a:hlinkClick r:id="rId2"/>
+              </a:rPr>
+              <a:t>StringZilla</a:t>
+            </a:r>
+            <a:r>
+              <a:rPr lang="en-US" dirty="0"/>
+              <a:t> for speed up (useful for many languages)</a:t>
+            </a:r>
+          </a:p>
+          <a:p>
+            <a:r>
+              <a:rPr lang="en-US" dirty="0"/>
+              <a:t>‘str’ codecs design is important (‘codecs’ are in pure Python now)</a:t>
+            </a:r>
+          </a:p>
+          <a:p>
+            <a:r>
+              <a:rPr lang="en-US" dirty="0"/>
+              <a:t>Make C++ compiler for Python using LLVM or MLIR</a:t>
+            </a:r>
+          </a:p>
+        </p:txBody>
+      </p:sp>
+    </p:spTree>
+    <p:extLst>
+      <p:ext uri="{BB962C8B-B14F-4D97-AF65-F5344CB8AC3E}">
+        <p14:creationId xmlns:p14="http://schemas.microsoft.com/office/powerpoint/2010/main" val="2911713538"/>
+      </p:ext>
+    </p:extLst>
+  </p:cSld>
+  <p:clrMapOvr>
+    <a:masterClrMapping/>
+  </p:clrMapOvr>
+  <mc:AlternateContent xmlns:mc="http://schemas.openxmlformats.org/markup-compatibility/2006" xmlns:p14="http://schemas.microsoft.com/office/powerpoint/2010/main">
+    <mc:Choice Requires="p14">
+      <p:transition spd="med" p14:dur="700">
+        <p:fade/>
+      </p:transition>
+    </mc:Choice>
+    <mc:Fallback xmlns="">
+      <p:transition spd="med">
+        <p:fade/>
+      </p:transition>
+    </mc:Fallback>
+  </mc:AlternateContent>
+  <p:timing>
+    <p:tnLst>
+      <p:par>
+        <p:cTn id="1" dur="indefinite" restart="never" nodeType="tmRoot">
+          <p:childTnLst>
+            <p:seq concurrent="1" nextAc="seek">
+              <p:cTn id="2" dur="indefinite" nodeType="mainSeq">
+                <p:childTnLst>
+                  <p:par>
+                    <p:cTn id="3" fill="hold">
+                      <p:stCondLst>
+                        <p:cond delay="indefinite"/>
+                      </p:stCondLst>
+                      <p:childTnLst>
+                        <p:par>
+                          <p:cTn id="4" fill="hold">
+                            <p:stCondLst>
+                              <p:cond delay="0"/>
+                            </p:stCondLst>
+                            <p:childTnLst>
+                              <p:par>
+                                <p:cTn id="5" presetID="1" presetClass="entr" presetSubtype="0" fill="hold" nodeType="clickEffect">
+                                  <p:stCondLst>
+                                    <p:cond delay="0"/>
+                                  </p:stCondLst>
+                                  <p:childTnLst>
+                                    <p:set>
+                                      <p:cBhvr>
+                                        <p:cTn id="6" dur="1" fill="hold">
+                                          <p:stCondLst>
+                                            <p:cond delay="0"/>
+                                          </p:stCondLst>
+                                        </p:cTn>
+                                        <p:tgtEl>
+                                          <p:spTgt spid="3">
+                                            <p:txEl>
+                                              <p:pRg st="4" end="4"/>
+                                            </p:txEl>
+                                          </p:spTgt>
+                                        </p:tgtEl>
+                                        <p:attrNameLst>
+                                          <p:attrName>style.visibility</p:attrName>
+                                        </p:attrNameLst>
+                                      </p:cBhvr>
+                                      <p:to>
+                                        <p:strVal val="visible"/>
+                                      </p:to>
+                                    </p:set>
+                                  </p:childTnLst>
+                                </p:cTn>
+                              </p:par>
+                            </p:childTnLst>
+                          </p:cTn>
+                        </p:par>
+                      </p:childTnLst>
+                    </p:cTn>
+                  </p:par>
+                </p:childTnLst>
+              </p:cTn>
+              <p:prevCondLst>
+                <p:cond evt="onPrev" delay="0">
+                  <p:tgtEl>
+                    <p:sldTgt/>
+                  </p:tgtEl>
+                </p:cond>
+              </p:prevCondLst>
+              <p:nextCondLst>
+                <p:cond evt="onNext" delay="0">
+                  <p:tgtEl>
+                    <p:sldTgt/>
+                  </p:tgtEl>
+                </p:cond>
+              </p:nextCondLst>
+            </p:seq>
+          </p:childTnLst>
+        </p:cTn>
+      </p:par>
+    </p:tnLst>
+  </p:timing>
+</p:sld>
+</file>
+
+<file path=ppt/slides/slide6.xml><?xml version="1.0" encoding="utf-8"?>
+<p:sld xmlns:a="http://schemas.openxmlformats.org/drawingml/2006/main" xmlns:r="http://schemas.openxmlformats.org/officeDocument/2006/relationships" xmlns:p="http://schemas.openxmlformats.org/presentationml/2006/main">
+  <p:cSld>
+    <p:spTree>
+      <p:nvGrpSpPr>
+        <p:cNvPr id="1" name=""/>
+        <p:cNvGrpSpPr/>
+        <p:nvPr/>
+      </p:nvGrpSpPr>
+      <p:grpSpPr>
+        <a:xfrm>
+          <a:off x="0" y="0"/>
+          <a:ext cx="0" cy="0"/>
+          <a:chOff x="0" y="0"/>
+          <a:chExt cx="0" cy="0"/>
+        </a:xfrm>
+      </p:grpSpPr>
+      <p:sp>
+        <p:nvSpPr>
+          <p:cNvPr id="2" name="Title 1">
+            <a:extLst>
+              <a:ext uri="{FF2B5EF4-FFF2-40B4-BE49-F238E27FC236}">
+                <a16:creationId xmlns:a16="http://schemas.microsoft.com/office/drawing/2014/main" id="{1AF25FED-8811-4F74-9D92-16451F6B7E84}"/>
+              </a:ext>
+            </a:extLst>
+          </p:cNvPr>
+          <p:cNvSpPr>
+            <a:spLocks noGrp="1"/>
+          </p:cNvSpPr>
+          <p:nvPr>
+            <p:ph type="title"/>
+          </p:nvPr>
+        </p:nvSpPr>
+        <p:spPr/>
+        <p:txBody>
+          <a:bodyPr/>
+          <a:lstStyle/>
+          <a:p>
+            <a:r>
+              <a:rPr lang="en-US" dirty="0"/>
+              <a:t>Python AST module (1/3)</a:t>
+            </a:r>
+          </a:p>
+        </p:txBody>
+      </p:sp>
+      <p:sp>
+        <p:nvSpPr>
+          <p:cNvPr id="3" name="Content Placeholder 2">
+            <a:extLst>
+              <a:ext uri="{FF2B5EF4-FFF2-40B4-BE49-F238E27FC236}">
+                <a16:creationId xmlns:a16="http://schemas.microsoft.com/office/drawing/2014/main" id="{3C202ADF-6953-4ADF-B831-76A692BEEC30}"/>
+              </a:ext>
+            </a:extLst>
+          </p:cNvPr>
+          <p:cNvSpPr>
+            <a:spLocks noGrp="1"/>
+          </p:cNvSpPr>
+          <p:nvPr>
+            <p:ph sz="quarter" idx="28"/>
+          </p:nvPr>
+        </p:nvSpPr>
+        <p:spPr/>
+        <p:txBody>
           <a:bodyPr>
             <a:normAutofit/>
           </a:bodyPr>
@@ -15295,17 +17360,16 @@
             </a:r>
             <a:r>
               <a:rPr lang="en-US" sz="2400" dirty="0"/>
-              <a:t>pip install uncompyle6</a:t>
-            </a:r>
-            <a:r>
-              <a:rPr lang="en-US" dirty="0"/>
-              <a:t>), </a:t>
-            </a:r>
-            <a:r>
-              <a:rPr lang="en-US" dirty="0" err="1"/>
-              <a:t>autoformatter</a:t>
-            </a:r>
-            <a:endParaRPr lang="en-US" dirty="0"/>
+              <a:t>uncompyle6, </a:t>
+            </a:r>
+            <a:r>
+              <a:rPr lang="en-US" sz="2400" dirty="0" err="1"/>
+              <a:t>pycdc</a:t>
+            </a:r>
+            <a:r>
+              <a:rPr lang="en-US" dirty="0"/>
+              <a:t>), auto formatter</a:t>
+            </a:r>
           </a:p>
         </p:txBody>
       </p:sp>
@@ -15334,7 +17398,7 @@
 </p:sld>
 </file>
 
-<file path=ppt/slides/slide6.xml><?xml version="1.0" encoding="utf-8"?>
+<file path=ppt/slides/slide7.xml><?xml version="1.0" encoding="utf-8"?>
 <p:sld xmlns:a="http://schemas.openxmlformats.org/drawingml/2006/main" xmlns:r="http://schemas.openxmlformats.org/officeDocument/2006/relationships" xmlns:p="http://schemas.openxmlformats.org/presentationml/2006/main">
   <p:cSld>
     <p:spTree>
@@ -15840,7 +17904,7 @@
 </p:sld>
 </file>
 
-<file path=ppt/slides/slide7.xml><?xml version="1.0" encoding="utf-8"?>
+<file path=ppt/slides/slide8.xml><?xml version="1.0" encoding="utf-8"?>
 <p:sld xmlns:a="http://schemas.openxmlformats.org/drawingml/2006/main" xmlns:r="http://schemas.openxmlformats.org/officeDocument/2006/relationships" xmlns:p="http://schemas.openxmlformats.org/presentationml/2006/main">
   <p:cSld>
     <p:spTree>
@@ -15970,315 +18034,6 @@
 </p:sld>
 </file>
 
-<file path=ppt/slides/slide8.xml><?xml version="1.0" encoding="utf-8"?>
-<p:sld xmlns:a="http://schemas.openxmlformats.org/drawingml/2006/main" xmlns:r="http://schemas.openxmlformats.org/officeDocument/2006/relationships" xmlns:p="http://schemas.openxmlformats.org/presentationml/2006/main">
-  <p:cSld>
-    <p:spTree>
-      <p:nvGrpSpPr>
-        <p:cNvPr id="1" name=""/>
-        <p:cNvGrpSpPr/>
-        <p:nvPr/>
-      </p:nvGrpSpPr>
-      <p:grpSpPr>
-        <a:xfrm>
-          <a:off x="0" y="0"/>
-          <a:ext cx="0" cy="0"/>
-          <a:chOff x="0" y="0"/>
-          <a:chExt cx="0" cy="0"/>
-        </a:xfrm>
-      </p:grpSpPr>
-      <p:sp>
-        <p:nvSpPr>
-          <p:cNvPr id="2" name="Title 1">
-            <a:extLst>
-              <a:ext uri="{FF2B5EF4-FFF2-40B4-BE49-F238E27FC236}">
-                <a16:creationId xmlns:a16="http://schemas.microsoft.com/office/drawing/2014/main" id="{1AF25FED-8811-4F74-9D92-16451F6B7E84}"/>
-              </a:ext>
-            </a:extLst>
-          </p:cNvPr>
-          <p:cNvSpPr>
-            <a:spLocks noGrp="1"/>
-          </p:cNvSpPr>
-          <p:nvPr>
-            <p:ph type="title"/>
-          </p:nvPr>
-        </p:nvSpPr>
-        <p:spPr/>
-        <p:txBody>
-          <a:bodyPr/>
-          <a:lstStyle/>
-          <a:p>
-            <a:r>
-              <a:rPr lang="en-US" dirty="0"/>
-              <a:t>At the bottom of Python AST docs…</a:t>
-            </a:r>
-          </a:p>
-        </p:txBody>
-      </p:sp>
-      <p:sp>
-        <p:nvSpPr>
-          <p:cNvPr id="3" name="Content Placeholder 2">
-            <a:extLst>
-              <a:ext uri="{FF2B5EF4-FFF2-40B4-BE49-F238E27FC236}">
-                <a16:creationId xmlns:a16="http://schemas.microsoft.com/office/drawing/2014/main" id="{3C202ADF-6953-4ADF-B831-76A692BEEC30}"/>
-              </a:ext>
-            </a:extLst>
-          </p:cNvPr>
-          <p:cNvSpPr>
-            <a:spLocks noGrp="1"/>
-          </p:cNvSpPr>
-          <p:nvPr>
-            <p:ph sz="quarter" idx="28"/>
-          </p:nvPr>
-        </p:nvSpPr>
-        <p:spPr/>
-        <p:txBody>
-          <a:bodyPr>
-            <a:normAutofit fontScale="77500" lnSpcReduction="20000"/>
-          </a:bodyPr>
-          <a:lstStyle/>
-          <a:p>
-            <a:pPr marL="0" indent="0" algn="l">
-              <a:buNone/>
-            </a:pPr>
-            <a:r>
-              <a:rPr lang="en-US" b="1" i="0" dirty="0">
-                <a:solidFill>
-                  <a:srgbClr val="222222"/>
-                </a:solidFill>
-                <a:effectLst/>
-                <a:latin typeface="Lucida Grande"/>
-              </a:rPr>
-              <a:t>See also</a:t>
-            </a:r>
-          </a:p>
-          <a:p>
-            <a:pPr algn="l"/>
-            <a:r>
-              <a:rPr lang="en-US" b="0" i="0" u="none" strike="noStrike" dirty="0">
-                <a:solidFill>
-                  <a:srgbClr val="0072AA"/>
-                </a:solidFill>
-                <a:effectLst/>
-                <a:latin typeface="Lucida Grande"/>
-                <a:hlinkClick r:id="rId2"/>
-              </a:rPr>
-              <a:t>Green Tree Snakes</a:t>
-            </a:r>
-            <a:r>
-              <a:rPr lang="en-US" b="0" i="0" dirty="0">
-                <a:solidFill>
-                  <a:srgbClr val="222222"/>
-                </a:solidFill>
-                <a:effectLst/>
-                <a:latin typeface="Lucida Grande"/>
-              </a:rPr>
-              <a:t>, an external documentation resource, has good details on working with Python ASTs.</a:t>
-            </a:r>
-          </a:p>
-          <a:p>
-            <a:pPr algn="l"/>
-            <a:r>
-              <a:rPr lang="en-US" b="0" i="0" u="none" strike="noStrike" dirty="0" err="1">
-                <a:solidFill>
-                  <a:srgbClr val="0072AA"/>
-                </a:solidFill>
-                <a:effectLst/>
-                <a:latin typeface="Lucida Grande"/>
-                <a:hlinkClick r:id="rId3"/>
-              </a:rPr>
-              <a:t>ASTTokens</a:t>
-            </a:r>
-            <a:r>
-              <a:rPr lang="en-US" b="0" i="0" dirty="0">
-                <a:solidFill>
-                  <a:srgbClr val="222222"/>
-                </a:solidFill>
-                <a:effectLst/>
-                <a:latin typeface="Lucida Grande"/>
-              </a:rPr>
-              <a:t> annotates Python ASTs with the positions of tokens and text in the source code that generated them. This is helpful for tools that make source code transformations.</a:t>
-            </a:r>
-          </a:p>
-          <a:p>
-            <a:pPr algn="l"/>
-            <a:r>
-              <a:rPr lang="en-US" b="0" i="0" u="none" strike="noStrike" dirty="0">
-                <a:solidFill>
-                  <a:srgbClr val="0072AA"/>
-                </a:solidFill>
-                <a:effectLst/>
-                <a:latin typeface="Lucida Grande"/>
-                <a:hlinkClick r:id="rId4"/>
-              </a:rPr>
-              <a:t>leoAst.py</a:t>
-            </a:r>
-            <a:r>
-              <a:rPr lang="en-US" b="0" i="0" dirty="0">
-                <a:solidFill>
-                  <a:srgbClr val="222222"/>
-                </a:solidFill>
-                <a:effectLst/>
-                <a:latin typeface="Lucida Grande"/>
-              </a:rPr>
-              <a:t> unifies the token-based and parse-tree-based views of python programs by inserting two-way links between tokens and </a:t>
-            </a:r>
-            <a:r>
-              <a:rPr lang="en-US" b="0" i="0" dirty="0" err="1">
-                <a:solidFill>
-                  <a:srgbClr val="222222"/>
-                </a:solidFill>
-                <a:effectLst/>
-                <a:latin typeface="Lucida Grande"/>
-              </a:rPr>
-              <a:t>ast</a:t>
-            </a:r>
-            <a:r>
-              <a:rPr lang="en-US" b="0" i="0" dirty="0">
-                <a:solidFill>
-                  <a:srgbClr val="222222"/>
-                </a:solidFill>
-                <a:effectLst/>
-                <a:latin typeface="Lucida Grande"/>
-              </a:rPr>
-              <a:t> nodes.</a:t>
-            </a:r>
-          </a:p>
-          <a:p>
-            <a:pPr algn="l"/>
-            <a:r>
-              <a:rPr lang="en-US" b="0" i="0" u="none" strike="noStrike" dirty="0" err="1">
-                <a:solidFill>
-                  <a:srgbClr val="0072AA"/>
-                </a:solidFill>
-                <a:effectLst/>
-                <a:latin typeface="Lucida Grande"/>
-                <a:hlinkClick r:id="rId5"/>
-              </a:rPr>
-              <a:t>LibCST</a:t>
-            </a:r>
-            <a:r>
-              <a:rPr lang="en-US" b="0" i="0" dirty="0">
-                <a:solidFill>
-                  <a:srgbClr val="222222"/>
-                </a:solidFill>
-                <a:effectLst/>
-                <a:latin typeface="Lucida Grande"/>
-              </a:rPr>
-              <a:t> parses code as a Concrete Syntax Tree that looks like an </a:t>
-            </a:r>
-            <a:r>
-              <a:rPr lang="en-US" b="0" i="0" dirty="0" err="1">
-                <a:solidFill>
-                  <a:srgbClr val="222222"/>
-                </a:solidFill>
-                <a:effectLst/>
-                <a:latin typeface="Lucida Grande"/>
-              </a:rPr>
-              <a:t>ast</a:t>
-            </a:r>
-            <a:r>
-              <a:rPr lang="en-US" b="0" i="0" dirty="0">
-                <a:solidFill>
-                  <a:srgbClr val="222222"/>
-                </a:solidFill>
-                <a:effectLst/>
-                <a:latin typeface="Lucida Grande"/>
-              </a:rPr>
-              <a:t> tree and keeps all formatting details. It’s useful for building automated refactoring (</a:t>
-            </a:r>
-            <a:r>
-              <a:rPr lang="en-US" b="0" i="0" dirty="0" err="1">
-                <a:solidFill>
-                  <a:srgbClr val="222222"/>
-                </a:solidFill>
-                <a:effectLst/>
-                <a:latin typeface="Lucida Grande"/>
-              </a:rPr>
-              <a:t>codemod</a:t>
-            </a:r>
-            <a:r>
-              <a:rPr lang="en-US" b="0" i="0" dirty="0">
-                <a:solidFill>
-                  <a:srgbClr val="222222"/>
-                </a:solidFill>
-                <a:effectLst/>
-                <a:latin typeface="Lucida Grande"/>
-              </a:rPr>
-              <a:t>) applications and linters.</a:t>
-            </a:r>
-          </a:p>
-          <a:p>
-            <a:pPr algn="l"/>
-            <a:r>
-              <a:rPr lang="en-US" b="0" i="0" u="none" strike="noStrike" dirty="0" err="1">
-                <a:solidFill>
-                  <a:srgbClr val="0072AA"/>
-                </a:solidFill>
-                <a:effectLst/>
-                <a:latin typeface="Lucida Grande"/>
-                <a:hlinkClick r:id="rId6"/>
-              </a:rPr>
-              <a:t>Parso</a:t>
-            </a:r>
-            <a:r>
-              <a:rPr lang="en-US" b="0" i="0" dirty="0">
-                <a:solidFill>
-                  <a:srgbClr val="222222"/>
-                </a:solidFill>
-                <a:effectLst/>
-                <a:latin typeface="Lucida Grande"/>
-              </a:rPr>
-              <a:t> is a Python parser that supports error recovery and round-trip parsing for different Python versions (in multiple Python versions). </a:t>
-            </a:r>
-            <a:r>
-              <a:rPr lang="en-US" b="0" i="0" dirty="0" err="1">
-                <a:solidFill>
-                  <a:srgbClr val="222222"/>
-                </a:solidFill>
-                <a:effectLst/>
-                <a:latin typeface="Lucida Grande"/>
-              </a:rPr>
-              <a:t>Parso</a:t>
-            </a:r>
-            <a:r>
-              <a:rPr lang="en-US" b="0" i="0" dirty="0">
-                <a:solidFill>
-                  <a:srgbClr val="222222"/>
-                </a:solidFill>
-                <a:effectLst/>
-                <a:latin typeface="Lucida Grande"/>
-              </a:rPr>
-              <a:t> is also able to list multiple syntax errors in your python file.</a:t>
-            </a:r>
-          </a:p>
-        </p:txBody>
-      </p:sp>
-    </p:spTree>
-    <p:extLst>
-      <p:ext uri="{BB962C8B-B14F-4D97-AF65-F5344CB8AC3E}">
-        <p14:creationId xmlns:p14="http://schemas.microsoft.com/office/powerpoint/2010/main" val="2018408424"/>
-      </p:ext>
-    </p:extLst>
-  </p:cSld>
-  <p:clrMapOvr>
-    <a:masterClrMapping/>
-  </p:clrMapOvr>
-  <mc:AlternateContent xmlns:mc="http://schemas.openxmlformats.org/markup-compatibility/2006">
-    <mc:Choice xmlns:p14="http://schemas.microsoft.com/office/powerpoint/2010/main" Requires="p14">
-      <p:transition spd="med" p14:dur="700">
-        <p:fade/>
-      </p:transition>
-    </mc:Choice>
-    <mc:Fallback>
-      <p:transition spd="med">
-        <p:fade/>
-      </p:transition>
-    </mc:Fallback>
-  </mc:AlternateContent>
-</p:sld>
-</file>
-
 <file path=ppt/slides/slide9.xml><?xml version="1.0" encoding="utf-8"?>
 <p:sld xmlns:a="http://schemas.openxmlformats.org/drawingml/2006/main" xmlns:r="http://schemas.openxmlformats.org/officeDocument/2006/relationships" xmlns:p="http://schemas.openxmlformats.org/presentationml/2006/main">
   <p:cSld>
@@ -16301,7 +18056,7 @@
           <p:cNvPr id="2" name="Title 1">
             <a:extLst>
               <a:ext uri="{FF2B5EF4-FFF2-40B4-BE49-F238E27FC236}">
-                <a16:creationId xmlns:a16="http://schemas.microsoft.com/office/drawing/2014/main" id="{D34441B0-BAB0-4793-90C6-8114CD5F64F1}"/>
+                <a16:creationId xmlns:a16="http://schemas.microsoft.com/office/drawing/2014/main" id="{1AF25FED-8811-4F74-9D92-16451F6B7E84}"/>
               </a:ext>
             </a:extLst>
           </p:cNvPr>
@@ -16319,7 +18074,7 @@
           <a:p>
             <a:r>
               <a:rPr lang="en-US" dirty="0"/>
-              <a:t>Python bytecode (IR)</a:t>
+              <a:t>At the bottom of Python AST docs…</a:t>
             </a:r>
           </a:p>
         </p:txBody>
@@ -16329,7 +18084,7 @@
           <p:cNvPr id="3" name="Content Placeholder 2">
             <a:extLst>
               <a:ext uri="{FF2B5EF4-FFF2-40B4-BE49-F238E27FC236}">
-                <a16:creationId xmlns:a16="http://schemas.microsoft.com/office/drawing/2014/main" id="{4AA5886F-C8D8-4092-8FB0-ED8B3BD30B64}"/>
+                <a16:creationId xmlns:a16="http://schemas.microsoft.com/office/drawing/2014/main" id="{3C202ADF-6953-4ADF-B831-76A692BEEC30}"/>
               </a:ext>
             </a:extLst>
           </p:cNvPr>
@@ -16340,166 +18095,233 @@
             <p:ph sz="quarter" idx="28"/>
           </p:nvPr>
         </p:nvSpPr>
-        <p:spPr>
-          <a:xfrm>
-            <a:off x="571370" y="1523999"/>
-            <a:ext cx="11010900" cy="4574947"/>
-          </a:xfrm>
-        </p:spPr>
-        <p:txBody>
-          <a:bodyPr/>
+        <p:spPr/>
+        <p:txBody>
+          <a:bodyPr>
+            <a:normAutofit fontScale="77500" lnSpcReduction="20000"/>
+          </a:bodyPr>
           <a:lstStyle/>
           <a:p>
-            <a:r>
-              <a:rPr lang="en-US" dirty="0"/>
-              <a:t>As any IR it has 3 forms:</a:t>
-            </a:r>
-          </a:p>
-          <a:p>
-            <a:pPr lvl="1"/>
-            <a:r>
-              <a:rPr lang="en-US" dirty="0"/>
-              <a:t>Byte-code itself: </a:t>
-            </a:r>
-            <a:r>
-              <a:rPr lang="en-US" b="1" dirty="0"/>
-              <a:t>*.</a:t>
-            </a:r>
-            <a:r>
-              <a:rPr lang="en-US" b="1" dirty="0" err="1"/>
-              <a:t>pyc</a:t>
-            </a:r>
-            <a:r>
-              <a:rPr lang="en-US" dirty="0"/>
-              <a:t> file content or </a:t>
-            </a:r>
-            <a:r>
-              <a:rPr lang="en-US" dirty="0" err="1"/>
-              <a:t>code_object</a:t>
-            </a:r>
-            <a:r>
-              <a:rPr lang="en-US" b="1" dirty="0" err="1"/>
-              <a:t>.co_code</a:t>
-            </a:r>
-            <a:endParaRPr lang="en-US" b="1" dirty="0"/>
-          </a:p>
-          <a:p>
-            <a:pPr lvl="1"/>
-            <a:r>
-              <a:rPr lang="en-US" dirty="0"/>
-              <a:t>In-memory representation: </a:t>
-            </a:r>
-            <a:r>
-              <a:rPr lang="en-US" b="1" dirty="0" err="1"/>
-              <a:t>code_object</a:t>
-            </a:r>
-            <a:r>
-              <a:rPr lang="en-US" b="1" dirty="0"/>
-              <a:t> = compile(…)</a:t>
-            </a:r>
-            <a:r>
-              <a:rPr lang="en-US" dirty="0"/>
-              <a:t> or </a:t>
-            </a:r>
-            <a:r>
-              <a:rPr lang="en-US" b="1" dirty="0" err="1"/>
-              <a:t>PyCodeObject</a:t>
-            </a:r>
-            <a:endParaRPr lang="en-US" b="1" dirty="0"/>
-          </a:p>
-          <a:p>
-            <a:pPr lvl="1"/>
-            <a:r>
-              <a:rPr lang="en-US" dirty="0"/>
-              <a:t>String representation: </a:t>
-            </a:r>
-            <a:r>
-              <a:rPr lang="en-US" b="1" dirty="0"/>
-              <a:t>import dis; </a:t>
-            </a:r>
-            <a:r>
-              <a:rPr lang="en-US" b="1" dirty="0" err="1"/>
-              <a:t>dis.dis</a:t>
-            </a:r>
-            <a:r>
-              <a:rPr lang="en-US" b="1" dirty="0"/>
-              <a:t>(</a:t>
-            </a:r>
-            <a:r>
-              <a:rPr lang="en-US" b="1" dirty="0" err="1"/>
-              <a:t>code_object</a:t>
-            </a:r>
-            <a:r>
-              <a:rPr lang="en-US" b="1" dirty="0"/>
-              <a:t>)</a:t>
-            </a:r>
-          </a:p>
-        </p:txBody>
-      </p:sp>
-      <p:pic>
-        <p:nvPicPr>
-          <p:cNvPr id="7" name="Picture 6">
-            <a:extLst>
-              <a:ext uri="{FF2B5EF4-FFF2-40B4-BE49-F238E27FC236}">
-                <a16:creationId xmlns:a16="http://schemas.microsoft.com/office/drawing/2014/main" id="{7B1918A1-1EDD-13CB-ADFC-476CCC8E834C}"/>
-              </a:ext>
-            </a:extLst>
-          </p:cNvPr>
-          <p:cNvPicPr>
-            <a:picLocks noChangeAspect="1"/>
-          </p:cNvPicPr>
-          <p:nvPr/>
-        </p:nvPicPr>
-        <p:blipFill>
-          <a:blip r:embed="rId2"/>
-          <a:stretch>
-            <a:fillRect/>
-          </a:stretch>
-        </p:blipFill>
-        <p:spPr>
-          <a:xfrm>
-            <a:off x="609730" y="3645131"/>
-            <a:ext cx="6581775" cy="2181225"/>
-          </a:xfrm>
-          <a:prstGeom prst="rect">
-            <a:avLst/>
-          </a:prstGeom>
-        </p:spPr>
-      </p:pic>
-      <p:pic>
-        <p:nvPicPr>
-          <p:cNvPr id="9" name="Picture 8">
-            <a:extLst>
-              <a:ext uri="{FF2B5EF4-FFF2-40B4-BE49-F238E27FC236}">
-                <a16:creationId xmlns:a16="http://schemas.microsoft.com/office/drawing/2014/main" id="{63361791-A24B-14EB-363F-8295D8D4662B}"/>
-              </a:ext>
-            </a:extLst>
-          </p:cNvPr>
-          <p:cNvPicPr>
-            <a:picLocks noChangeAspect="1"/>
-          </p:cNvPicPr>
-          <p:nvPr/>
-        </p:nvPicPr>
-        <p:blipFill>
-          <a:blip r:embed="rId3"/>
-          <a:stretch>
-            <a:fillRect/>
-          </a:stretch>
-        </p:blipFill>
-        <p:spPr>
-          <a:xfrm>
-            <a:off x="6368562" y="5202102"/>
-            <a:ext cx="4648200" cy="1143000"/>
-          </a:xfrm>
-          <a:prstGeom prst="rect">
-            <a:avLst/>
-          </a:prstGeom>
-        </p:spPr>
-      </p:pic>
+            <a:pPr marL="0" indent="0" algn="l">
+              <a:buNone/>
+            </a:pPr>
+            <a:r>
+              <a:rPr lang="en-US" b="1" i="0" dirty="0">
+                <a:solidFill>
+                  <a:srgbClr val="222222"/>
+                </a:solidFill>
+                <a:effectLst/>
+                <a:latin typeface="Lucida Grande"/>
+              </a:rPr>
+              <a:t>See also</a:t>
+            </a:r>
+          </a:p>
+          <a:p>
+            <a:pPr algn="l"/>
+            <a:r>
+              <a:rPr lang="en-US" b="0" i="0" u="none" strike="noStrike" dirty="0">
+                <a:solidFill>
+                  <a:srgbClr val="0072AA"/>
+                </a:solidFill>
+                <a:effectLst/>
+                <a:latin typeface="Lucida Grande"/>
+                <a:hlinkClick r:id="rId2"/>
+              </a:rPr>
+              <a:t>Green Tree Snakes</a:t>
+            </a:r>
+            <a:r>
+              <a:rPr lang="en-US" b="0" i="0" dirty="0">
+                <a:solidFill>
+                  <a:srgbClr val="222222"/>
+                </a:solidFill>
+                <a:effectLst/>
+                <a:latin typeface="Lucida Grande"/>
+              </a:rPr>
+              <a:t>, an external documentation resource, has good details on working with Python ASTs.</a:t>
+            </a:r>
+          </a:p>
+          <a:p>
+            <a:pPr algn="l"/>
+            <a:r>
+              <a:rPr lang="en-US" b="0" i="0" u="none" strike="noStrike" dirty="0" err="1">
+                <a:solidFill>
+                  <a:srgbClr val="0072AA"/>
+                </a:solidFill>
+                <a:effectLst/>
+                <a:latin typeface="Lucida Grande"/>
+                <a:hlinkClick r:id="rId3"/>
+              </a:rPr>
+              <a:t>ASTTokens</a:t>
+            </a:r>
+            <a:r>
+              <a:rPr lang="en-US" b="0" i="0" dirty="0">
+                <a:solidFill>
+                  <a:srgbClr val="222222"/>
+                </a:solidFill>
+                <a:effectLst/>
+                <a:latin typeface="Lucida Grande"/>
+              </a:rPr>
+              <a:t> annotates Python ASTs with the positions of tokens and text in the source code that generated them. This is helpful for tools that make source code transformations.</a:t>
+            </a:r>
+          </a:p>
+          <a:p>
+            <a:pPr algn="l"/>
+            <a:r>
+              <a:rPr lang="en-US" b="0" i="0" u="none" strike="noStrike" dirty="0">
+                <a:solidFill>
+                  <a:srgbClr val="0072AA"/>
+                </a:solidFill>
+                <a:effectLst/>
+                <a:latin typeface="Lucida Grande"/>
+                <a:hlinkClick r:id="rId4"/>
+              </a:rPr>
+              <a:t>leoAst.py</a:t>
+            </a:r>
+            <a:r>
+              <a:rPr lang="en-US" b="0" i="0" dirty="0">
+                <a:solidFill>
+                  <a:srgbClr val="222222"/>
+                </a:solidFill>
+                <a:effectLst/>
+                <a:latin typeface="Lucida Grande"/>
+              </a:rPr>
+              <a:t> unifies the token-based and parse-tree-based views of python programs by inserting two-way links between tokens and </a:t>
+            </a:r>
+            <a:r>
+              <a:rPr lang="en-US" b="0" i="0" dirty="0" err="1">
+                <a:solidFill>
+                  <a:srgbClr val="222222"/>
+                </a:solidFill>
+                <a:effectLst/>
+                <a:latin typeface="Lucida Grande"/>
+              </a:rPr>
+              <a:t>ast</a:t>
+            </a:r>
+            <a:r>
+              <a:rPr lang="en-US" b="0" i="0" dirty="0">
+                <a:solidFill>
+                  <a:srgbClr val="222222"/>
+                </a:solidFill>
+                <a:effectLst/>
+                <a:latin typeface="Lucida Grande"/>
+              </a:rPr>
+              <a:t> nodes.</a:t>
+            </a:r>
+          </a:p>
+          <a:p>
+            <a:pPr algn="l"/>
+            <a:r>
+              <a:rPr lang="en-US" b="0" i="0" u="none" strike="noStrike" dirty="0" err="1">
+                <a:solidFill>
+                  <a:srgbClr val="0072AA"/>
+                </a:solidFill>
+                <a:effectLst/>
+                <a:latin typeface="Lucida Grande"/>
+                <a:hlinkClick r:id="rId5"/>
+              </a:rPr>
+              <a:t>LibCST</a:t>
+            </a:r>
+            <a:r>
+              <a:rPr lang="en-US" b="0" i="0" dirty="0">
+                <a:solidFill>
+                  <a:srgbClr val="222222"/>
+                </a:solidFill>
+                <a:effectLst/>
+                <a:latin typeface="Lucida Grande"/>
+              </a:rPr>
+              <a:t> parses code as a Concrete Syntax Tree that looks like an </a:t>
+            </a:r>
+            <a:r>
+              <a:rPr lang="en-US" b="0" i="0" dirty="0" err="1">
+                <a:solidFill>
+                  <a:srgbClr val="222222"/>
+                </a:solidFill>
+                <a:effectLst/>
+                <a:latin typeface="Lucida Grande"/>
+              </a:rPr>
+              <a:t>ast</a:t>
+            </a:r>
+            <a:r>
+              <a:rPr lang="en-US" b="0" i="0" dirty="0">
+                <a:solidFill>
+                  <a:srgbClr val="222222"/>
+                </a:solidFill>
+                <a:effectLst/>
+                <a:latin typeface="Lucida Grande"/>
+              </a:rPr>
+              <a:t> tree and keeps all formatting details. It’s useful for building automated refactoring (</a:t>
+            </a:r>
+            <a:r>
+              <a:rPr lang="en-US" b="0" i="0" dirty="0" err="1">
+                <a:solidFill>
+                  <a:srgbClr val="222222"/>
+                </a:solidFill>
+                <a:effectLst/>
+                <a:latin typeface="Lucida Grande"/>
+              </a:rPr>
+              <a:t>codemod</a:t>
+            </a:r>
+            <a:r>
+              <a:rPr lang="en-US" b="0" i="0" dirty="0">
+                <a:solidFill>
+                  <a:srgbClr val="222222"/>
+                </a:solidFill>
+                <a:effectLst/>
+                <a:latin typeface="Lucida Grande"/>
+              </a:rPr>
+              <a:t>) applications and linters.</a:t>
+            </a:r>
+          </a:p>
+          <a:p>
+            <a:pPr algn="l"/>
+            <a:r>
+              <a:rPr lang="en-US" b="0" i="0" u="none" strike="noStrike" dirty="0" err="1">
+                <a:solidFill>
+                  <a:srgbClr val="0072AA"/>
+                </a:solidFill>
+                <a:effectLst/>
+                <a:latin typeface="Lucida Grande"/>
+                <a:hlinkClick r:id="rId6"/>
+              </a:rPr>
+              <a:t>Parso</a:t>
+            </a:r>
+            <a:r>
+              <a:rPr lang="en-US" b="0" i="0" dirty="0">
+                <a:solidFill>
+                  <a:srgbClr val="222222"/>
+                </a:solidFill>
+                <a:effectLst/>
+                <a:latin typeface="Lucida Grande"/>
+              </a:rPr>
+              <a:t> is a Python parser that supports error recovery and round-trip parsing for different Python versions (in multiple Python versions). </a:t>
+            </a:r>
+            <a:r>
+              <a:rPr lang="en-US" b="0" i="0" dirty="0" err="1">
+                <a:solidFill>
+                  <a:srgbClr val="222222"/>
+                </a:solidFill>
+                <a:effectLst/>
+                <a:latin typeface="Lucida Grande"/>
+              </a:rPr>
+              <a:t>Parso</a:t>
+            </a:r>
+            <a:r>
+              <a:rPr lang="en-US" b="0" i="0" dirty="0">
+                <a:solidFill>
+                  <a:srgbClr val="222222"/>
+                </a:solidFill>
+                <a:effectLst/>
+                <a:latin typeface="Lucida Grande"/>
+              </a:rPr>
+              <a:t> is also able to list multiple syntax errors in your python file.</a:t>
+            </a:r>
+          </a:p>
+        </p:txBody>
+      </p:sp>
     </p:spTree>
     <p:extLst>
       <p:ext uri="{BB962C8B-B14F-4D97-AF65-F5344CB8AC3E}">
-        <p14:creationId xmlns:p14="http://schemas.microsoft.com/office/powerpoint/2010/main" val="1348333889"/>
+        <p14:creationId xmlns:p14="http://schemas.microsoft.com/office/powerpoint/2010/main" val="2018408424"/>
       </p:ext>
     </p:extLst>
   </p:cSld>
@@ -18494,18 +20316,18 @@
 </file>
 
 <file path=customXml/item1.xml><?xml version="1.0" encoding="utf-8"?>
-<p:properties xmlns:p="http://schemas.microsoft.com/office/2006/metadata/properties" xmlns:xsi="http://www.w3.org/2001/XMLSchema-instance" xmlns:pc="http://schemas.microsoft.com/office/infopath/2007/PartnerControls">
-  <documentManagement/>
-</p:properties>
-</file>
-
-<file path=customXml/item2.xml><?xml version="1.0" encoding="utf-8"?>
 <?mso-contentType ?>
 <FormTemplates xmlns="http://schemas.microsoft.com/sharepoint/v3/contenttype/forms">
   <Display>DocumentLibraryForm</Display>
   <Edit>DocumentLibraryForm</Edit>
   <New>DocumentLibraryForm</New>
 </FormTemplates>
+</file>
+
+<file path=customXml/item2.xml><?xml version="1.0" encoding="utf-8"?>
+<p:properties xmlns:p="http://schemas.microsoft.com/office/2006/metadata/properties" xmlns:xsi="http://www.w3.org/2001/XMLSchema-instance" xmlns:pc="http://schemas.microsoft.com/office/infopath/2007/PartnerControls">
+  <documentManagement/>
+</p:properties>
 </file>
 
 <file path=customXml/item3.xml><?xml version="1.0" encoding="utf-8"?>
@@ -18667,18 +20489,18 @@
 </file>
 
 <file path=customXml/itemProps1.xml><?xml version="1.0" encoding="utf-8"?>
-<ds:datastoreItem xmlns:ds="http://schemas.openxmlformats.org/officeDocument/2006/customXml" ds:itemID="{724B8A99-8161-4D52-8DFD-478F5C1B3170}">
+<ds:datastoreItem xmlns:ds="http://schemas.openxmlformats.org/officeDocument/2006/customXml" ds:itemID="{201C66F3-FBD8-4B0F-98D9-445FE3649D01}">
   <ds:schemaRefs>
-    <ds:schemaRef ds:uri="http://schemas.microsoft.com/office/2006/metadata/properties"/>
-    <ds:schemaRef ds:uri="http://schemas.microsoft.com/office/infopath/2007/PartnerControls"/>
+    <ds:schemaRef ds:uri="http://schemas.microsoft.com/sharepoint/v3/contenttype/forms"/>
   </ds:schemaRefs>
 </ds:datastoreItem>
 </file>
 
 <file path=customXml/itemProps2.xml><?xml version="1.0" encoding="utf-8"?>
-<ds:datastoreItem xmlns:ds="http://schemas.openxmlformats.org/officeDocument/2006/customXml" ds:itemID="{201C66F3-FBD8-4B0F-98D9-445FE3649D01}">
+<ds:datastoreItem xmlns:ds="http://schemas.openxmlformats.org/officeDocument/2006/customXml" ds:itemID="{724B8A99-8161-4D52-8DFD-478F5C1B3170}">
   <ds:schemaRefs>
-    <ds:schemaRef ds:uri="http://schemas.microsoft.com/sharepoint/v3/contenttype/forms"/>
+    <ds:schemaRef ds:uri="http://schemas.microsoft.com/office/2006/metadata/properties"/>
+    <ds:schemaRef ds:uri="http://schemas.microsoft.com/office/infopath/2007/PartnerControls"/>
   </ds:schemaRefs>
 </ds:datastoreItem>
 </file>
